--- a/Presentazione.pptx
+++ b/Presentazione.pptx
@@ -11,21 +11,20 @@
     <p:sldId id="259" r:id="rId5"/>
     <p:sldId id="260" r:id="rId6"/>
     <p:sldId id="272" r:id="rId7"/>
-    <p:sldId id="273" r:id="rId8"/>
-    <p:sldId id="275" r:id="rId9"/>
-    <p:sldId id="276" r:id="rId10"/>
-    <p:sldId id="262" r:id="rId11"/>
-    <p:sldId id="263" r:id="rId12"/>
-    <p:sldId id="264" r:id="rId13"/>
-    <p:sldId id="265" r:id="rId14"/>
-    <p:sldId id="266" r:id="rId15"/>
-    <p:sldId id="267" r:id="rId16"/>
-    <p:sldId id="274" r:id="rId17"/>
-    <p:sldId id="277" r:id="rId18"/>
-    <p:sldId id="278" r:id="rId19"/>
-    <p:sldId id="271" r:id="rId20"/>
-    <p:sldId id="270" r:id="rId21"/>
-    <p:sldId id="269" r:id="rId22"/>
+    <p:sldId id="275" r:id="rId8"/>
+    <p:sldId id="276" r:id="rId9"/>
+    <p:sldId id="262" r:id="rId10"/>
+    <p:sldId id="263" r:id="rId11"/>
+    <p:sldId id="264" r:id="rId12"/>
+    <p:sldId id="265" r:id="rId13"/>
+    <p:sldId id="266" r:id="rId14"/>
+    <p:sldId id="267" r:id="rId15"/>
+    <p:sldId id="274" r:id="rId16"/>
+    <p:sldId id="277" r:id="rId17"/>
+    <p:sldId id="278" r:id="rId18"/>
+    <p:sldId id="271" r:id="rId19"/>
+    <p:sldId id="270" r:id="rId20"/>
+    <p:sldId id="269" r:id="rId21"/>
   </p:sldIdLst>
   <p:sldSz cx="12192000" cy="6858000"/>
   <p:notesSz cx="6858000" cy="9144000"/>
@@ -279,7 +278,7 @@
           <a:p>
             <a:fld id="{0E4CDD72-A63B-C044-8A2C-F1FDCDA64E36}" type="datetimeFigureOut">
               <a:rPr lang="it-IT" smtClean="0"/>
-              <a:t>16/01/20</a:t>
+              <a:t>28/01/20</a:t>
             </a:fld>
             <a:endParaRPr lang="it-IT"/>
           </a:p>
@@ -477,7 +476,7 @@
           <a:p>
             <a:fld id="{0E4CDD72-A63B-C044-8A2C-F1FDCDA64E36}" type="datetimeFigureOut">
               <a:rPr lang="it-IT" smtClean="0"/>
-              <a:t>16/01/20</a:t>
+              <a:t>28/01/20</a:t>
             </a:fld>
             <a:endParaRPr lang="it-IT"/>
           </a:p>
@@ -685,7 +684,7 @@
           <a:p>
             <a:fld id="{0E4CDD72-A63B-C044-8A2C-F1FDCDA64E36}" type="datetimeFigureOut">
               <a:rPr lang="it-IT" smtClean="0"/>
-              <a:t>16/01/20</a:t>
+              <a:t>28/01/20</a:t>
             </a:fld>
             <a:endParaRPr lang="it-IT"/>
           </a:p>
@@ -883,7 +882,7 @@
           <a:p>
             <a:fld id="{0E4CDD72-A63B-C044-8A2C-F1FDCDA64E36}" type="datetimeFigureOut">
               <a:rPr lang="it-IT" smtClean="0"/>
-              <a:t>16/01/20</a:t>
+              <a:t>28/01/20</a:t>
             </a:fld>
             <a:endParaRPr lang="it-IT"/>
           </a:p>
@@ -1158,7 +1157,7 @@
           <a:p>
             <a:fld id="{0E4CDD72-A63B-C044-8A2C-F1FDCDA64E36}" type="datetimeFigureOut">
               <a:rPr lang="it-IT" smtClean="0"/>
-              <a:t>16/01/20</a:t>
+              <a:t>28/01/20</a:t>
             </a:fld>
             <a:endParaRPr lang="it-IT"/>
           </a:p>
@@ -1423,7 +1422,7 @@
           <a:p>
             <a:fld id="{0E4CDD72-A63B-C044-8A2C-F1FDCDA64E36}" type="datetimeFigureOut">
               <a:rPr lang="it-IT" smtClean="0"/>
-              <a:t>16/01/20</a:t>
+              <a:t>28/01/20</a:t>
             </a:fld>
             <a:endParaRPr lang="it-IT"/>
           </a:p>
@@ -1835,7 +1834,7 @@
           <a:p>
             <a:fld id="{0E4CDD72-A63B-C044-8A2C-F1FDCDA64E36}" type="datetimeFigureOut">
               <a:rPr lang="it-IT" smtClean="0"/>
-              <a:t>16/01/20</a:t>
+              <a:t>28/01/20</a:t>
             </a:fld>
             <a:endParaRPr lang="it-IT"/>
           </a:p>
@@ -1976,7 +1975,7 @@
           <a:p>
             <a:fld id="{0E4CDD72-A63B-C044-8A2C-F1FDCDA64E36}" type="datetimeFigureOut">
               <a:rPr lang="it-IT" smtClean="0"/>
-              <a:t>16/01/20</a:t>
+              <a:t>28/01/20</a:t>
             </a:fld>
             <a:endParaRPr lang="it-IT"/>
           </a:p>
@@ -2089,7 +2088,7 @@
           <a:p>
             <a:fld id="{0E4CDD72-A63B-C044-8A2C-F1FDCDA64E36}" type="datetimeFigureOut">
               <a:rPr lang="it-IT" smtClean="0"/>
-              <a:t>16/01/20</a:t>
+              <a:t>28/01/20</a:t>
             </a:fld>
             <a:endParaRPr lang="it-IT"/>
           </a:p>
@@ -2400,7 +2399,7 @@
           <a:p>
             <a:fld id="{0E4CDD72-A63B-C044-8A2C-F1FDCDA64E36}" type="datetimeFigureOut">
               <a:rPr lang="it-IT" smtClean="0"/>
-              <a:t>16/01/20</a:t>
+              <a:t>28/01/20</a:t>
             </a:fld>
             <a:endParaRPr lang="it-IT"/>
           </a:p>
@@ -2688,7 +2687,7 @@
           <a:p>
             <a:fld id="{0E4CDD72-A63B-C044-8A2C-F1FDCDA64E36}" type="datetimeFigureOut">
               <a:rPr lang="it-IT" smtClean="0"/>
-              <a:t>16/01/20</a:t>
+              <a:t>28/01/20</a:t>
             </a:fld>
             <a:endParaRPr lang="it-IT"/>
           </a:p>
@@ -2929,7 +2928,7 @@
           <a:p>
             <a:fld id="{0E4CDD72-A63B-C044-8A2C-F1FDCDA64E36}" type="datetimeFigureOut">
               <a:rPr lang="it-IT" smtClean="0"/>
-              <a:t>16/01/20</a:t>
+              <a:t>28/01/20</a:t>
             </a:fld>
             <a:endParaRPr lang="it-IT"/>
           </a:p>
@@ -3395,7 +3394,15 @@
             </a:br>
             <a:r>
               <a:rPr lang="en-US" sz="3200" b="1" dirty="0"/>
-              <a:t>Degree Anonymization  with Dynamic Programming and Realizability of Degree Sequences with Constraints </a:t>
+              <a:t>Degree Anonymization with Dynamic Programming and </a:t>
+            </a:r>
+            <a:r>
+              <a:rPr lang="en-US" sz="3200" b="1" dirty="0" err="1"/>
+              <a:t>Realizability</a:t>
+            </a:r>
+            <a:r>
+              <a:rPr lang="en-US" sz="3200" b="1" dirty="0"/>
+              <a:t> of Degree Sequences with Constraints </a:t>
             </a:r>
             <a:br>
               <a:rPr lang="it-IT" sz="3200" dirty="0"/>
@@ -3588,637 +3595,6 @@
 </file>
 
 <file path=ppt/slides/slide10.xml><?xml version="1.0" encoding="utf-8"?>
-<p:sld xmlns:a="http://schemas.openxmlformats.org/drawingml/2006/main" xmlns:r="http://schemas.openxmlformats.org/officeDocument/2006/relationships" xmlns:p="http://schemas.openxmlformats.org/presentationml/2006/main">
-  <p:cSld>
-    <p:bg>
-      <p:bgPr>
-        <a:solidFill>
-          <a:schemeClr val="bg1"/>
-        </a:solidFill>
-        <a:effectLst/>
-      </p:bgPr>
-    </p:bg>
-    <p:spTree>
-      <p:nvGrpSpPr>
-        <p:cNvPr id="1" name=""/>
-        <p:cNvGrpSpPr/>
-        <p:nvPr/>
-      </p:nvGrpSpPr>
-      <p:grpSpPr>
-        <a:xfrm>
-          <a:off x="0" y="0"/>
-          <a:ext cx="0" cy="0"/>
-          <a:chOff x="0" y="0"/>
-          <a:chExt cx="0" cy="0"/>
-        </a:xfrm>
-      </p:grpSpPr>
-      <p:sp>
-        <p:nvSpPr>
-          <p:cNvPr id="54" name="Rectangle 53">
-            <a:extLst>
-              <a:ext uri="{FF2B5EF4-FFF2-40B4-BE49-F238E27FC236}">
-                <a16:creationId xmlns:a16="http://schemas.microsoft.com/office/drawing/2014/main" id="{823AC064-BC96-4F32-8AE1-B2FD38754823}"/>
-              </a:ext>
-              <a:ext uri="{C183D7F6-B498-43B3-948B-1728B52AA6E4}">
-                <adec:decorative xmlns:adec="http://schemas.microsoft.com/office/drawing/2017/decorative" val="1"/>
-              </a:ext>
-            </a:extLst>
-          </p:cNvPr>
-          <p:cNvSpPr>
-            <a:spLocks noGrp="1" noRot="1" noChangeAspect="1" noMove="1" noResize="1" noEditPoints="1" noAdjustHandles="1" noChangeArrowheads="1" noChangeShapeType="1" noTextEdit="1"/>
-          </p:cNvSpPr>
-          <p:nvPr>
-            <p:extLst>
-              <p:ext uri="{386F3935-93C4-4BCD-93E2-E3B085C9AB24}">
-                <p16:designElem xmlns:p16="http://schemas.microsoft.com/office/powerpoint/2015/main" val="1"/>
-              </p:ext>
-            </p:extLst>
-          </p:nvPr>
-        </p:nvSpPr>
-        <p:spPr bwMode="ltGray">
-          <a:xfrm>
-            <a:off x="396882" y="280374"/>
-            <a:ext cx="11438793" cy="1844256"/>
-          </a:xfrm>
-          <a:prstGeom prst="rect">
-            <a:avLst/>
-          </a:prstGeom>
-          <a:solidFill>
-            <a:srgbClr val="404040"/>
-          </a:solidFill>
-          <a:ln w="127000" cap="sq" cmpd="thinThick">
-            <a:solidFill>
-              <a:srgbClr val="404040"/>
-            </a:solidFill>
-          </a:ln>
-        </p:spPr>
-        <p:style>
-          <a:lnRef idx="2">
-            <a:schemeClr val="accent1">
-              <a:shade val="50000"/>
-            </a:schemeClr>
-          </a:lnRef>
-          <a:fillRef idx="1">
-            <a:schemeClr val="accent1"/>
-          </a:fillRef>
-          <a:effectRef idx="0">
-            <a:schemeClr val="accent1"/>
-          </a:effectRef>
-          <a:fontRef idx="minor">
-            <a:schemeClr val="lt1"/>
-          </a:fontRef>
-        </p:style>
-        <p:txBody>
-          <a:bodyPr rtlCol="0" anchor="ctr"/>
-          <a:lstStyle/>
-          <a:p>
-            <a:pPr algn="ctr"/>
-            <a:endParaRPr lang="en-US"/>
-          </a:p>
-        </p:txBody>
-      </p:sp>
-      <p:sp>
-        <p:nvSpPr>
-          <p:cNvPr id="2" name="Titolo 1">
-            <a:extLst>
-              <a:ext uri="{FF2B5EF4-FFF2-40B4-BE49-F238E27FC236}">
-                <a16:creationId xmlns:a16="http://schemas.microsoft.com/office/drawing/2014/main" id="{BA2E35EB-F348-2041-A9C4-6FC60776BF46}"/>
-              </a:ext>
-            </a:extLst>
-          </p:cNvPr>
-          <p:cNvSpPr>
-            <a:spLocks noGrp="1"/>
-          </p:cNvSpPr>
-          <p:nvPr>
-            <p:ph type="title"/>
-          </p:nvPr>
-        </p:nvSpPr>
-        <p:spPr>
-          <a:xfrm>
-            <a:off x="546351" y="433545"/>
-            <a:ext cx="11139854" cy="930447"/>
-          </a:xfrm>
-        </p:spPr>
-        <p:txBody>
-          <a:bodyPr vert="horz" lIns="91440" tIns="45720" rIns="91440" bIns="45720" rtlCol="0" anchor="b">
-            <a:normAutofit/>
-          </a:bodyPr>
-          <a:lstStyle/>
-          <a:p>
-            <a:pPr algn="ctr"/>
-            <a:r>
-              <a:rPr lang="en-US" sz="5400" b="1" dirty="0">
-                <a:solidFill>
-                  <a:srgbClr val="FFFFFF"/>
-                </a:solidFill>
-              </a:rPr>
-              <a:t> Second Point</a:t>
-            </a:r>
-          </a:p>
-        </p:txBody>
-      </p:sp>
-      <p:cxnSp>
-        <p:nvCxnSpPr>
-          <p:cNvPr id="56" name="Straight Connector 55">
-            <a:extLst>
-              <a:ext uri="{FF2B5EF4-FFF2-40B4-BE49-F238E27FC236}">
-                <a16:creationId xmlns:a16="http://schemas.microsoft.com/office/drawing/2014/main" id="{7E7C77BC-7138-40B1-A15B-20F57A494629}"/>
-              </a:ext>
-              <a:ext uri="{C183D7F6-B498-43B3-948B-1728B52AA6E4}">
-                <adec:decorative xmlns:adec="http://schemas.microsoft.com/office/drawing/2017/decorative" val="1"/>
-              </a:ext>
-            </a:extLst>
-          </p:cNvPr>
-          <p:cNvCxnSpPr>
-            <a:cxnSpLocks noGrp="1" noRot="1" noChangeAspect="1" noMove="1" noResize="1" noEditPoints="1" noAdjustHandles="1" noChangeArrowheads="1" noChangeShapeType="1"/>
-          </p:cNvCxnSpPr>
-          <p:nvPr>
-            <p:extLst>
-              <p:ext uri="{386F3935-93C4-4BCD-93E2-E3B085C9AB24}">
-                <p16:designElem xmlns:p16="http://schemas.microsoft.com/office/powerpoint/2015/main" val="1"/>
-              </p:ext>
-            </p:extLst>
-          </p:nvPr>
-        </p:nvCxnSpPr>
-        <p:spPr>
-          <a:xfrm>
-            <a:off x="2230078" y="1522292"/>
-            <a:ext cx="7772400" cy="0"/>
-          </a:xfrm>
-          <a:prstGeom prst="line">
-            <a:avLst/>
-          </a:prstGeom>
-          <a:ln w="22225">
-            <a:solidFill>
-              <a:srgbClr val="D9D9D9"/>
-            </a:solidFill>
-          </a:ln>
-        </p:spPr>
-        <p:style>
-          <a:lnRef idx="1">
-            <a:schemeClr val="accent1"/>
-          </a:lnRef>
-          <a:fillRef idx="0">
-            <a:schemeClr val="accent1"/>
-          </a:fillRef>
-          <a:effectRef idx="0">
-            <a:schemeClr val="accent1"/>
-          </a:effectRef>
-          <a:fontRef idx="minor">
-            <a:schemeClr val="tx1"/>
-          </a:fontRef>
-        </p:style>
-      </p:cxnSp>
-      <p:cxnSp>
-        <p:nvCxnSpPr>
-          <p:cNvPr id="58" name="Straight Connector 57">
-            <a:extLst>
-              <a:ext uri="{FF2B5EF4-FFF2-40B4-BE49-F238E27FC236}">
-                <a16:creationId xmlns:a16="http://schemas.microsoft.com/office/drawing/2014/main" id="{DB146403-F3D6-484B-B2ED-97F9565D0370}"/>
-              </a:ext>
-              <a:ext uri="{C183D7F6-B498-43B3-948B-1728B52AA6E4}">
-                <adec:decorative xmlns:adec="http://schemas.microsoft.com/office/drawing/2017/decorative" val="1"/>
-              </a:ext>
-            </a:extLst>
-          </p:cNvPr>
-          <p:cNvCxnSpPr>
-            <a:cxnSpLocks noGrp="1" noRot="1" noChangeAspect="1" noMove="1" noResize="1" noEditPoints="1" noAdjustHandles="1" noChangeArrowheads="1" noChangeShapeType="1"/>
-          </p:cNvCxnSpPr>
-          <p:nvPr>
-            <p:extLst>
-              <p:ext uri="{386F3935-93C4-4BCD-93E2-E3B085C9AB24}">
-                <p16:designElem xmlns:p16="http://schemas.microsoft.com/office/powerpoint/2015/main" val="1"/>
-              </p:ext>
-            </p:extLst>
-          </p:nvPr>
-        </p:nvCxnSpPr>
-        <p:spPr>
-          <a:xfrm>
-            <a:off x="6116278" y="2596836"/>
-            <a:ext cx="0" cy="3657600"/>
-          </a:xfrm>
-          <a:prstGeom prst="line">
-            <a:avLst/>
-          </a:prstGeom>
-          <a:ln w="101600" cmpd="dbl">
-            <a:solidFill>
-              <a:srgbClr val="595959"/>
-            </a:solidFill>
-          </a:ln>
-        </p:spPr>
-        <p:style>
-          <a:lnRef idx="1">
-            <a:schemeClr val="accent1"/>
-          </a:lnRef>
-          <a:fillRef idx="0">
-            <a:schemeClr val="accent1"/>
-          </a:fillRef>
-          <a:effectRef idx="0">
-            <a:schemeClr val="accent1"/>
-          </a:effectRef>
-          <a:fontRef idx="minor">
-            <a:schemeClr val="tx1"/>
-          </a:fontRef>
-        </p:style>
-      </p:cxnSp>
-      <p:pic>
-        <p:nvPicPr>
-          <p:cNvPr id="4" name="Immagine 3">
-            <a:extLst>
-              <a:ext uri="{FF2B5EF4-FFF2-40B4-BE49-F238E27FC236}">
-                <a16:creationId xmlns:a16="http://schemas.microsoft.com/office/drawing/2014/main" id="{44C22301-EE38-7243-848B-3D93E958185C}"/>
-              </a:ext>
-            </a:extLst>
-          </p:cNvPr>
-          <p:cNvPicPr>
-            <a:picLocks noChangeAspect="1"/>
-          </p:cNvPicPr>
-          <p:nvPr/>
-        </p:nvPicPr>
-        <p:blipFill>
-          <a:blip r:embed="rId2"/>
-          <a:stretch>
-            <a:fillRect/>
-          </a:stretch>
-        </p:blipFill>
-        <p:spPr>
-          <a:xfrm>
-            <a:off x="546351" y="2531009"/>
-            <a:ext cx="5391103" cy="3610612"/>
-          </a:xfrm>
-          <a:prstGeom prst="rect">
-            <a:avLst/>
-          </a:prstGeom>
-        </p:spPr>
-      </p:pic>
-      <p:sp>
-        <p:nvSpPr>
-          <p:cNvPr id="8" name="CasellaDiTesto 7">
-            <a:extLst>
-              <a:ext uri="{FF2B5EF4-FFF2-40B4-BE49-F238E27FC236}">
-                <a16:creationId xmlns:a16="http://schemas.microsoft.com/office/drawing/2014/main" id="{C67C058D-F3C3-5F44-8613-AA4BFABFB578}"/>
-              </a:ext>
-            </a:extLst>
-          </p:cNvPr>
-          <p:cNvSpPr txBox="1"/>
-          <p:nvPr/>
-        </p:nvSpPr>
-        <p:spPr>
-          <a:xfrm>
-            <a:off x="3794848" y="1462874"/>
-            <a:ext cx="5806337" cy="523220"/>
-          </a:xfrm>
-          <a:prstGeom prst="rect">
-            <a:avLst/>
-          </a:prstGeom>
-          <a:noFill/>
-        </p:spPr>
-        <p:txBody>
-          <a:bodyPr wrap="square" rtlCol="0">
-            <a:spAutoFit/>
-          </a:bodyPr>
-          <a:lstStyle/>
-          <a:p>
-            <a:r>
-              <a:rPr lang="it-IT" sz="2800" dirty="0" err="1">
-                <a:solidFill>
-                  <a:schemeClr val="bg1"/>
-                </a:solidFill>
-              </a:rPr>
-              <a:t>Graph</a:t>
-            </a:r>
-            <a:r>
-              <a:rPr lang="it-IT" sz="2800" dirty="0">
-                <a:solidFill>
-                  <a:schemeClr val="bg1"/>
-                </a:solidFill>
-              </a:rPr>
-              <a:t> </a:t>
-            </a:r>
-            <a:r>
-              <a:rPr lang="it-IT" sz="2800" dirty="0" err="1">
-                <a:solidFill>
-                  <a:schemeClr val="bg1"/>
-                </a:solidFill>
-              </a:rPr>
-              <a:t>construction</a:t>
-            </a:r>
-            <a:r>
-              <a:rPr lang="it-IT" sz="2800" dirty="0">
-                <a:solidFill>
-                  <a:schemeClr val="bg1"/>
-                </a:solidFill>
-              </a:rPr>
-              <a:t> with </a:t>
-            </a:r>
-            <a:r>
-              <a:rPr lang="it-IT" sz="2800" b="1" i="1" dirty="0" err="1">
-                <a:solidFill>
-                  <a:schemeClr val="bg1"/>
-                </a:solidFill>
-              </a:rPr>
-              <a:t>Constraints</a:t>
-            </a:r>
-            <a:endParaRPr lang="it-IT" b="1" i="1" dirty="0">
-              <a:solidFill>
-                <a:schemeClr val="bg1"/>
-              </a:solidFill>
-            </a:endParaRPr>
-          </a:p>
-        </p:txBody>
-      </p:sp>
-      <p:sp>
-        <p:nvSpPr>
-          <p:cNvPr id="10" name="CasellaDiTesto 9">
-            <a:extLst>
-              <a:ext uri="{FF2B5EF4-FFF2-40B4-BE49-F238E27FC236}">
-                <a16:creationId xmlns:a16="http://schemas.microsoft.com/office/drawing/2014/main" id="{846CEA52-DA31-4941-A407-BF4CCAECCAD7}"/>
-              </a:ext>
-            </a:extLst>
-          </p:cNvPr>
-          <p:cNvSpPr txBox="1"/>
-          <p:nvPr/>
-        </p:nvSpPr>
-        <p:spPr>
-          <a:xfrm>
-            <a:off x="6536267" y="2709333"/>
-            <a:ext cx="5299368" cy="2308324"/>
-          </a:xfrm>
-          <a:prstGeom prst="rect">
-            <a:avLst/>
-          </a:prstGeom>
-          <a:noFill/>
-        </p:spPr>
-        <p:txBody>
-          <a:bodyPr wrap="square" rtlCol="0">
-            <a:spAutoFit/>
-          </a:bodyPr>
-          <a:lstStyle/>
-          <a:p>
-            <a:r>
-              <a:rPr lang="it-IT" sz="2400" dirty="0"/>
-              <a:t>In </a:t>
-            </a:r>
-            <a:r>
-              <a:rPr lang="it-IT" sz="2400" dirty="0" err="1"/>
-              <a:t>class</a:t>
-            </a:r>
-            <a:r>
-              <a:rPr lang="it-IT" sz="2400" dirty="0"/>
-              <a:t> </a:t>
-            </a:r>
-            <a:r>
-              <a:rPr lang="it-IT" sz="2400" dirty="0" err="1"/>
-              <a:t>we</a:t>
-            </a:r>
-            <a:r>
-              <a:rPr lang="it-IT" sz="2400" dirty="0"/>
-              <a:t> </a:t>
-            </a:r>
-            <a:r>
-              <a:rPr lang="it-IT" sz="2400" dirty="0" err="1"/>
-              <a:t>saw</a:t>
-            </a:r>
-            <a:r>
-              <a:rPr lang="it-IT" sz="2400" dirty="0"/>
-              <a:t> the </a:t>
-            </a:r>
-            <a:r>
-              <a:rPr lang="it-IT" sz="2400" dirty="0" err="1"/>
-              <a:t>algorithm</a:t>
-            </a:r>
-            <a:r>
-              <a:rPr lang="it-IT" sz="2400" dirty="0"/>
-              <a:t> on the </a:t>
-            </a:r>
-            <a:r>
-              <a:rPr lang="it-IT" sz="2400" dirty="0" err="1"/>
-              <a:t>left</a:t>
-            </a:r>
-            <a:r>
-              <a:rPr lang="it-IT" sz="2400" dirty="0"/>
-              <a:t> .</a:t>
-            </a:r>
-          </a:p>
-          <a:p>
-            <a:pPr algn="just"/>
-            <a:r>
-              <a:rPr lang="it-IT" sz="2400" dirty="0" err="1"/>
-              <a:t>This</a:t>
-            </a:r>
-            <a:r>
-              <a:rPr lang="it-IT" sz="2400" dirty="0"/>
-              <a:t> </a:t>
-            </a:r>
-            <a:r>
-              <a:rPr lang="it-IT" sz="2400" dirty="0" err="1"/>
-              <a:t>algorithm</a:t>
-            </a:r>
-            <a:r>
-              <a:rPr lang="it-IT" sz="2400" dirty="0"/>
-              <a:t> </a:t>
-            </a:r>
-            <a:r>
-              <a:rPr lang="it-IT" sz="2400" dirty="0" err="1"/>
-              <a:t>allows</a:t>
-            </a:r>
-            <a:r>
-              <a:rPr lang="it-IT" sz="2400" dirty="0"/>
-              <a:t> to create a </a:t>
-            </a:r>
-            <a:r>
-              <a:rPr lang="it-IT" sz="2400" dirty="0" err="1"/>
-              <a:t>graph</a:t>
-            </a:r>
-            <a:r>
-              <a:rPr lang="it-IT" sz="2400" dirty="0"/>
-              <a:t> with the </a:t>
-            </a:r>
-            <a:r>
-              <a:rPr lang="it-IT" sz="2400" dirty="0" err="1"/>
-              <a:t>same</a:t>
-            </a:r>
-            <a:r>
-              <a:rPr lang="it-IT" sz="2400" dirty="0"/>
-              <a:t> </a:t>
-            </a:r>
-            <a:r>
-              <a:rPr lang="it-IT" sz="2400" dirty="0" err="1"/>
-              <a:t>nodes</a:t>
-            </a:r>
-            <a:r>
-              <a:rPr lang="it-IT" sz="2400" dirty="0"/>
-              <a:t>( </a:t>
-            </a:r>
-            <a:r>
-              <a:rPr lang="it-IT" sz="2400" dirty="0" err="1"/>
-              <a:t>label</a:t>
-            </a:r>
-            <a:r>
-              <a:rPr lang="it-IT" sz="2400" dirty="0"/>
-              <a:t> with </a:t>
-            </a:r>
-            <a:r>
-              <a:rPr lang="it-IT" sz="2400" dirty="0" err="1"/>
-              <a:t>number</a:t>
-            </a:r>
-            <a:r>
-              <a:rPr lang="it-IT" sz="2400" dirty="0"/>
-              <a:t> </a:t>
-            </a:r>
-            <a:r>
-              <a:rPr lang="it-IT" sz="2400" dirty="0" err="1"/>
-              <a:t>instead</a:t>
-            </a:r>
-            <a:r>
-              <a:rPr lang="it-IT" sz="2400" dirty="0"/>
-              <a:t> </a:t>
-            </a:r>
-            <a:r>
-              <a:rPr lang="it-IT" sz="2400" dirty="0" err="1"/>
-              <a:t>real</a:t>
-            </a:r>
-            <a:r>
-              <a:rPr lang="it-IT" sz="2400" dirty="0"/>
-              <a:t> </a:t>
-            </a:r>
-            <a:r>
-              <a:rPr lang="it-IT" sz="2400" dirty="0" err="1"/>
-              <a:t>name</a:t>
-            </a:r>
-            <a:r>
-              <a:rPr lang="it-IT" sz="2400" dirty="0"/>
-              <a:t> )  and  for </a:t>
-            </a:r>
-            <a:r>
-              <a:rPr lang="it-IT" sz="2400" dirty="0" err="1"/>
-              <a:t>each</a:t>
-            </a:r>
-            <a:r>
-              <a:rPr lang="it-IT" sz="2400" dirty="0"/>
-              <a:t> </a:t>
-            </a:r>
-            <a:r>
-              <a:rPr lang="it-IT" sz="2400" dirty="0" err="1"/>
-              <a:t>node</a:t>
-            </a:r>
-            <a:r>
-              <a:rPr lang="it-IT" sz="2400" dirty="0"/>
-              <a:t> </a:t>
-            </a:r>
-            <a:r>
-              <a:rPr lang="it-IT" sz="2400" dirty="0" err="1"/>
-              <a:t>consider</a:t>
-            </a:r>
-            <a:r>
-              <a:rPr lang="it-IT" sz="2400" dirty="0"/>
-              <a:t> the </a:t>
-            </a:r>
-            <a:r>
-              <a:rPr lang="it-IT" sz="2400" dirty="0" err="1"/>
-              <a:t>degree</a:t>
-            </a:r>
-            <a:r>
-              <a:rPr lang="it-IT" sz="2400" dirty="0"/>
-              <a:t> of </a:t>
-            </a:r>
-            <a:r>
-              <a:rPr lang="it-IT" sz="2400" dirty="0" err="1"/>
-              <a:t>anonymization</a:t>
-            </a:r>
-            <a:r>
-              <a:rPr lang="it-IT" sz="2400" dirty="0"/>
-              <a:t> and </a:t>
-            </a:r>
-            <a:r>
-              <a:rPr lang="it-IT" sz="2400" dirty="0" err="1"/>
-              <a:t>add</a:t>
-            </a:r>
-            <a:r>
-              <a:rPr lang="it-IT" sz="2400" dirty="0"/>
-              <a:t> </a:t>
-            </a:r>
-            <a:r>
-              <a:rPr lang="it-IT" sz="2400" dirty="0" err="1"/>
-              <a:t>edge</a:t>
-            </a:r>
-            <a:r>
-              <a:rPr lang="it-IT" sz="2400" dirty="0"/>
-              <a:t> with no </a:t>
-            </a:r>
-            <a:r>
-              <a:rPr lang="it-IT" sz="2400" dirty="0" err="1"/>
-              <a:t>constraints</a:t>
-            </a:r>
-            <a:r>
-              <a:rPr lang="it-IT" sz="2400" dirty="0"/>
-              <a:t>.</a:t>
-            </a:r>
-          </a:p>
-        </p:txBody>
-      </p:sp>
-      <p:sp>
-        <p:nvSpPr>
-          <p:cNvPr id="11" name="CasellaDiTesto 10">
-            <a:extLst>
-              <a:ext uri="{FF2B5EF4-FFF2-40B4-BE49-F238E27FC236}">
-                <a16:creationId xmlns:a16="http://schemas.microsoft.com/office/drawing/2014/main" id="{6BEAB244-E599-DF43-BF78-D0DA98059D29}"/>
-              </a:ext>
-            </a:extLst>
-          </p:cNvPr>
-          <p:cNvSpPr txBox="1"/>
-          <p:nvPr/>
-        </p:nvSpPr>
-        <p:spPr>
-          <a:xfrm>
-            <a:off x="6453911" y="4956029"/>
-            <a:ext cx="5232294" cy="646331"/>
-          </a:xfrm>
-          <a:prstGeom prst="rect">
-            <a:avLst/>
-          </a:prstGeom>
-          <a:noFill/>
-        </p:spPr>
-        <p:txBody>
-          <a:bodyPr wrap="square" rtlCol="0">
-            <a:spAutoFit/>
-          </a:bodyPr>
-          <a:lstStyle/>
-          <a:p>
-            <a:pPr algn="just"/>
-            <a:r>
-              <a:rPr lang="it-IT" b="1" dirty="0"/>
-              <a:t>IS IT POSSIBLE CREATE AN ANONYMIZATION GRAPH WITH THE </a:t>
-            </a:r>
-            <a:r>
-              <a:rPr lang="it-IT" b="1" dirty="0">
-                <a:solidFill>
-                  <a:srgbClr val="C00000"/>
-                </a:solidFill>
-              </a:rPr>
-              <a:t>START EDGE</a:t>
-            </a:r>
-            <a:r>
-              <a:rPr lang="it-IT" b="1" dirty="0"/>
-              <a:t>?</a:t>
-            </a:r>
-          </a:p>
-        </p:txBody>
-      </p:sp>
-    </p:spTree>
-    <p:extLst>
-      <p:ext uri="{BB962C8B-B14F-4D97-AF65-F5344CB8AC3E}">
-        <p14:creationId xmlns:p14="http://schemas.microsoft.com/office/powerpoint/2010/main" val="2815029175"/>
-      </p:ext>
-    </p:extLst>
-  </p:cSld>
-  <p:clrMapOvr>
-    <a:masterClrMapping/>
-  </p:clrMapOvr>
-</p:sld>
-</file>
-
-<file path=ppt/slides/slide11.xml><?xml version="1.0" encoding="utf-8"?>
 <p:sld xmlns:a="http://schemas.openxmlformats.org/drawingml/2006/main" xmlns:r="http://schemas.openxmlformats.org/officeDocument/2006/relationships" xmlns:p="http://schemas.openxmlformats.org/presentationml/2006/main">
   <p:cSld>
     <p:bg>
@@ -4643,7 +4019,7 @@
             </a:r>
             <a:r>
               <a:rPr lang="it-IT" sz="1200" dirty="0"/>
-              <a:t>(</a:t>
+              <a:t> (</a:t>
             </a:r>
             <a:r>
               <a:rPr lang="it-IT" sz="1200" dirty="0" err="1"/>
@@ -4659,7 +4035,7 @@
             </a:r>
             <a:r>
               <a:rPr lang="it-IT" sz="1200" dirty="0"/>
-              <a:t>  a </a:t>
+              <a:t> a </a:t>
             </a:r>
             <a:r>
               <a:rPr lang="it-IT" sz="1200" dirty="0" err="1"/>
@@ -4745,7 +4121,26 @@
               <a:rPr lang="it-IT" sz="1200" dirty="0" err="1"/>
               <a:t>different</a:t>
             </a:r>
-            <a:endParaRPr lang="it-IT" sz="1200" dirty="0"/>
+            <a:r>
+              <a:rPr lang="it-IT" sz="1200" dirty="0"/>
+              <a:t> (</a:t>
+            </a:r>
+            <a:r>
+              <a:rPr lang="it-IT" sz="1200" dirty="0" err="1"/>
+              <a:t>too</a:t>
+            </a:r>
+            <a:r>
+              <a:rPr lang="it-IT" sz="1200" dirty="0"/>
+              <a:t> </a:t>
+            </a:r>
+            <a:r>
+              <a:rPr lang="it-IT" sz="1200" dirty="0" err="1"/>
+              <a:t>edges</a:t>
+            </a:r>
+            <a:r>
+              <a:rPr lang="it-IT" sz="1200" dirty="0"/>
+              <a:t>!)</a:t>
+            </a:r>
           </a:p>
         </p:txBody>
       </p:sp>
@@ -4762,7 +4157,7 @@
 </p:sld>
 </file>
 
-<file path=ppt/slides/slide12.xml><?xml version="1.0" encoding="utf-8"?>
+<file path=ppt/slides/slide11.xml><?xml version="1.0" encoding="utf-8"?>
 <p:sld xmlns:a="http://schemas.openxmlformats.org/drawingml/2006/main" xmlns:r="http://schemas.openxmlformats.org/officeDocument/2006/relationships" xmlns:p="http://schemas.openxmlformats.org/presentationml/2006/main">
   <p:cSld>
     <p:spTree>
@@ -5624,7 +5019,7 @@
 </p:sld>
 </file>
 
-<file path=ppt/slides/slide13.xml><?xml version="1.0" encoding="utf-8"?>
+<file path=ppt/slides/slide12.xml><?xml version="1.0" encoding="utf-8"?>
 <p:sld xmlns:a="http://schemas.openxmlformats.org/drawingml/2006/main" xmlns:r="http://schemas.openxmlformats.org/officeDocument/2006/relationships" xmlns:p="http://schemas.openxmlformats.org/presentationml/2006/main">
   <p:cSld>
     <p:spTree>
@@ -5764,7 +5159,7 @@
 </p:sld>
 </file>
 
-<file path=ppt/slides/slide14.xml><?xml version="1.0" encoding="utf-8"?>
+<file path=ppt/slides/slide13.xml><?xml version="1.0" encoding="utf-8"?>
 <p:sld xmlns:a="http://schemas.openxmlformats.org/drawingml/2006/main" xmlns:r="http://schemas.openxmlformats.org/officeDocument/2006/relationships" xmlns:p="http://schemas.openxmlformats.org/presentationml/2006/main">
   <p:cSld>
     <p:spTree>
@@ -5799,8 +5194,8 @@
         </p:nvSpPr>
         <p:spPr>
           <a:xfrm>
-            <a:off x="0" y="18255"/>
-            <a:ext cx="10515600" cy="1325563"/>
+            <a:off x="440266" y="18255"/>
+            <a:ext cx="10075333" cy="1073945"/>
           </a:xfrm>
         </p:spPr>
         <p:txBody>
@@ -5863,179 +5258,179 @@
         <p:spPr>
           <a:xfrm>
             <a:off x="650930" y="911224"/>
-            <a:ext cx="11127781" cy="2893101"/>
+            <a:ext cx="10855269" cy="2661709"/>
           </a:xfrm>
         </p:spPr>
         <p:txBody>
           <a:bodyPr>
-            <a:normAutofit fontScale="92500"/>
+            <a:normAutofit lnSpcReduction="10000"/>
           </a:bodyPr>
           <a:lstStyle/>
           <a:p>
             <a:pPr algn="just"/>
             <a:r>
-              <a:rPr lang="it-IT" dirty="0" err="1"/>
+              <a:rPr lang="it-IT" sz="2400" dirty="0" err="1"/>
               <a:t>Our</a:t>
             </a:r>
             <a:r>
-              <a:rPr lang="it-IT" dirty="0"/>
-              <a:t> </a:t>
-            </a:r>
-            <a:r>
-              <a:rPr lang="it-IT" dirty="0" err="1"/>
+              <a:rPr lang="it-IT" sz="2400" dirty="0"/>
+              <a:t> </a:t>
+            </a:r>
+            <a:r>
+              <a:rPr lang="it-IT" sz="2400" dirty="0" err="1"/>
               <a:t>implementation</a:t>
             </a:r>
             <a:r>
-              <a:rPr lang="it-IT" dirty="0"/>
-              <a:t> </a:t>
-            </a:r>
-            <a:r>
-              <a:rPr lang="it-IT" dirty="0" err="1"/>
+              <a:rPr lang="it-IT" sz="2400" dirty="0"/>
+              <a:t> </a:t>
+            </a:r>
+            <a:r>
+              <a:rPr lang="it-IT" sz="2400" dirty="0" err="1"/>
               <a:t>initially</a:t>
             </a:r>
             <a:r>
-              <a:rPr lang="it-IT" dirty="0"/>
+              <a:rPr lang="it-IT" sz="2400" dirty="0"/>
               <a:t> compute the </a:t>
             </a:r>
             <a:r>
-              <a:rPr lang="it-IT" dirty="0" err="1"/>
+              <a:rPr lang="it-IT" sz="2400" dirty="0" err="1"/>
               <a:t>degree</a:t>
             </a:r>
             <a:r>
-              <a:rPr lang="it-IT" dirty="0"/>
-              <a:t> </a:t>
-            </a:r>
-            <a:r>
-              <a:rPr lang="it-IT" dirty="0" err="1"/>
+              <a:rPr lang="it-IT" sz="2400" dirty="0"/>
+              <a:t> </a:t>
+            </a:r>
+            <a:r>
+              <a:rPr lang="it-IT" sz="2400" dirty="0" err="1"/>
               <a:t>anonymization</a:t>
             </a:r>
             <a:r>
-              <a:rPr lang="it-IT" dirty="0"/>
-              <a:t> </a:t>
-            </a:r>
-            <a:r>
-              <a:rPr lang="it-IT" dirty="0" err="1"/>
+              <a:rPr lang="it-IT" sz="2400" dirty="0"/>
+              <a:t> </a:t>
+            </a:r>
+            <a:r>
+              <a:rPr lang="it-IT" sz="2400" dirty="0" err="1"/>
               <a:t>algorithm</a:t>
             </a:r>
             <a:r>
-              <a:rPr lang="it-IT" dirty="0"/>
+              <a:rPr lang="it-IT" sz="2400" dirty="0"/>
               <a:t>.</a:t>
             </a:r>
           </a:p>
           <a:p>
             <a:pPr algn="just"/>
             <a:r>
-              <a:rPr lang="it-IT" dirty="0"/>
+              <a:rPr lang="it-IT" sz="2400" dirty="0"/>
               <a:t>Create a new </a:t>
             </a:r>
             <a:r>
-              <a:rPr lang="it-IT" dirty="0" err="1"/>
+              <a:rPr lang="it-IT" sz="2400" dirty="0" err="1"/>
               <a:t>graph</a:t>
             </a:r>
             <a:r>
-              <a:rPr lang="it-IT" dirty="0"/>
+              <a:rPr lang="it-IT" sz="2400" dirty="0"/>
               <a:t> with </a:t>
             </a:r>
             <a:r>
-              <a:rPr lang="it-IT" dirty="0" err="1"/>
+              <a:rPr lang="it-IT" sz="2400" dirty="0" err="1"/>
               <a:t>mapping</a:t>
             </a:r>
             <a:r>
-              <a:rPr lang="it-IT" dirty="0"/>
-              <a:t> </a:t>
-            </a:r>
-            <a:r>
-              <a:rPr lang="it-IT" dirty="0" err="1"/>
+              <a:rPr lang="it-IT" sz="2400" dirty="0"/>
+              <a:t> </a:t>
+            </a:r>
+            <a:r>
+              <a:rPr lang="it-IT" sz="2400" dirty="0" err="1"/>
               <a:t>between</a:t>
             </a:r>
             <a:r>
-              <a:rPr lang="it-IT" dirty="0"/>
-              <a:t> </a:t>
-            </a:r>
-            <a:r>
-              <a:rPr lang="it-IT" dirty="0" err="1"/>
+              <a:rPr lang="it-IT" sz="2400" dirty="0"/>
+              <a:t> </a:t>
+            </a:r>
+            <a:r>
+              <a:rPr lang="it-IT" sz="2400" dirty="0" err="1"/>
               <a:t>name</a:t>
             </a:r>
             <a:r>
-              <a:rPr lang="it-IT" dirty="0"/>
+              <a:rPr lang="it-IT" sz="2400" dirty="0"/>
               <a:t> of </a:t>
             </a:r>
             <a:r>
-              <a:rPr lang="it-IT" dirty="0" err="1"/>
+              <a:rPr lang="it-IT" sz="2400" dirty="0" err="1"/>
               <a:t>label</a:t>
             </a:r>
             <a:r>
-              <a:rPr lang="it-IT" dirty="0"/>
+              <a:rPr lang="it-IT" sz="2400" dirty="0"/>
               <a:t> and </a:t>
             </a:r>
             <a:r>
-              <a:rPr lang="it-IT" dirty="0" err="1"/>
+              <a:rPr lang="it-IT" sz="2400" dirty="0" err="1"/>
               <a:t>number</a:t>
             </a:r>
             <a:r>
-              <a:rPr lang="it-IT" dirty="0"/>
+              <a:rPr lang="it-IT" sz="2400" dirty="0"/>
               <a:t> (</a:t>
             </a:r>
             <a:r>
-              <a:rPr lang="it-IT" dirty="0" err="1"/>
+              <a:rPr lang="it-IT" sz="2400" dirty="0" err="1"/>
               <a:t>logically</a:t>
             </a:r>
             <a:r>
-              <a:rPr lang="it-IT" dirty="0"/>
+              <a:rPr lang="it-IT" sz="2400" dirty="0"/>
               <a:t> for </a:t>
             </a:r>
             <a:r>
-              <a:rPr lang="it-IT" dirty="0" err="1"/>
+              <a:rPr lang="it-IT" sz="2400" dirty="0" err="1"/>
               <a:t>anonymization</a:t>
             </a:r>
             <a:r>
-              <a:rPr lang="it-IT" dirty="0"/>
+              <a:rPr lang="it-IT" sz="2400" dirty="0"/>
               <a:t>).</a:t>
             </a:r>
           </a:p>
           <a:p>
             <a:r>
-              <a:rPr lang="it-IT" dirty="0"/>
+              <a:rPr lang="it-IT" sz="2400" dirty="0"/>
               <a:t>Use the </a:t>
             </a:r>
             <a:r>
-              <a:rPr lang="it-IT" dirty="0" err="1"/>
+              <a:rPr lang="it-IT" sz="2400" dirty="0" err="1"/>
               <a:t>same</a:t>
             </a:r>
             <a:r>
-              <a:rPr lang="it-IT" dirty="0"/>
-              <a:t> </a:t>
-            </a:r>
-            <a:r>
-              <a:rPr lang="it-IT" dirty="0" err="1"/>
+              <a:rPr lang="it-IT" sz="2400" dirty="0"/>
+              <a:t> </a:t>
+            </a:r>
+            <a:r>
+              <a:rPr lang="it-IT" sz="2400" dirty="0" err="1"/>
               <a:t>structure</a:t>
             </a:r>
             <a:r>
-              <a:rPr lang="it-IT" dirty="0"/>
+              <a:rPr lang="it-IT" sz="2400" dirty="0"/>
               <a:t> of </a:t>
             </a:r>
             <a:r>
-              <a:rPr lang="it-IT" dirty="0" err="1"/>
+              <a:rPr lang="it-IT" sz="2400" i="1" dirty="0" err="1"/>
               <a:t>ConstructGraph</a:t>
             </a:r>
             <a:r>
-              <a:rPr lang="it-IT" dirty="0"/>
+              <a:rPr lang="it-IT" sz="2400" dirty="0"/>
               <a:t> with </a:t>
             </a:r>
             <a:r>
-              <a:rPr lang="it-IT" dirty="0" err="1"/>
+              <a:rPr lang="it-IT" sz="2400" dirty="0" err="1"/>
               <a:t>few</a:t>
             </a:r>
             <a:r>
-              <a:rPr lang="it-IT" dirty="0"/>
-              <a:t> </a:t>
-            </a:r>
-            <a:r>
-              <a:rPr lang="it-IT" dirty="0" err="1"/>
+              <a:rPr lang="it-IT" sz="2400" dirty="0"/>
+              <a:t> </a:t>
+            </a:r>
+            <a:r>
+              <a:rPr lang="it-IT" sz="2400" dirty="0" err="1"/>
               <a:t>difference</a:t>
             </a:r>
             <a:r>
-              <a:rPr lang="it-IT" dirty="0"/>
+              <a:rPr lang="it-IT" sz="2400" dirty="0"/>
               <a:t>:</a:t>
             </a:r>
           </a:p>
@@ -6044,120 +5439,120 @@
               <a:buNone/>
             </a:pPr>
             <a:r>
-              <a:rPr lang="it-IT" dirty="0"/>
+              <a:rPr lang="it-IT" sz="2200" dirty="0"/>
               <a:t>In </a:t>
             </a:r>
             <a:r>
-              <a:rPr lang="it-IT" dirty="0" err="1"/>
+              <a:rPr lang="it-IT" sz="2200" dirty="0" err="1"/>
               <a:t>particular</a:t>
             </a:r>
             <a:r>
-              <a:rPr lang="it-IT" dirty="0"/>
-              <a:t> </a:t>
-            </a:r>
-            <a:r>
-              <a:rPr lang="it-IT" dirty="0" err="1"/>
+              <a:rPr lang="it-IT" sz="2200" dirty="0"/>
+              <a:t>, </a:t>
+            </a:r>
+            <a:r>
+              <a:rPr lang="it-IT" sz="2200" dirty="0" err="1"/>
               <a:t>when</a:t>
             </a:r>
             <a:r>
-              <a:rPr lang="it-IT" dirty="0"/>
-              <a:t> </a:t>
-            </a:r>
-            <a:r>
-              <a:rPr lang="it-IT" dirty="0" err="1"/>
+              <a:rPr lang="it-IT" sz="2200" dirty="0"/>
+              <a:t> </a:t>
+            </a:r>
+            <a:r>
+              <a:rPr lang="it-IT" sz="2200" dirty="0" err="1"/>
               <a:t>all</a:t>
             </a:r>
             <a:r>
-              <a:rPr lang="it-IT" dirty="0"/>
+              <a:rPr lang="it-IT" sz="2200" dirty="0"/>
               <a:t> the </a:t>
             </a:r>
             <a:r>
-              <a:rPr lang="it-IT" dirty="0" err="1"/>
+              <a:rPr lang="it-IT" sz="2200" dirty="0" err="1"/>
               <a:t>values</a:t>
             </a:r>
             <a:r>
-              <a:rPr lang="it-IT" dirty="0"/>
+              <a:rPr lang="it-IT" sz="2200" dirty="0"/>
               <a:t> of </a:t>
             </a:r>
             <a:r>
-              <a:rPr lang="it-IT" dirty="0" err="1"/>
+              <a:rPr lang="it-IT" sz="2200" dirty="0" err="1"/>
               <a:t>vector</a:t>
             </a:r>
             <a:r>
-              <a:rPr lang="it-IT" dirty="0"/>
-              <a:t> a are zero, </a:t>
-            </a:r>
-            <a:r>
-              <a:rPr lang="it-IT" dirty="0" err="1"/>
+              <a:rPr lang="it-IT" sz="2200" dirty="0"/>
+              <a:t> ‘a’ are zero, </a:t>
+            </a:r>
+            <a:r>
+              <a:rPr lang="it-IT" sz="2200" dirty="0" err="1"/>
               <a:t>we</a:t>
             </a:r>
             <a:r>
-              <a:rPr lang="it-IT" dirty="0"/>
+              <a:rPr lang="it-IT" sz="2200" dirty="0"/>
               <a:t> control </a:t>
             </a:r>
             <a:r>
-              <a:rPr lang="it-IT" dirty="0" err="1"/>
+              <a:rPr lang="it-IT" sz="2200" dirty="0" err="1"/>
               <a:t>if</a:t>
             </a:r>
             <a:r>
-              <a:rPr lang="it-IT" dirty="0"/>
+              <a:rPr lang="it-IT" sz="2200" dirty="0"/>
               <a:t> the </a:t>
             </a:r>
             <a:r>
-              <a:rPr lang="it-IT" dirty="0" err="1"/>
+              <a:rPr lang="it-IT" sz="2200" dirty="0" err="1"/>
               <a:t>number</a:t>
             </a:r>
             <a:r>
-              <a:rPr lang="it-IT" dirty="0"/>
+              <a:rPr lang="it-IT" sz="2200" dirty="0"/>
               <a:t> of </a:t>
             </a:r>
             <a:r>
-              <a:rPr lang="it-IT" dirty="0" err="1"/>
+              <a:rPr lang="it-IT" sz="2200" dirty="0" err="1"/>
               <a:t>edges</a:t>
             </a:r>
             <a:r>
-              <a:rPr lang="it-IT" dirty="0"/>
-              <a:t> </a:t>
-            </a:r>
-            <a:r>
-              <a:rPr lang="it-IT" dirty="0" err="1"/>
+              <a:rPr lang="it-IT" sz="2200" dirty="0"/>
+              <a:t> </a:t>
+            </a:r>
+            <a:r>
+              <a:rPr lang="it-IT" sz="2200" dirty="0" err="1"/>
               <a:t>added</a:t>
             </a:r>
             <a:r>
-              <a:rPr lang="it-IT" dirty="0"/>
+              <a:rPr lang="it-IT" sz="2200" dirty="0"/>
               <a:t> in a </a:t>
             </a:r>
             <a:r>
-              <a:rPr lang="it-IT" dirty="0" err="1"/>
+              <a:rPr lang="it-IT" sz="2200" dirty="0" err="1"/>
               <a:t>graph</a:t>
             </a:r>
             <a:r>
-              <a:rPr lang="it-IT" dirty="0"/>
+              <a:rPr lang="it-IT" sz="2200" dirty="0"/>
               <a:t> are </a:t>
             </a:r>
             <a:r>
-              <a:rPr lang="it-IT" dirty="0" err="1"/>
+              <a:rPr lang="it-IT" sz="2200" dirty="0" err="1"/>
               <a:t>equal</a:t>
             </a:r>
             <a:r>
-              <a:rPr lang="it-IT" dirty="0"/>
+              <a:rPr lang="it-IT" sz="2200" dirty="0"/>
               <a:t> to </a:t>
             </a:r>
             <a:r>
-              <a:rPr lang="it-IT" dirty="0" err="1"/>
+              <a:rPr lang="it-IT" sz="2200" dirty="0" err="1"/>
               <a:t>half</a:t>
             </a:r>
             <a:r>
-              <a:rPr lang="it-IT" dirty="0"/>
+              <a:rPr lang="it-IT" sz="2200" dirty="0"/>
               <a:t> of the sum of </a:t>
             </a:r>
             <a:r>
-              <a:rPr lang="it-IT" dirty="0" err="1"/>
+              <a:rPr lang="it-IT" sz="2200" dirty="0" err="1"/>
               <a:t>values</a:t>
             </a:r>
             <a:r>
-              <a:rPr lang="it-IT" dirty="0"/>
-              <a:t> of a.</a:t>
+              <a:rPr lang="it-IT" sz="2200" dirty="0"/>
+              <a:t> of ‘a’.</a:t>
             </a:r>
           </a:p>
           <a:p>
@@ -6165,83 +5560,99 @@
               <a:buNone/>
             </a:pPr>
             <a:r>
-              <a:rPr lang="it-IT" dirty="0" err="1"/>
+              <a:rPr lang="it-IT" sz="2200" dirty="0" err="1"/>
               <a:t>If</a:t>
             </a:r>
             <a:r>
-              <a:rPr lang="it-IT" dirty="0"/>
-              <a:t> </a:t>
-            </a:r>
-            <a:r>
-              <a:rPr lang="it-IT" dirty="0" err="1"/>
+              <a:rPr lang="it-IT" sz="2200" dirty="0"/>
+              <a:t> </a:t>
+            </a:r>
+            <a:r>
+              <a:rPr lang="it-IT" sz="2200" dirty="0" err="1"/>
               <a:t>this</a:t>
             </a:r>
             <a:r>
-              <a:rPr lang="it-IT" dirty="0"/>
-              <a:t> </a:t>
-            </a:r>
-            <a:r>
-              <a:rPr lang="it-IT" dirty="0" err="1"/>
+              <a:rPr lang="it-IT" sz="2200" dirty="0"/>
+              <a:t> </a:t>
+            </a:r>
+            <a:r>
+              <a:rPr lang="it-IT" sz="2200" dirty="0" err="1"/>
               <a:t>condition</a:t>
             </a:r>
             <a:r>
-              <a:rPr lang="it-IT" dirty="0"/>
-              <a:t> </a:t>
-            </a:r>
-            <a:r>
-              <a:rPr lang="it-IT" dirty="0" err="1"/>
+              <a:rPr lang="it-IT" sz="2200" dirty="0"/>
+              <a:t> </a:t>
+            </a:r>
+            <a:r>
+              <a:rPr lang="it-IT" sz="2200" dirty="0" err="1"/>
               <a:t>is</a:t>
             </a:r>
             <a:r>
-              <a:rPr lang="it-IT" dirty="0"/>
-              <a:t> </a:t>
-            </a:r>
-            <a:r>
-              <a:rPr lang="it-IT" dirty="0" err="1"/>
+              <a:rPr lang="it-IT" sz="2200" dirty="0"/>
+              <a:t> </a:t>
+            </a:r>
+            <a:r>
+              <a:rPr lang="it-IT" sz="2200" dirty="0" err="1"/>
               <a:t>satisfied</a:t>
             </a:r>
             <a:r>
-              <a:rPr lang="it-IT" dirty="0"/>
-              <a:t> </a:t>
-            </a:r>
-            <a:r>
-              <a:rPr lang="it-IT" dirty="0" err="1"/>
-              <a:t>return</a:t>
-            </a:r>
-            <a:r>
-              <a:rPr lang="it-IT" dirty="0"/>
+              <a:rPr lang="it-IT" sz="2200" dirty="0"/>
+              <a:t>, </a:t>
+            </a:r>
+            <a:r>
+              <a:rPr lang="it-IT" sz="2200" dirty="0" err="1"/>
+              <a:t>it</a:t>
+            </a:r>
+            <a:r>
+              <a:rPr lang="it-IT" sz="2200" dirty="0"/>
+              <a:t> </a:t>
+            </a:r>
+            <a:r>
+              <a:rPr lang="it-IT" sz="2200" dirty="0" err="1"/>
+              <a:t>returns</a:t>
+            </a:r>
+            <a:r>
+              <a:rPr lang="it-IT" sz="2200" dirty="0"/>
               <a:t> the new </a:t>
             </a:r>
             <a:r>
-              <a:rPr lang="it-IT" dirty="0" err="1"/>
+              <a:rPr lang="it-IT" sz="2200" dirty="0" err="1"/>
               <a:t>graph</a:t>
             </a:r>
             <a:r>
-              <a:rPr lang="it-IT" dirty="0"/>
-              <a:t> </a:t>
-            </a:r>
-            <a:r>
-              <a:rPr lang="it-IT" dirty="0" err="1"/>
+              <a:rPr lang="it-IT" sz="2200" dirty="0"/>
+              <a:t>, </a:t>
+            </a:r>
+            <a:r>
+              <a:rPr lang="it-IT" sz="2200" dirty="0" err="1"/>
               <a:t>otherwise</a:t>
             </a:r>
             <a:r>
-              <a:rPr lang="it-IT" dirty="0"/>
-              <a:t> </a:t>
-            </a:r>
-            <a:r>
-              <a:rPr lang="it-IT" dirty="0" err="1"/>
-              <a:t>return</a:t>
-            </a:r>
-            <a:r>
-              <a:rPr lang="it-IT" dirty="0"/>
-              <a:t> </a:t>
-            </a:r>
-            <a:r>
-              <a:rPr lang="it-IT" dirty="0" err="1"/>
+              <a:rPr lang="it-IT" sz="2200" dirty="0"/>
+              <a:t> </a:t>
+            </a:r>
+            <a:r>
+              <a:rPr lang="it-IT" sz="2200" dirty="0" err="1"/>
+              <a:t>it</a:t>
+            </a:r>
+            <a:r>
+              <a:rPr lang="it-IT" sz="2200" dirty="0"/>
+              <a:t> </a:t>
+            </a:r>
+            <a:r>
+              <a:rPr lang="it-IT" sz="2200" dirty="0" err="1"/>
+              <a:t>returns</a:t>
+            </a:r>
+            <a:r>
+              <a:rPr lang="it-IT" sz="2200" dirty="0"/>
+              <a:t> </a:t>
+            </a:r>
+            <a:r>
+              <a:rPr lang="it-IT" sz="2200" dirty="0" err="1"/>
               <a:t>null</a:t>
             </a:r>
             <a:r>
-              <a:rPr lang="it-IT" dirty="0"/>
+              <a:rPr lang="it-IT" sz="2200" dirty="0"/>
               <a:t>. </a:t>
             </a:r>
           </a:p>
@@ -6261,8 +5672,8 @@
         </p:nvSpPr>
         <p:spPr>
           <a:xfrm>
-            <a:off x="123987" y="3804325"/>
-            <a:ext cx="11654725" cy="3293209"/>
+            <a:off x="440267" y="3618383"/>
+            <a:ext cx="11338445" cy="3293209"/>
           </a:xfrm>
           <a:prstGeom prst="rect">
             <a:avLst/>
@@ -6317,15 +5728,7 @@
             </a:r>
             <a:r>
               <a:rPr lang="it-IT" sz="3200" b="1" dirty="0"/>
-              <a:t> </a:t>
-            </a:r>
-            <a:r>
-              <a:rPr lang="it-IT" sz="3200" b="1" dirty="0" err="1"/>
-              <a:t>is</a:t>
-            </a:r>
-            <a:r>
-              <a:rPr lang="it-IT" sz="3200" b="1" dirty="0"/>
-              <a:t>:</a:t>
+              <a:t> are:</a:t>
             </a:r>
           </a:p>
           <a:p>
@@ -6334,7 +5737,7 @@
               <a:buChar char="•"/>
             </a:pPr>
             <a:r>
-              <a:rPr lang="it-IT" sz="2400" dirty="0" err="1"/>
+              <a:rPr lang="it-IT" sz="2400" i="1" dirty="0" err="1"/>
               <a:t>ConstructGraph</a:t>
             </a:r>
             <a:r>
@@ -6355,7 +5758,7 @@
             </a:r>
             <a:r>
               <a:rPr lang="it-IT" sz="2400" dirty="0"/>
-              <a:t> and </a:t>
+              <a:t>: </a:t>
             </a:r>
             <a:r>
               <a:rPr lang="it-IT" sz="2400" dirty="0" err="1"/>
@@ -6375,7 +5778,7 @@
             </a:r>
             <a:r>
               <a:rPr lang="it-IT" sz="2400" dirty="0" err="1"/>
-              <a:t>retruns</a:t>
+              <a:t>returns</a:t>
             </a:r>
             <a:r>
               <a:rPr lang="it-IT" sz="2400" dirty="0"/>
@@ -6407,7 +5810,7 @@
             </a:r>
             <a:r>
               <a:rPr lang="it-IT" sz="2400" dirty="0" err="1"/>
-              <a:t>not</a:t>
+              <a:t>don’t</a:t>
             </a:r>
             <a:r>
               <a:rPr lang="it-IT" sz="2400" dirty="0"/>
@@ -6468,7 +5871,7 @@
               <a:t> the </a:t>
             </a:r>
             <a:r>
-              <a:rPr lang="it-IT" sz="2400" dirty="0" err="1"/>
+              <a:rPr lang="it-IT" sz="2400" i="1" dirty="0" err="1"/>
               <a:t>Supergraph</a:t>
             </a:r>
             <a:r>
@@ -6521,7 +5924,7 @@
             </a:r>
             <a:r>
               <a:rPr lang="it-IT" sz="2400" dirty="0"/>
-              <a:t> </a:t>
+              <a:t> do </a:t>
             </a:r>
             <a:r>
               <a:rPr lang="it-IT" sz="2400" dirty="0" err="1"/>
@@ -6573,6 +5976,14 @@
             </a:r>
             <a:r>
               <a:rPr lang="it-IT" sz="2400" dirty="0" err="1"/>
+              <a:t>is</a:t>
+            </a:r>
+            <a:r>
+              <a:rPr lang="it-IT" sz="2400" dirty="0"/>
+              <a:t> </a:t>
+            </a:r>
+            <a:r>
+              <a:rPr lang="it-IT" sz="2400" dirty="0" err="1"/>
               <a:t>not</a:t>
             </a:r>
             <a:r>
@@ -6628,7 +6039,15 @@
             </a:r>
             <a:r>
               <a:rPr lang="it-IT" sz="2400" dirty="0" err="1"/>
-              <a:t>example</a:t>
+              <a:t>such</a:t>
+            </a:r>
+            <a:r>
+              <a:rPr lang="it-IT" sz="2400" dirty="0"/>
+              <a:t> </a:t>
+            </a:r>
+            <a:r>
+              <a:rPr lang="it-IT" sz="2400" dirty="0" err="1"/>
+              <a:t>as</a:t>
             </a:r>
             <a:r>
               <a:rPr lang="it-IT" sz="2400" dirty="0"/>
@@ -6704,7 +6123,15 @@
             </a:r>
             <a:r>
               <a:rPr lang="it-IT" sz="2400" dirty="0"/>
-              <a:t> for to </a:t>
+              <a:t> in </a:t>
+            </a:r>
+            <a:r>
+              <a:rPr lang="it-IT" sz="2400" dirty="0" err="1"/>
+              <a:t>order</a:t>
+            </a:r>
+            <a:r>
+              <a:rPr lang="it-IT" sz="2400" dirty="0"/>
+              <a:t> to </a:t>
             </a:r>
             <a:r>
               <a:rPr lang="it-IT" sz="2400" dirty="0" err="1"/>
@@ -6720,7 +6147,7 @@
             </a:r>
             <a:r>
               <a:rPr lang="it-IT" sz="2400" dirty="0"/>
-              <a:t> .</a:t>
+              <a:t>.</a:t>
             </a:r>
           </a:p>
           <a:p>
@@ -6745,7 +6172,7 @@
 </p:sld>
 </file>
 
-<file path=ppt/slides/slide15.xml><?xml version="1.0" encoding="utf-8"?>
+<file path=ppt/slides/slide14.xml><?xml version="1.0" encoding="utf-8"?>
 <p:sld xmlns:a="http://schemas.openxmlformats.org/drawingml/2006/main" xmlns:r="http://schemas.openxmlformats.org/officeDocument/2006/relationships" xmlns:p="http://schemas.openxmlformats.org/presentationml/2006/main">
   <p:cSld>
     <p:bg>
@@ -6964,7 +6391,7 @@
 </p:sld>
 </file>
 
-<file path=ppt/slides/slide16.xml><?xml version="1.0" encoding="utf-8"?>
+<file path=ppt/slides/slide15.xml><?xml version="1.0" encoding="utf-8"?>
 <p:sld xmlns:a="http://schemas.openxmlformats.org/drawingml/2006/main" xmlns:r="http://schemas.openxmlformats.org/officeDocument/2006/relationships" xmlns:p="http://schemas.openxmlformats.org/presentationml/2006/main">
   <p:cSld>
     <p:spTree>
@@ -7000,19 +6427,20 @@
         <p:spPr>
           <a:xfrm>
             <a:off x="838200" y="365125"/>
-            <a:ext cx="10515600" cy="1416174"/>
+            <a:ext cx="10515600" cy="752475"/>
           </a:xfrm>
         </p:spPr>
         <p:txBody>
-          <a:bodyPr/>
+          <a:bodyPr>
+            <a:normAutofit/>
+          </a:bodyPr>
           <a:lstStyle/>
           <a:p>
             <a:pPr algn="ctr"/>
             <a:r>
-              <a:rPr lang="it-IT" b="1"/>
-              <a:t>METRICS IN ORDER TO EVALUE THE SUPERGRAPH ALGHORITM</a:t>
-            </a:r>
-            <a:endParaRPr lang="it-IT" b="1" dirty="0"/>
+              <a:rPr lang="it-IT" sz="3200" b="1" dirty="0"/>
+              <a:t>METRICS IN ORDER TO EVALUE THE SUPERGRAPH ALGORITHM</a:t>
+            </a:r>
           </a:p>
         </p:txBody>
       </p:sp>
@@ -7034,13 +6462,13 @@
         </p:nvSpPr>
         <p:spPr>
           <a:xfrm>
-            <a:off x="838200" y="1650671"/>
+            <a:off x="838200" y="1455937"/>
             <a:ext cx="10515600" cy="4526292"/>
           </a:xfrm>
         </p:spPr>
         <p:txBody>
           <a:bodyPr>
-            <a:normAutofit fontScale="85000" lnSpcReduction="20000"/>
+            <a:normAutofit fontScale="70000" lnSpcReduction="20000"/>
           </a:bodyPr>
           <a:lstStyle/>
           <a:p>
@@ -7305,7 +6733,7 @@
             </a:r>
             <a:r>
               <a:rPr lang="it-IT" dirty="0"/>
-              <a:t> − d) the </a:t>
+              <a:t> − d), the </a:t>
             </a:r>
             <a:r>
               <a:rPr lang="it-IT" dirty="0" err="1"/>
@@ -7313,6 +6741,14 @@
             </a:r>
             <a:r>
               <a:rPr lang="it-IT" dirty="0"/>
+              <a:t> </a:t>
+            </a:r>
+            <a:r>
+              <a:rPr lang="it-IT" dirty="0" err="1"/>
+              <a:t>is</a:t>
+            </a:r>
+            <a:r>
+              <a:rPr lang="it-IT" dirty="0"/>
               <a:t> the qualitative performance of the </a:t>
             </a:r>
             <a:r>
@@ -7326,16 +6762,6 @@
           </a:p>
           <a:p>
             <a:pPr algn="just"/>
-            <a:r>
-              <a:rPr lang="it-IT" dirty="0" err="1">
-                <a:solidFill>
-                  <a:schemeClr val="accent1">
-                    <a:lumMod val="75000"/>
-                  </a:schemeClr>
-                </a:solidFill>
-              </a:rPr>
-              <a:t>Average</a:t>
-            </a:r>
             <a:r>
               <a:rPr lang="it-IT" dirty="0">
                 <a:solidFill>
@@ -7344,7 +6770,7 @@
                   </a:schemeClr>
                 </a:solidFill>
               </a:rPr>
-              <a:t> Clustering </a:t>
+              <a:t>Clustering </a:t>
             </a:r>
             <a:r>
               <a:rPr lang="it-IT" dirty="0" err="1">
@@ -7588,7 +7014,7 @@
             </a:r>
             <a:r>
               <a:rPr lang="it-IT" dirty="0"/>
-              <a:t> social networks, </a:t>
+              <a:t> social networks, </a:t>
             </a:r>
             <a:r>
               <a:rPr lang="it-IT" dirty="0" err="1"/>
@@ -7608,22 +7034,6 @@
             </a:r>
             <a:r>
               <a:rPr lang="it-IT" dirty="0" err="1"/>
-              <a:t>tightly</a:t>
-            </a:r>
-            <a:r>
-              <a:rPr lang="it-IT" dirty="0"/>
-              <a:t> </a:t>
-            </a:r>
-            <a:r>
-              <a:rPr lang="it-IT" dirty="0" err="1"/>
-              <a:t>knit</a:t>
-            </a:r>
-            <a:r>
-              <a:rPr lang="it-IT" dirty="0"/>
-              <a:t> </a:t>
-            </a:r>
-            <a:r>
-              <a:rPr lang="it-IT" dirty="0" err="1"/>
               <a:t>groups</a:t>
             </a:r>
             <a:r>
@@ -7632,7 +7042,23 @@
             </a:r>
             <a:r>
               <a:rPr lang="it-IT" dirty="0" err="1"/>
-              <a:t>characterised</a:t>
+              <a:t>strongly</a:t>
+            </a:r>
+            <a:r>
+              <a:rPr lang="it-IT" dirty="0"/>
+              <a:t> </a:t>
+            </a:r>
+            <a:r>
+              <a:rPr lang="it-IT" dirty="0" err="1"/>
+              <a:t>united</a:t>
+            </a:r>
+            <a:r>
+              <a:rPr lang="it-IT" dirty="0"/>
+              <a:t> and </a:t>
+            </a:r>
+            <a:r>
+              <a:rPr lang="it-IT" dirty="0" err="1"/>
+              <a:t>characterized</a:t>
             </a:r>
             <a:r>
               <a:rPr lang="it-IT" dirty="0"/>
@@ -7656,36 +7082,127 @@
             </a:r>
             <a:r>
               <a:rPr lang="it-IT" dirty="0" err="1"/>
-              <a:t>ties</a:t>
+              <a:t>connections</a:t>
             </a:r>
             <a:r>
               <a:rPr lang="it-IT" dirty="0"/>
               <a:t>.</a:t>
             </a:r>
+          </a:p>
+          <a:p>
+            <a:pPr algn="just"/>
+            <a:r>
+              <a:rPr lang="it-IT" dirty="0"/>
+              <a:t>In </a:t>
+            </a:r>
+            <a:r>
+              <a:rPr lang="it-IT" dirty="0" err="1"/>
+              <a:t>our</a:t>
+            </a:r>
+            <a:r>
+              <a:rPr lang="it-IT" dirty="0"/>
+              <a:t> </a:t>
+            </a:r>
+            <a:r>
+              <a:rPr lang="it-IT" dirty="0" err="1"/>
+              <a:t>testing</a:t>
+            </a:r>
+            <a:r>
+              <a:rPr lang="it-IT" dirty="0"/>
+              <a:t> </a:t>
+            </a:r>
+            <a:r>
+              <a:rPr lang="it-IT" dirty="0" err="1"/>
+              <a:t>we</a:t>
+            </a:r>
+            <a:r>
+              <a:rPr lang="it-IT" dirty="0"/>
+              <a:t> use an </a:t>
+            </a:r>
+            <a:r>
+              <a:rPr lang="it-IT" dirty="0" err="1"/>
+              <a:t>algorithm</a:t>
+            </a:r>
+            <a:r>
+              <a:rPr lang="it-IT" dirty="0"/>
+              <a:t> (inside </a:t>
+            </a:r>
+            <a:r>
+              <a:rPr lang="it-IT" dirty="0" err="1"/>
+              <a:t>Networkx</a:t>
+            </a:r>
+            <a:r>
+              <a:rPr lang="it-IT" dirty="0"/>
+              <a:t> </a:t>
+            </a:r>
+            <a:r>
+              <a:rPr lang="it-IT" dirty="0" err="1"/>
+              <a:t>library</a:t>
+            </a:r>
+            <a:r>
+              <a:rPr lang="it-IT" dirty="0"/>
+              <a:t>) in </a:t>
+            </a:r>
+            <a:r>
+              <a:rPr lang="it-IT" dirty="0" err="1"/>
+              <a:t>order</a:t>
+            </a:r>
+            <a:r>
+              <a:rPr lang="it-IT" dirty="0"/>
+              <a:t> to compute the </a:t>
+            </a:r>
+            <a:r>
+              <a:rPr lang="it-IT" dirty="0" err="1"/>
+              <a:t>average</a:t>
+            </a:r>
+            <a:r>
+              <a:rPr lang="it-IT" dirty="0"/>
+              <a:t> </a:t>
+            </a:r>
+            <a:r>
+              <a:rPr lang="it-IT" dirty="0" err="1"/>
+              <a:t>clustring</a:t>
+            </a:r>
+            <a:r>
+              <a:rPr lang="it-IT" dirty="0"/>
+              <a:t> </a:t>
+            </a:r>
+            <a:r>
+              <a:rPr lang="it-IT" dirty="0" err="1"/>
+              <a:t>coefficent</a:t>
+            </a:r>
+            <a:r>
+              <a:rPr lang="it-IT" dirty="0"/>
+              <a:t>;</a:t>
+            </a:r>
+          </a:p>
+          <a:p>
+            <a:pPr algn="just"/>
+            <a:r>
+              <a:rPr lang="it-IT" dirty="0"/>
+              <a:t>Formula </a:t>
+            </a:r>
+            <a:r>
+              <a:rPr lang="it-IT" dirty="0" err="1"/>
+              <a:t>is</a:t>
+            </a:r>
+            <a:r>
+              <a:rPr lang="it-IT" dirty="0"/>
+              <a:t>:</a:t>
+            </a:r>
+          </a:p>
+          <a:p>
+            <a:pPr algn="just"/>
+            <a:endParaRPr lang="it-IT" dirty="0"/>
+          </a:p>
+          <a:p>
+            <a:pPr algn="just"/>
+            <a:endParaRPr lang="it-IT" dirty="0"/>
           </a:p>
           <a:p>
             <a:pPr marL="0" indent="0" algn="just">
               <a:buNone/>
             </a:pPr>
-            <a:br>
-              <a:rPr lang="it-IT" dirty="0"/>
-            </a:br>
-            <a:endParaRPr lang="it-IT" dirty="0"/>
-          </a:p>
-          <a:p>
-            <a:pPr marL="0" indent="0" algn="just">
-              <a:buNone/>
-            </a:pPr>
-            <a:endParaRPr lang="it-IT" dirty="0"/>
-          </a:p>
-          <a:p>
-            <a:pPr marL="0" indent="0" algn="just">
-              <a:buNone/>
-            </a:pPr>
-            <a:r>
-              <a:rPr lang="it-IT" dirty="0"/>
-              <a:t>			</a:t>
-            </a:r>
             <a:r>
               <a:rPr lang="it-IT" dirty="0" err="1"/>
               <a:t>where</a:t>
@@ -7734,7 +7251,42 @@
               <a:rPr lang="it-IT" dirty="0" err="1"/>
               <a:t>node</a:t>
             </a:r>
-            <a:endParaRPr lang="it-IT" dirty="0"/>
+            <a:r>
+              <a:rPr lang="it-IT" dirty="0"/>
+              <a:t> and </a:t>
+            </a:r>
+            <a:r>
+              <a:rPr lang="it-IT" dirty="0" err="1"/>
+              <a:t>n</a:t>
+            </a:r>
+            <a:r>
+              <a:rPr lang="it-IT" dirty="0"/>
+              <a:t> </a:t>
+            </a:r>
+            <a:r>
+              <a:rPr lang="it-IT" dirty="0" err="1"/>
+              <a:t>is</a:t>
+            </a:r>
+            <a:r>
+              <a:rPr lang="it-IT" dirty="0"/>
+              <a:t> the </a:t>
+            </a:r>
+            <a:r>
+              <a:rPr lang="it-IT" dirty="0" err="1"/>
+              <a:t>numer</a:t>
+            </a:r>
+            <a:r>
+              <a:rPr lang="it-IT" dirty="0"/>
+              <a:t> of </a:t>
+            </a:r>
+            <a:r>
+              <a:rPr lang="it-IT" dirty="0" err="1"/>
+              <a:t>nodes</a:t>
+            </a:r>
+            <a:r>
+              <a:rPr lang="it-IT" dirty="0"/>
+              <a:t>.</a:t>
+            </a:r>
           </a:p>
           <a:p>
             <a:endParaRPr lang="it-IT" dirty="0"/>
@@ -7766,8 +7318,8 @@
         </p:blipFill>
         <p:spPr>
           <a:xfrm>
-            <a:off x="5093676" y="4406142"/>
-            <a:ext cx="2004648" cy="1095498"/>
+            <a:off x="2528414" y="4209980"/>
+            <a:ext cx="1503947" cy="821875"/>
           </a:xfrm>
           <a:prstGeom prst="rect">
             <a:avLst/>
@@ -7787,7 +7339,7 @@
 </p:sld>
 </file>
 
-<file path=ppt/slides/slide17.xml><?xml version="1.0" encoding="utf-8"?>
+<file path=ppt/slides/slide16.xml><?xml version="1.0" encoding="utf-8"?>
 <p:sld xmlns:a="http://schemas.openxmlformats.org/drawingml/2006/main" xmlns:r="http://schemas.openxmlformats.org/officeDocument/2006/relationships" xmlns:p="http://schemas.openxmlformats.org/presentationml/2006/main">
   <p:cSld>
     <p:bg>
@@ -8143,6 +7695,452 @@
 </p:sld>
 </file>
 
+<file path=ppt/slides/slide17.xml><?xml version="1.0" encoding="utf-8"?>
+<p:sld xmlns:a="http://schemas.openxmlformats.org/drawingml/2006/main" xmlns:r="http://schemas.openxmlformats.org/officeDocument/2006/relationships" xmlns:p="http://schemas.openxmlformats.org/presentationml/2006/main">
+  <p:cSld>
+    <p:spTree>
+      <p:nvGrpSpPr>
+        <p:cNvPr id="1" name=""/>
+        <p:cNvGrpSpPr/>
+        <p:nvPr/>
+      </p:nvGrpSpPr>
+      <p:grpSpPr>
+        <a:xfrm>
+          <a:off x="0" y="0"/>
+          <a:ext cx="0" cy="0"/>
+          <a:chOff x="0" y="0"/>
+          <a:chExt cx="0" cy="0"/>
+        </a:xfrm>
+      </p:grpSpPr>
+      <p:sp>
+        <p:nvSpPr>
+          <p:cNvPr id="3" name="Segnaposto contenuto 2">
+            <a:extLst>
+              <a:ext uri="{FF2B5EF4-FFF2-40B4-BE49-F238E27FC236}">
+                <a16:creationId xmlns:a16="http://schemas.microsoft.com/office/drawing/2014/main" id="{3C6E1416-56E1-2B48-98B6-8EC914460959}"/>
+              </a:ext>
+            </a:extLst>
+          </p:cNvPr>
+          <p:cNvSpPr>
+            <a:spLocks noGrp="1"/>
+          </p:cNvSpPr>
+          <p:nvPr>
+            <p:ph idx="1"/>
+          </p:nvPr>
+        </p:nvSpPr>
+        <p:spPr>
+          <a:xfrm>
+            <a:off x="762000" y="1364013"/>
+            <a:ext cx="10828867" cy="4147787"/>
+          </a:xfrm>
+        </p:spPr>
+        <p:txBody>
+          <a:bodyPr/>
+          <a:lstStyle/>
+          <a:p>
+            <a:pPr algn="just"/>
+            <a:r>
+              <a:rPr lang="it-IT" dirty="0"/>
+              <a:t>The </a:t>
+            </a:r>
+            <a:r>
+              <a:rPr lang="it-IT" dirty="0" err="1"/>
+              <a:t>vector</a:t>
+            </a:r>
+            <a:r>
+              <a:rPr lang="it-IT" dirty="0"/>
+              <a:t> </a:t>
+            </a:r>
+            <a:r>
+              <a:rPr lang="it-IT" dirty="0" err="1"/>
+              <a:t>norm</a:t>
+            </a:r>
+            <a:r>
+              <a:rPr lang="it-IT" dirty="0"/>
+              <a:t> </a:t>
+            </a:r>
+            <a:r>
+              <a:rPr lang="it-IT" dirty="0" err="1"/>
+              <a:t>grows</a:t>
+            </a:r>
+            <a:r>
+              <a:rPr lang="it-IT" dirty="0"/>
+              <a:t> </a:t>
+            </a:r>
+            <a:r>
+              <a:rPr lang="it-IT" dirty="0" err="1"/>
+              <a:t>linearly</a:t>
+            </a:r>
+            <a:r>
+              <a:rPr lang="it-IT" dirty="0"/>
+              <a:t> to the </a:t>
+            </a:r>
+            <a:r>
+              <a:rPr lang="it-IT" dirty="0" err="1"/>
+              <a:t>value</a:t>
+            </a:r>
+            <a:r>
+              <a:rPr lang="it-IT" dirty="0"/>
+              <a:t> of k-</a:t>
+            </a:r>
+            <a:r>
+              <a:rPr lang="it-IT" dirty="0" err="1"/>
+              <a:t>degree</a:t>
+            </a:r>
+            <a:r>
+              <a:rPr lang="it-IT" dirty="0"/>
+              <a:t>.</a:t>
+            </a:r>
+          </a:p>
+          <a:p>
+            <a:pPr algn="just"/>
+            <a:r>
+              <a:rPr lang="it-IT" dirty="0"/>
+              <a:t>In </a:t>
+            </a:r>
+            <a:r>
+              <a:rPr lang="it-IT" dirty="0" err="1"/>
+              <a:t>fact</a:t>
+            </a:r>
+            <a:r>
+              <a:rPr lang="it-IT" dirty="0"/>
+              <a:t>, the performances of </a:t>
+            </a:r>
+            <a:r>
+              <a:rPr lang="it-IT" dirty="0" err="1"/>
+              <a:t>algorithm</a:t>
+            </a:r>
+            <a:r>
+              <a:rPr lang="it-IT" dirty="0"/>
+              <a:t> </a:t>
+            </a:r>
+            <a:r>
+              <a:rPr lang="it-IT" dirty="0" err="1"/>
+              <a:t>decrease</a:t>
+            </a:r>
+            <a:r>
+              <a:rPr lang="it-IT" dirty="0"/>
+              <a:t> </a:t>
+            </a:r>
+            <a:r>
+              <a:rPr lang="it-IT" dirty="0" err="1"/>
+              <a:t>when</a:t>
+            </a:r>
+            <a:r>
+              <a:rPr lang="it-IT" dirty="0"/>
+              <a:t> k-</a:t>
+            </a:r>
+            <a:r>
+              <a:rPr lang="it-IT" dirty="0" err="1"/>
+              <a:t>degree</a:t>
+            </a:r>
+            <a:r>
+              <a:rPr lang="it-IT" dirty="0"/>
+              <a:t> </a:t>
+            </a:r>
+            <a:r>
+              <a:rPr lang="it-IT" dirty="0" err="1"/>
+              <a:t>increases</a:t>
+            </a:r>
+            <a:r>
+              <a:rPr lang="it-IT" dirty="0"/>
+              <a:t>.</a:t>
+            </a:r>
+          </a:p>
+          <a:p>
+            <a:pPr algn="just"/>
+            <a:r>
+              <a:rPr lang="it-IT" dirty="0"/>
+              <a:t>The </a:t>
+            </a:r>
+            <a:r>
+              <a:rPr lang="it-IT" dirty="0" err="1"/>
+              <a:t>graph</a:t>
+            </a:r>
+            <a:r>
+              <a:rPr lang="it-IT" dirty="0"/>
+              <a:t> of the </a:t>
+            </a:r>
+            <a:r>
+              <a:rPr lang="it-IT" dirty="0" err="1"/>
+              <a:t>average</a:t>
+            </a:r>
+            <a:r>
+              <a:rPr lang="it-IT" dirty="0"/>
+              <a:t> cluster </a:t>
+            </a:r>
+            <a:r>
+              <a:rPr lang="it-IT" dirty="0" err="1"/>
+              <a:t>coefficient</a:t>
+            </a:r>
+            <a:r>
+              <a:rPr lang="it-IT" dirty="0"/>
+              <a:t> </a:t>
+            </a:r>
+            <a:r>
+              <a:rPr lang="it-IT" dirty="0" err="1"/>
+              <a:t>does</a:t>
+            </a:r>
+            <a:r>
+              <a:rPr lang="it-IT" dirty="0"/>
+              <a:t> </a:t>
+            </a:r>
+            <a:r>
+              <a:rPr lang="it-IT" dirty="0" err="1"/>
+              <a:t>not</a:t>
+            </a:r>
+            <a:r>
+              <a:rPr lang="it-IT" dirty="0"/>
+              <a:t> </a:t>
+            </a:r>
+            <a:r>
+              <a:rPr lang="it-IT" dirty="0" err="1"/>
+              <a:t>define</a:t>
+            </a:r>
+            <a:r>
+              <a:rPr lang="it-IT" dirty="0"/>
+              <a:t> a precise </a:t>
+            </a:r>
+            <a:r>
+              <a:rPr lang="it-IT" dirty="0" err="1"/>
+              <a:t>analysis</a:t>
+            </a:r>
+            <a:r>
+              <a:rPr lang="it-IT" dirty="0"/>
+              <a:t>. </a:t>
+            </a:r>
+            <a:r>
+              <a:rPr lang="it-IT" dirty="0" err="1"/>
+              <a:t>However</a:t>
+            </a:r>
+            <a:r>
+              <a:rPr lang="it-IT" dirty="0"/>
+              <a:t>, </a:t>
+            </a:r>
+            <a:r>
+              <a:rPr lang="it-IT" dirty="0" err="1"/>
+              <a:t>we</a:t>
+            </a:r>
+            <a:r>
+              <a:rPr lang="it-IT" dirty="0"/>
+              <a:t> note </a:t>
+            </a:r>
+            <a:r>
+              <a:rPr lang="it-IT" dirty="0" err="1"/>
+              <a:t>that</a:t>
+            </a:r>
+            <a:r>
+              <a:rPr lang="it-IT" dirty="0"/>
+              <a:t> the </a:t>
+            </a:r>
+            <a:r>
+              <a:rPr lang="it-IT" dirty="0" err="1"/>
+              <a:t>original</a:t>
+            </a:r>
+            <a:r>
+              <a:rPr lang="it-IT" dirty="0"/>
+              <a:t> </a:t>
+            </a:r>
+            <a:r>
+              <a:rPr lang="it-IT" dirty="0" err="1"/>
+              <a:t>values</a:t>
+            </a:r>
+            <a:r>
+              <a:rPr lang="it-IT" dirty="0"/>
+              <a:t> (</a:t>
+            </a:r>
+            <a:r>
+              <a:rPr lang="it-IT" dirty="0" err="1"/>
+              <a:t>real</a:t>
+            </a:r>
+            <a:r>
+              <a:rPr lang="it-IT" dirty="0"/>
+              <a:t> </a:t>
+            </a:r>
+            <a:r>
+              <a:rPr lang="it-IT" dirty="0" err="1"/>
+              <a:t>datasets</a:t>
+            </a:r>
+            <a:r>
+              <a:rPr lang="it-IT" dirty="0"/>
+              <a:t> </a:t>
+            </a:r>
+            <a:r>
+              <a:rPr lang="it-IT" dirty="0" err="1"/>
+              <a:t>that</a:t>
+            </a:r>
+            <a:r>
+              <a:rPr lang="it-IT" dirty="0"/>
+              <a:t> include social networks) </a:t>
+            </a:r>
+            <a:r>
+              <a:rPr lang="it-IT" dirty="0" err="1"/>
+              <a:t>have</a:t>
+            </a:r>
+            <a:r>
+              <a:rPr lang="it-IT" dirty="0"/>
+              <a:t> </a:t>
+            </a:r>
+            <a:r>
+              <a:rPr lang="it-IT" dirty="0" err="1"/>
+              <a:t>almost</a:t>
+            </a:r>
+            <a:r>
+              <a:rPr lang="it-IT" dirty="0"/>
+              <a:t> </a:t>
+            </a:r>
+            <a:r>
+              <a:rPr lang="it-IT" dirty="0" err="1"/>
+              <a:t>always</a:t>
+            </a:r>
+            <a:r>
+              <a:rPr lang="it-IT" dirty="0"/>
+              <a:t> </a:t>
+            </a:r>
+            <a:r>
+              <a:rPr lang="it-IT" dirty="0" err="1"/>
+              <a:t>greater</a:t>
+            </a:r>
+            <a:r>
+              <a:rPr lang="it-IT" dirty="0"/>
+              <a:t> </a:t>
+            </a:r>
+            <a:r>
+              <a:rPr lang="it-IT" dirty="0" err="1"/>
+              <a:t>value</a:t>
+            </a:r>
+            <a:r>
+              <a:rPr lang="it-IT" dirty="0"/>
+              <a:t> </a:t>
+            </a:r>
+            <a:r>
+              <a:rPr lang="it-IT" dirty="0" err="1"/>
+              <a:t>than</a:t>
+            </a:r>
+            <a:r>
+              <a:rPr lang="it-IT" dirty="0"/>
+              <a:t> the </a:t>
+            </a:r>
+            <a:r>
+              <a:rPr lang="it-IT" dirty="0" err="1"/>
+              <a:t>anonymized</a:t>
+            </a:r>
+            <a:r>
+              <a:rPr lang="it-IT" dirty="0"/>
+              <a:t> </a:t>
+            </a:r>
+            <a:r>
+              <a:rPr lang="it-IT" dirty="0" err="1"/>
+              <a:t>ones</a:t>
+            </a:r>
+            <a:r>
+              <a:rPr lang="it-IT" dirty="0"/>
+              <a:t> (</a:t>
+            </a:r>
+            <a:r>
+              <a:rPr lang="it-IT" dirty="0" err="1"/>
+              <a:t>as</a:t>
+            </a:r>
+            <a:r>
+              <a:rPr lang="it-IT" dirty="0"/>
+              <a:t> </a:t>
+            </a:r>
+            <a:r>
+              <a:rPr lang="it-IT" dirty="0" err="1"/>
+              <a:t>said</a:t>
+            </a:r>
+            <a:r>
+              <a:rPr lang="it-IT" dirty="0"/>
+              <a:t> in the </a:t>
+            </a:r>
+            <a:r>
+              <a:rPr lang="it-IT" dirty="0" err="1"/>
+              <a:t>definition</a:t>
+            </a:r>
+            <a:r>
+              <a:rPr lang="it-IT" dirty="0"/>
+              <a:t> of </a:t>
+            </a:r>
+            <a:r>
+              <a:rPr lang="it-IT" dirty="0" err="1"/>
+              <a:t>clustering</a:t>
+            </a:r>
+            <a:r>
+              <a:rPr lang="it-IT" dirty="0"/>
+              <a:t> </a:t>
+            </a:r>
+            <a:r>
+              <a:rPr lang="it-IT" dirty="0" err="1"/>
+              <a:t>coefficient</a:t>
+            </a:r>
+            <a:r>
+              <a:rPr lang="it-IT" dirty="0"/>
+              <a:t>), </a:t>
+            </a:r>
+            <a:r>
+              <a:rPr lang="it-IT" dirty="0" err="1"/>
+              <a:t>because</a:t>
+            </a:r>
+            <a:r>
+              <a:rPr lang="it-IT" dirty="0"/>
+              <a:t> </a:t>
+            </a:r>
+            <a:r>
+              <a:rPr lang="it-IT" dirty="0" err="1"/>
+              <a:t>we</a:t>
+            </a:r>
+            <a:r>
+              <a:rPr lang="it-IT" dirty="0"/>
+              <a:t> </a:t>
+            </a:r>
+            <a:r>
+              <a:rPr lang="it-IT" dirty="0" err="1"/>
+              <a:t>treat</a:t>
+            </a:r>
+            <a:r>
+              <a:rPr lang="it-IT" dirty="0"/>
+              <a:t> </a:t>
+            </a:r>
+            <a:r>
+              <a:rPr lang="it-IT" dirty="0" err="1"/>
+              <a:t>them</a:t>
+            </a:r>
+            <a:r>
+              <a:rPr lang="it-IT" dirty="0"/>
+              <a:t> </a:t>
+            </a:r>
+            <a:r>
+              <a:rPr lang="it-IT" dirty="0" err="1"/>
+              <a:t>as</a:t>
+            </a:r>
+            <a:r>
+              <a:rPr lang="it-IT" dirty="0"/>
+              <a:t> </a:t>
+            </a:r>
+            <a:r>
+              <a:rPr lang="it-IT" dirty="0" err="1"/>
+              <a:t>graphs</a:t>
+            </a:r>
+            <a:r>
+              <a:rPr lang="it-IT" dirty="0"/>
+              <a:t>.</a:t>
+            </a:r>
+          </a:p>
+        </p:txBody>
+      </p:sp>
+    </p:spTree>
+    <p:extLst>
+      <p:ext uri="{BB962C8B-B14F-4D97-AF65-F5344CB8AC3E}">
+        <p14:creationId xmlns:p14="http://schemas.microsoft.com/office/powerpoint/2010/main" val="923105224"/>
+      </p:ext>
+    </p:extLst>
+  </p:cSld>
+  <p:clrMapOvr>
+    <a:masterClrMapping/>
+  </p:clrMapOvr>
+</p:sld>
+</file>
+
 <file path=ppt/slides/slide18.xml><?xml version="1.0" encoding="utf-8"?>
 <p:sld xmlns:a="http://schemas.openxmlformats.org/drawingml/2006/main" xmlns:r="http://schemas.openxmlformats.org/officeDocument/2006/relationships" xmlns:p="http://schemas.openxmlformats.org/presentationml/2006/main">
   <p:cSld>
@@ -8162,10 +8160,38 @@
       </p:grpSpPr>
       <p:sp>
         <p:nvSpPr>
+          <p:cNvPr id="2" name="Titolo 1">
+            <a:extLst>
+              <a:ext uri="{FF2B5EF4-FFF2-40B4-BE49-F238E27FC236}">
+                <a16:creationId xmlns:a16="http://schemas.microsoft.com/office/drawing/2014/main" id="{ABEFACBB-0F68-7D4A-8E54-92A089AD43A7}"/>
+              </a:ext>
+            </a:extLst>
+          </p:cNvPr>
+          <p:cNvSpPr>
+            <a:spLocks noGrp="1"/>
+          </p:cNvSpPr>
+          <p:nvPr>
+            <p:ph type="title"/>
+          </p:nvPr>
+        </p:nvSpPr>
+        <p:spPr/>
+        <p:txBody>
+          <a:bodyPr/>
+          <a:lstStyle/>
+          <a:p>
+            <a:r>
+              <a:rPr lang="it-IT" b="1" dirty="0"/>
+              <a:t>RESULTS</a:t>
+            </a:r>
+          </a:p>
+        </p:txBody>
+      </p:sp>
+      <p:sp>
+        <p:nvSpPr>
           <p:cNvPr id="3" name="Segnaposto contenuto 2">
             <a:extLst>
               <a:ext uri="{FF2B5EF4-FFF2-40B4-BE49-F238E27FC236}">
-                <a16:creationId xmlns:a16="http://schemas.microsoft.com/office/drawing/2014/main" id="{3C6E1416-56E1-2B48-98B6-8EC914460959}"/>
+                <a16:creationId xmlns:a16="http://schemas.microsoft.com/office/drawing/2014/main" id="{9EDD64EE-4C63-8B4E-B878-CF5327C53A44}"/>
               </a:ext>
             </a:extLst>
           </p:cNvPr>
@@ -8178,21 +8204,355 @@
         </p:nvSpPr>
         <p:spPr>
           <a:xfrm>
-            <a:off x="795647" y="475013"/>
-            <a:ext cx="10558153" cy="5701950"/>
+            <a:off x="575734" y="1690688"/>
+            <a:ext cx="10515600" cy="4351338"/>
           </a:xfrm>
         </p:spPr>
         <p:txBody>
-          <a:bodyPr/>
+          <a:bodyPr>
+            <a:normAutofit/>
+          </a:bodyPr>
           <a:lstStyle/>
           <a:p>
             <a:r>
-              <a:rPr lang="it-IT" dirty="0"/>
-              <a:t>The </a:t>
-            </a:r>
-            <a:r>
-              <a:rPr lang="it-IT" dirty="0" err="1"/>
-              <a:t>norm</a:t>
+              <a:rPr lang="it-IT" dirty="0" err="1"/>
+              <a:t>We</a:t>
+            </a:r>
+            <a:r>
+              <a:rPr lang="it-IT" dirty="0"/>
+              <a:t> </a:t>
+            </a:r>
+            <a:r>
+              <a:rPr lang="it-IT" dirty="0" err="1"/>
+              <a:t>tested</a:t>
+            </a:r>
+            <a:r>
+              <a:rPr lang="it-IT" dirty="0"/>
+              <a:t> the </a:t>
+            </a:r>
+            <a:r>
+              <a:rPr lang="it-IT" dirty="0" err="1"/>
+              <a:t>algorithms</a:t>
+            </a:r>
+            <a:r>
+              <a:rPr lang="it-IT" dirty="0"/>
+              <a:t> </a:t>
+            </a:r>
+            <a:r>
+              <a:rPr lang="it-IT" dirty="0" err="1"/>
+              <a:t>mainly</a:t>
+            </a:r>
+            <a:r>
+              <a:rPr lang="it-IT" dirty="0"/>
+              <a:t> on </a:t>
+            </a:r>
+            <a:r>
+              <a:rPr lang="it-IT" dirty="0" err="1"/>
+              <a:t>two</a:t>
+            </a:r>
+            <a:r>
+              <a:rPr lang="it-IT" dirty="0"/>
+              <a:t> </a:t>
+            </a:r>
+            <a:r>
+              <a:rPr lang="it-IT" dirty="0" err="1"/>
+              <a:t>real</a:t>
+            </a:r>
+            <a:r>
+              <a:rPr lang="it-IT" dirty="0"/>
+              <a:t> </a:t>
+            </a:r>
+            <a:r>
+              <a:rPr lang="it-IT" dirty="0" err="1"/>
+              <a:t>datasets</a:t>
+            </a:r>
+            <a:r>
+              <a:rPr lang="it-IT" dirty="0"/>
+              <a:t>: web-</a:t>
+            </a:r>
+            <a:r>
+              <a:rPr lang="it-IT" dirty="0" err="1"/>
+              <a:t>BerkStan</a:t>
+            </a:r>
+            <a:r>
+              <a:rPr lang="it-IT" dirty="0"/>
+              <a:t>  and socfb-Rice312. The </a:t>
+            </a:r>
+            <a:r>
+              <a:rPr lang="it-IT" i="1" dirty="0" err="1"/>
+              <a:t>supergraph</a:t>
+            </a:r>
+            <a:r>
+              <a:rPr lang="it-IT" dirty="0"/>
+              <a:t> </a:t>
+            </a:r>
+            <a:r>
+              <a:rPr lang="it-IT" dirty="0" err="1"/>
+              <a:t>is</a:t>
+            </a:r>
+            <a:r>
+              <a:rPr lang="it-IT" dirty="0"/>
+              <a:t> </a:t>
+            </a:r>
+            <a:r>
+              <a:rPr lang="it-IT" dirty="0" err="1"/>
+              <a:t>not</a:t>
+            </a:r>
+            <a:r>
+              <a:rPr lang="it-IT" dirty="0"/>
+              <a:t> </a:t>
+            </a:r>
+            <a:r>
+              <a:rPr lang="it-IT" dirty="0" err="1"/>
+              <a:t>always</a:t>
+            </a:r>
+            <a:r>
+              <a:rPr lang="it-IT" dirty="0"/>
+              <a:t> </a:t>
+            </a:r>
+            <a:r>
+              <a:rPr lang="it-IT" dirty="0" err="1"/>
+              <a:t>obtained</a:t>
+            </a:r>
+            <a:r>
+              <a:rPr lang="it-IT" dirty="0"/>
+              <a:t> (</a:t>
+            </a:r>
+            <a:r>
+              <a:rPr lang="it-IT" dirty="0" err="1"/>
+              <a:t>as</a:t>
+            </a:r>
+            <a:r>
+              <a:rPr lang="it-IT" dirty="0"/>
+              <a:t> </a:t>
+            </a:r>
+            <a:r>
+              <a:rPr lang="it-IT" dirty="0" err="1"/>
+              <a:t>is</a:t>
+            </a:r>
+            <a:r>
+              <a:rPr lang="it-IT" dirty="0"/>
+              <a:t> the </a:t>
+            </a:r>
+            <a:r>
+              <a:rPr lang="it-IT" dirty="0" err="1"/>
+              <a:t>construct</a:t>
+            </a:r>
+            <a:r>
+              <a:rPr lang="it-IT" dirty="0"/>
+              <a:t> </a:t>
+            </a:r>
+            <a:r>
+              <a:rPr lang="it-IT" dirty="0" err="1"/>
+              <a:t>graph</a:t>
+            </a:r>
+            <a:r>
+              <a:rPr lang="it-IT" dirty="0"/>
+              <a:t>). </a:t>
+            </a:r>
+            <a:r>
+              <a:rPr lang="it-IT" dirty="0" err="1"/>
+              <a:t>It</a:t>
+            </a:r>
+            <a:r>
+              <a:rPr lang="it-IT" dirty="0"/>
+              <a:t> </a:t>
+            </a:r>
+            <a:r>
+              <a:rPr lang="it-IT" dirty="0" err="1"/>
+              <a:t>could</a:t>
+            </a:r>
+            <a:r>
+              <a:rPr lang="it-IT" dirty="0"/>
+              <a:t> </a:t>
+            </a:r>
+            <a:r>
+              <a:rPr lang="it-IT" dirty="0" err="1"/>
+              <a:t>happen</a:t>
+            </a:r>
+            <a:r>
+              <a:rPr lang="it-IT" dirty="0"/>
+              <a:t> </a:t>
+            </a:r>
+            <a:r>
+              <a:rPr lang="it-IT" dirty="0" err="1"/>
+              <a:t>because</a:t>
+            </a:r>
+            <a:r>
+              <a:rPr lang="it-IT" dirty="0"/>
+              <a:t> </a:t>
+            </a:r>
+            <a:r>
+              <a:rPr lang="it-IT" dirty="0" err="1"/>
+              <a:t>there</a:t>
+            </a:r>
+            <a:r>
+              <a:rPr lang="it-IT" dirty="0"/>
+              <a:t> are </a:t>
+            </a:r>
+            <a:r>
+              <a:rPr lang="it-IT" dirty="0" err="1"/>
+              <a:t>nodes</a:t>
+            </a:r>
+            <a:r>
+              <a:rPr lang="it-IT" dirty="0"/>
+              <a:t> </a:t>
+            </a:r>
+            <a:r>
+              <a:rPr lang="it-IT" dirty="0" err="1"/>
+              <a:t>that</a:t>
+            </a:r>
+            <a:r>
+              <a:rPr lang="it-IT" dirty="0"/>
+              <a:t> can </a:t>
+            </a:r>
+            <a:r>
+              <a:rPr lang="it-IT" dirty="0" err="1"/>
+              <a:t>connect</a:t>
+            </a:r>
+            <a:r>
+              <a:rPr lang="it-IT" dirty="0"/>
+              <a:t> </a:t>
+            </a:r>
+            <a:r>
+              <a:rPr lang="it-IT" dirty="0" err="1"/>
+              <a:t>only</a:t>
+            </a:r>
+            <a:r>
+              <a:rPr lang="it-IT" dirty="0"/>
+              <a:t> with </a:t>
+            </a:r>
+            <a:r>
+              <a:rPr lang="it-IT" dirty="0" err="1"/>
+              <a:t>certain</a:t>
+            </a:r>
+            <a:r>
+              <a:rPr lang="it-IT" dirty="0"/>
+              <a:t> </a:t>
+            </a:r>
+            <a:r>
+              <a:rPr lang="it-IT" dirty="0" err="1"/>
+              <a:t>other</a:t>
+            </a:r>
+            <a:r>
+              <a:rPr lang="it-IT" dirty="0"/>
+              <a:t> </a:t>
+            </a:r>
+            <a:r>
+              <a:rPr lang="it-IT" dirty="0" err="1"/>
+              <a:t>nodes</a:t>
+            </a:r>
+            <a:r>
+              <a:rPr lang="it-IT" dirty="0"/>
+              <a:t> of the </a:t>
+            </a:r>
+            <a:r>
+              <a:rPr lang="it-IT" dirty="0" err="1"/>
+              <a:t>vector</a:t>
+            </a:r>
+            <a:r>
+              <a:rPr lang="it-IT" dirty="0"/>
+              <a:t> a (a </a:t>
+            </a:r>
+            <a:r>
+              <a:rPr lang="it-IT" dirty="0" err="1"/>
+              <a:t>very</a:t>
+            </a:r>
+            <a:r>
+              <a:rPr lang="it-IT" dirty="0"/>
+              <a:t> small </a:t>
+            </a:r>
+            <a:r>
+              <a:rPr lang="it-IT" dirty="0" err="1"/>
+              <a:t>range</a:t>
+            </a:r>
+            <a:r>
+              <a:rPr lang="it-IT" dirty="0"/>
+              <a:t>). </a:t>
+            </a:r>
+            <a:r>
+              <a:rPr lang="it-IT" dirty="0" err="1"/>
+              <a:t>If</a:t>
+            </a:r>
+            <a:r>
+              <a:rPr lang="it-IT" dirty="0"/>
+              <a:t> the </a:t>
+            </a:r>
+            <a:r>
+              <a:rPr lang="it-IT" dirty="0" err="1"/>
+              <a:t>latter</a:t>
+            </a:r>
+            <a:r>
+              <a:rPr lang="it-IT" dirty="0"/>
+              <a:t> are </a:t>
+            </a:r>
+            <a:r>
+              <a:rPr lang="it-IT" dirty="0" err="1"/>
+              <a:t>connected</a:t>
+            </a:r>
+            <a:r>
+              <a:rPr lang="it-IT" dirty="0"/>
+              <a:t> with </a:t>
+            </a:r>
+            <a:r>
+              <a:rPr lang="it-IT" dirty="0" err="1"/>
+              <a:t>nodes</a:t>
+            </a:r>
+            <a:r>
+              <a:rPr lang="it-IT" dirty="0"/>
+              <a:t> with a </a:t>
+            </a:r>
+            <a:r>
+              <a:rPr lang="it-IT" dirty="0" err="1"/>
+              <a:t>greater</a:t>
+            </a:r>
+            <a:r>
+              <a:rPr lang="it-IT" dirty="0"/>
+              <a:t> connection </a:t>
+            </a:r>
+            <a:r>
+              <a:rPr lang="it-IT" dirty="0" err="1"/>
+              <a:t>availability</a:t>
+            </a:r>
+            <a:r>
+              <a:rPr lang="it-IT" dirty="0"/>
+              <a:t>, the </a:t>
+            </a:r>
+            <a:r>
+              <a:rPr lang="it-IT" dirty="0" err="1"/>
+              <a:t>algorithm</a:t>
+            </a:r>
+            <a:r>
+              <a:rPr lang="it-IT" dirty="0"/>
+              <a:t> </a:t>
+            </a:r>
+            <a:r>
+              <a:rPr lang="it-IT" dirty="0" err="1"/>
+              <a:t>does</a:t>
+            </a:r>
+            <a:r>
+              <a:rPr lang="it-IT" dirty="0"/>
+              <a:t> </a:t>
+            </a:r>
+            <a:r>
+              <a:rPr lang="it-IT" dirty="0" err="1"/>
+              <a:t>not</a:t>
+            </a:r>
+            <a:r>
+              <a:rPr lang="it-IT" dirty="0"/>
+              <a:t> </a:t>
+            </a:r>
+            <a:r>
+              <a:rPr lang="it-IT" dirty="0" err="1"/>
+              <a:t>add</a:t>
+            </a:r>
+            <a:r>
+              <a:rPr lang="it-IT" dirty="0"/>
+              <a:t> the </a:t>
+            </a:r>
+            <a:r>
+              <a:rPr lang="it-IT" dirty="0" err="1"/>
+              <a:t>number</a:t>
             </a:r>
             <a:r>
               <a:rPr lang="it-IT" dirty="0"/>
@@ -8200,7 +8560,87 @@
             </a:r>
             <a:r>
               <a:rPr lang="it-IT" dirty="0" err="1"/>
-              <a:t>vector</a:t>
+              <a:t>edges</a:t>
+            </a:r>
+            <a:r>
+              <a:rPr lang="it-IT" dirty="0"/>
+              <a:t> </a:t>
+            </a:r>
+            <a:r>
+              <a:rPr lang="it-IT" dirty="0" err="1"/>
+              <a:t>necessary</a:t>
+            </a:r>
+            <a:r>
+              <a:rPr lang="it-IT" dirty="0"/>
+              <a:t> </a:t>
+            </a:r>
+            <a:r>
+              <a:rPr lang="it-IT" dirty="0" err="1"/>
+              <a:t>because</a:t>
+            </a:r>
+            <a:r>
+              <a:rPr lang="it-IT" dirty="0"/>
+              <a:t> the </a:t>
+            </a:r>
+            <a:r>
+              <a:rPr lang="it-IT" dirty="0" err="1"/>
+              <a:t>former</a:t>
+            </a:r>
+            <a:r>
+              <a:rPr lang="it-IT" dirty="0"/>
+              <a:t> </a:t>
+            </a:r>
+            <a:r>
+              <a:rPr lang="it-IT" dirty="0" err="1"/>
+              <a:t>will</a:t>
+            </a:r>
+            <a:r>
+              <a:rPr lang="it-IT" dirty="0"/>
+              <a:t> </a:t>
+            </a:r>
+            <a:r>
+              <a:rPr lang="it-IT" dirty="0" err="1"/>
+              <a:t>have</a:t>
+            </a:r>
+            <a:r>
+              <a:rPr lang="it-IT" dirty="0"/>
+              <a:t> no </a:t>
+            </a:r>
+            <a:r>
+              <a:rPr lang="it-IT" dirty="0" err="1"/>
+              <a:t>nodes</a:t>
+            </a:r>
+            <a:r>
+              <a:rPr lang="it-IT" dirty="0"/>
+              <a:t> to </a:t>
+            </a:r>
+            <a:r>
+              <a:rPr lang="it-IT" dirty="0" err="1"/>
+              <a:t>connect</a:t>
+            </a:r>
+            <a:r>
+              <a:rPr lang="it-IT" dirty="0"/>
+              <a:t> to. A </a:t>
+            </a:r>
+            <a:r>
+              <a:rPr lang="it-IT" dirty="0" err="1"/>
+              <a:t>solution</a:t>
+            </a:r>
+            <a:r>
+              <a:rPr lang="it-IT" dirty="0"/>
+              <a:t> for </a:t>
+            </a:r>
+            <a:r>
+              <a:rPr lang="it-IT" dirty="0" err="1"/>
+              <a:t>always</a:t>
+            </a:r>
+            <a:r>
+              <a:rPr lang="it-IT" dirty="0"/>
+              <a:t> </a:t>
+            </a:r>
+            <a:r>
+              <a:rPr lang="it-IT" dirty="0" err="1"/>
+              <a:t>obtain</a:t>
             </a:r>
             <a:r>
               <a:rPr lang="it-IT" dirty="0"/>
@@ -8208,39 +8648,111 @@
             </a:r>
             <a:r>
               <a:rPr lang="it-IT" dirty="0" err="1"/>
+              <a:t>supergraph</a:t>
+            </a:r>
+            <a:r>
+              <a:rPr lang="it-IT" dirty="0"/>
+              <a:t> </a:t>
+            </a:r>
+            <a:r>
+              <a:rPr lang="it-IT" dirty="0" err="1"/>
               <a:t>is</a:t>
             </a:r>
             <a:r>
               <a:rPr lang="it-IT" dirty="0"/>
-              <a:t> </a:t>
-            </a:r>
-            <a:r>
-              <a:rPr lang="it-IT" dirty="0" err="1"/>
-              <a:t>directly</a:t>
-            </a:r>
-            <a:r>
-              <a:rPr lang="it-IT" dirty="0"/>
-              <a:t> </a:t>
-            </a:r>
-            <a:r>
-              <a:rPr lang="it-IT" dirty="0" err="1"/>
-              <a:t>proportional</a:t>
-            </a:r>
-            <a:r>
-              <a:rPr lang="it-IT" dirty="0"/>
-              <a:t> way to </a:t>
-            </a:r>
-            <a:r>
-              <a:rPr lang="it-IT" dirty="0" err="1"/>
-              <a:t>value</a:t>
-            </a:r>
-            <a:r>
-              <a:rPr lang="it-IT" dirty="0"/>
-              <a:t> of k-</a:t>
-            </a:r>
-            <a:r>
-              <a:rPr lang="it-IT" dirty="0" err="1"/>
-              <a:t>degree</a:t>
+              <a:t> the </a:t>
+            </a:r>
+            <a:r>
+              <a:rPr lang="it-IT" dirty="0" err="1"/>
+              <a:t>one</a:t>
+            </a:r>
+            <a:r>
+              <a:rPr lang="it-IT" dirty="0"/>
+              <a:t> </a:t>
+            </a:r>
+            <a:r>
+              <a:rPr lang="it-IT" dirty="0" err="1"/>
+              <a:t>adopted</a:t>
+            </a:r>
+            <a:r>
+              <a:rPr lang="it-IT" dirty="0"/>
+              <a:t> by the </a:t>
+            </a:r>
+            <a:r>
+              <a:rPr lang="it-IT" dirty="0" err="1"/>
+              <a:t>probing</a:t>
+            </a:r>
+            <a:r>
+              <a:rPr lang="it-IT" dirty="0"/>
+              <a:t> </a:t>
+            </a:r>
+            <a:r>
+              <a:rPr lang="it-IT" dirty="0" err="1"/>
+              <a:t>scheme</a:t>
+            </a:r>
+            <a:r>
+              <a:rPr lang="it-IT" dirty="0"/>
+              <a:t> </a:t>
+            </a:r>
+            <a:r>
+              <a:rPr lang="it-IT" dirty="0" err="1"/>
+              <a:t>which</a:t>
+            </a:r>
+            <a:r>
+              <a:rPr lang="it-IT" dirty="0"/>
+              <a:t> </a:t>
+            </a:r>
+            <a:r>
+              <a:rPr lang="it-IT" dirty="0" err="1"/>
+              <a:t>attempts</a:t>
+            </a:r>
+            <a:r>
+              <a:rPr lang="it-IT" dirty="0"/>
+              <a:t> by </a:t>
+            </a:r>
+            <a:r>
+              <a:rPr lang="it-IT" dirty="0" err="1"/>
+              <a:t>choosing</a:t>
+            </a:r>
+            <a:r>
+              <a:rPr lang="it-IT" dirty="0"/>
+              <a:t>, in a random way, some </a:t>
+            </a:r>
+            <a:r>
+              <a:rPr lang="it-IT" dirty="0" err="1"/>
+              <a:t>links</a:t>
+            </a:r>
+            <a:r>
+              <a:rPr lang="it-IT" dirty="0"/>
+              <a:t> </a:t>
+            </a:r>
+            <a:r>
+              <a:rPr lang="it-IT" dirty="0" err="1"/>
+              <a:t>until</a:t>
+            </a:r>
+            <a:r>
+              <a:rPr lang="it-IT" dirty="0"/>
+              <a:t> </a:t>
+            </a:r>
+            <a:r>
+              <a:rPr lang="it-IT" dirty="0" err="1"/>
+              <a:t>it</a:t>
+            </a:r>
+            <a:r>
+              <a:rPr lang="it-IT" dirty="0"/>
+              <a:t> </a:t>
+            </a:r>
+            <a:r>
+              <a:rPr lang="it-IT" dirty="0" err="1"/>
+              <a:t>finds</a:t>
+            </a:r>
+            <a:r>
+              <a:rPr lang="it-IT" dirty="0"/>
+              <a:t> the </a:t>
+            </a:r>
+            <a:r>
+              <a:rPr lang="it-IT" dirty="0" err="1"/>
+              <a:t>solution</a:t>
             </a:r>
             <a:r>
               <a:rPr lang="it-IT" dirty="0"/>
@@ -8249,66 +8761,69 @@
           </a:p>
           <a:p>
             <a:r>
-              <a:rPr lang="it-IT" dirty="0" err="1"/>
-              <a:t>Infact</a:t>
-            </a:r>
-            <a:r>
-              <a:rPr lang="it-IT" dirty="0"/>
-              <a:t> the performances of </a:t>
-            </a:r>
-            <a:r>
-              <a:rPr lang="it-IT" dirty="0" err="1"/>
-              <a:t>alghoritm</a:t>
-            </a:r>
-            <a:r>
-              <a:rPr lang="it-IT" dirty="0"/>
-              <a:t> </a:t>
-            </a:r>
-            <a:r>
-              <a:rPr lang="it-IT" dirty="0" err="1"/>
-              <a:t>decrease</a:t>
-            </a:r>
-            <a:r>
-              <a:rPr lang="it-IT" dirty="0"/>
-              <a:t> </a:t>
-            </a:r>
-            <a:r>
-              <a:rPr lang="it-IT" dirty="0" err="1"/>
-              <a:t>when</a:t>
-            </a:r>
-            <a:r>
-              <a:rPr lang="it-IT" dirty="0"/>
-              <a:t> k-</a:t>
-            </a:r>
-            <a:r>
-              <a:rPr lang="it-IT" dirty="0" err="1"/>
-              <a:t>degree</a:t>
-            </a:r>
-            <a:r>
-              <a:rPr lang="it-IT" dirty="0"/>
-              <a:t> </a:t>
-            </a:r>
-            <a:r>
-              <a:rPr lang="it-IT" dirty="0" err="1"/>
-              <a:t>increases</a:t>
-            </a:r>
-            <a:r>
-              <a:rPr lang="it-IT" dirty="0"/>
-              <a:t>.</a:t>
-            </a:r>
-          </a:p>
-          <a:p>
-            <a:r>
-              <a:rPr lang="it-IT" dirty="0"/>
-              <a:t>CC da relazionare e capire il significato della metrica</a:t>
-            </a:r>
+              <a:rPr lang="it-IT" sz="1600" dirty="0"/>
+              <a:t>In a README file </a:t>
+            </a:r>
+            <a:r>
+              <a:rPr lang="it-IT" sz="1600" dirty="0" err="1"/>
+              <a:t>we</a:t>
+            </a:r>
+            <a:r>
+              <a:rPr lang="it-IT" sz="1600" dirty="0"/>
+              <a:t> </a:t>
+            </a:r>
+            <a:r>
+              <a:rPr lang="it-IT" sz="1600" dirty="0" err="1"/>
+              <a:t>say</a:t>
+            </a:r>
+            <a:r>
+              <a:rPr lang="it-IT" sz="1600" dirty="0"/>
+              <a:t> </a:t>
+            </a:r>
+            <a:r>
+              <a:rPr lang="it-IT" sz="1600" dirty="0" err="1"/>
+              <a:t>how</a:t>
+            </a:r>
+            <a:r>
+              <a:rPr lang="it-IT" sz="1600" dirty="0"/>
+              <a:t> </a:t>
+            </a:r>
+            <a:r>
+              <a:rPr lang="it-IT" sz="1600" dirty="0" err="1"/>
+              <a:t>we</a:t>
+            </a:r>
+            <a:r>
+              <a:rPr lang="it-IT" sz="1600" dirty="0"/>
+              <a:t> </a:t>
+            </a:r>
+            <a:r>
+              <a:rPr lang="it-IT" sz="1600" dirty="0" err="1"/>
+              <a:t>have</a:t>
+            </a:r>
+            <a:r>
+              <a:rPr lang="it-IT" sz="1600" dirty="0"/>
+              <a:t> </a:t>
+            </a:r>
+            <a:r>
+              <a:rPr lang="it-IT" sz="1600" dirty="0" err="1"/>
+              <a:t>tested</a:t>
+            </a:r>
+            <a:r>
+              <a:rPr lang="it-IT" sz="1600" dirty="0"/>
+              <a:t> </a:t>
+            </a:r>
+            <a:r>
+              <a:rPr lang="it-IT" sz="1600" dirty="0" err="1"/>
+              <a:t>datasets</a:t>
+            </a:r>
+            <a:endParaRPr lang="it-IT" sz="1600" dirty="0"/>
           </a:p>
         </p:txBody>
       </p:sp>
     </p:spTree>
     <p:extLst>
       <p:ext uri="{BB962C8B-B14F-4D97-AF65-F5344CB8AC3E}">
-        <p14:creationId xmlns:p14="http://schemas.microsoft.com/office/powerpoint/2010/main" val="923105224"/>
+        <p14:creationId xmlns:p14="http://schemas.microsoft.com/office/powerpoint/2010/main" val="2173484049"/>
       </p:ext>
     </p:extLst>
   </p:cSld>
@@ -8340,7 +8855,7 @@
           <p:cNvPr id="2" name="Titolo 1">
             <a:extLst>
               <a:ext uri="{FF2B5EF4-FFF2-40B4-BE49-F238E27FC236}">
-                <a16:creationId xmlns:a16="http://schemas.microsoft.com/office/drawing/2014/main" id="{ABEFACBB-0F68-7D4A-8E54-92A089AD43A7}"/>
+                <a16:creationId xmlns:a16="http://schemas.microsoft.com/office/drawing/2014/main" id="{BB6A062F-D04C-8943-A8B2-B629B4C87540}"/>
               </a:ext>
             </a:extLst>
           </p:cNvPr>
@@ -8358,7 +8873,7 @@
           <a:p>
             <a:r>
               <a:rPr lang="it-IT" b="1" dirty="0"/>
-              <a:t>RESULTS</a:t>
+              <a:t>CODE</a:t>
             </a:r>
           </a:p>
         </p:txBody>
@@ -8368,7 +8883,7 @@
           <p:cNvPr id="3" name="Segnaposto contenuto 2">
             <a:extLst>
               <a:ext uri="{FF2B5EF4-FFF2-40B4-BE49-F238E27FC236}">
-                <a16:creationId xmlns:a16="http://schemas.microsoft.com/office/drawing/2014/main" id="{9EDD64EE-4C63-8B4E-B878-CF5327C53A44}"/>
+                <a16:creationId xmlns:a16="http://schemas.microsoft.com/office/drawing/2014/main" id="{A30BC981-604C-F245-8359-BF91CFE7494A}"/>
               </a:ext>
             </a:extLst>
           </p:cNvPr>
@@ -8381,22 +8896,123 @@
         </p:nvSpPr>
         <p:spPr/>
         <p:txBody>
-          <a:bodyPr>
-            <a:normAutofit/>
-          </a:bodyPr>
+          <a:bodyPr/>
           <a:lstStyle/>
           <a:p>
             <a:r>
-              <a:rPr lang="it-IT" dirty="0" err="1"/>
-              <a:t>We</a:t>
-            </a:r>
-            <a:r>
-              <a:rPr lang="it-IT" dirty="0"/>
-              <a:t> </a:t>
-            </a:r>
-            <a:r>
-              <a:rPr lang="it-IT" dirty="0" err="1"/>
-              <a:t>tested</a:t>
+              <a:rPr lang="it-IT" dirty="0"/>
+              <a:t>The code </a:t>
+            </a:r>
+            <a:r>
+              <a:rPr lang="it-IT" dirty="0" err="1"/>
+              <a:t>is</a:t>
+            </a:r>
+            <a:r>
+              <a:rPr lang="it-IT" dirty="0"/>
+              <a:t> </a:t>
+            </a:r>
+            <a:r>
+              <a:rPr lang="it-IT" dirty="0" err="1"/>
+              <a:t>written</a:t>
+            </a:r>
+            <a:r>
+              <a:rPr lang="it-IT" dirty="0"/>
+              <a:t> in </a:t>
+            </a:r>
+            <a:r>
+              <a:rPr lang="it-IT" dirty="0" err="1"/>
+              <a:t>Python</a:t>
+            </a:r>
+            <a:r>
+              <a:rPr lang="it-IT" dirty="0"/>
+              <a:t> and </a:t>
+            </a:r>
+            <a:r>
+              <a:rPr lang="it-IT" dirty="0" err="1"/>
+              <a:t>published</a:t>
+            </a:r>
+            <a:r>
+              <a:rPr lang="it-IT" dirty="0"/>
+              <a:t> on </a:t>
+            </a:r>
+            <a:r>
+              <a:rPr lang="it-IT" dirty="0" err="1"/>
+              <a:t>GitHub</a:t>
+            </a:r>
+            <a:r>
+              <a:rPr lang="it-IT" dirty="0"/>
+              <a:t> (</a:t>
+            </a:r>
+            <a:r>
+              <a:rPr lang="it-IT" dirty="0" err="1"/>
+              <a:t>https</a:t>
+            </a:r>
+            <a:r>
+              <a:rPr lang="it-IT" dirty="0"/>
+              <a:t>://</a:t>
+            </a:r>
+            <a:r>
+              <a:rPr lang="it-IT" dirty="0" err="1"/>
+              <a:t>github.com</a:t>
+            </a:r>
+            <a:r>
+              <a:rPr lang="it-IT" dirty="0"/>
+              <a:t>/enz93/k-</a:t>
+            </a:r>
+            <a:r>
+              <a:rPr lang="it-IT" dirty="0" err="1"/>
+              <a:t>degree</a:t>
+            </a:r>
+            <a:r>
+              <a:rPr lang="it-IT" dirty="0"/>
+              <a:t>).</a:t>
+            </a:r>
+            <a:br>
+              <a:rPr lang="it-IT" dirty="0"/>
+            </a:br>
+            <a:r>
+              <a:rPr lang="it-IT" dirty="0" err="1"/>
+              <a:t>All</a:t>
+            </a:r>
+            <a:r>
+              <a:rPr lang="it-IT" dirty="0"/>
+              <a:t> the code </a:t>
+            </a:r>
+            <a:r>
+              <a:rPr lang="it-IT" dirty="0" err="1"/>
+              <a:t>is</a:t>
+            </a:r>
+            <a:r>
+              <a:rPr lang="it-IT" dirty="0"/>
+              <a:t> </a:t>
+            </a:r>
+            <a:r>
+              <a:rPr lang="it-IT" dirty="0" err="1"/>
+              <a:t>written</a:t>
+            </a:r>
+            <a:r>
+              <a:rPr lang="it-IT" dirty="0"/>
+              <a:t> inside </a:t>
+            </a:r>
+            <a:r>
+              <a:rPr lang="it-IT" dirty="0" err="1"/>
+              <a:t>PyCharm</a:t>
+            </a:r>
+            <a:r>
+              <a:rPr lang="it-IT" dirty="0"/>
+              <a:t>. Read the file README inside the folder and </a:t>
+            </a:r>
+            <a:r>
+              <a:rPr lang="it-IT" dirty="0" err="1"/>
+              <a:t>you</a:t>
+            </a:r>
+            <a:r>
+              <a:rPr lang="it-IT" dirty="0"/>
+              <a:t> </a:t>
+            </a:r>
+            <a:r>
+              <a:rPr lang="it-IT" dirty="0" err="1"/>
+              <a:t>follow</a:t>
             </a:r>
             <a:r>
               <a:rPr lang="it-IT" dirty="0"/>
@@ -8404,103 +9020,15 @@
             </a:r>
             <a:r>
               <a:rPr lang="it-IT" dirty="0" err="1"/>
-              <a:t>algorithms</a:t>
-            </a:r>
-            <a:r>
-              <a:rPr lang="it-IT" dirty="0"/>
-              <a:t> </a:t>
-            </a:r>
-            <a:r>
-              <a:rPr lang="it-IT" dirty="0" err="1"/>
-              <a:t>mainly</a:t>
-            </a:r>
-            <a:r>
-              <a:rPr lang="it-IT" dirty="0"/>
-              <a:t> on </a:t>
-            </a:r>
-            <a:r>
-              <a:rPr lang="it-IT" dirty="0" err="1"/>
-              <a:t>two</a:t>
-            </a:r>
-            <a:r>
-              <a:rPr lang="it-IT" dirty="0"/>
-              <a:t> </a:t>
-            </a:r>
-            <a:r>
-              <a:rPr lang="it-IT" dirty="0" err="1"/>
-              <a:t>real</a:t>
-            </a:r>
-            <a:r>
-              <a:rPr lang="it-IT" dirty="0"/>
-              <a:t> </a:t>
-            </a:r>
-            <a:r>
-              <a:rPr lang="it-IT" dirty="0" err="1"/>
-              <a:t>datasets</a:t>
-            </a:r>
-            <a:r>
-              <a:rPr lang="it-IT" dirty="0"/>
-              <a:t>: web-</a:t>
-            </a:r>
-            <a:r>
-              <a:rPr lang="it-IT" dirty="0" err="1"/>
-              <a:t>BerkStan</a:t>
-            </a:r>
-            <a:r>
-              <a:rPr lang="it-IT" dirty="0"/>
-              <a:t>  and socfb-Rice312. The </a:t>
-            </a:r>
-            <a:r>
-              <a:rPr lang="it-IT" dirty="0" err="1"/>
-              <a:t>supergraph</a:t>
-            </a:r>
-            <a:r>
-              <a:rPr lang="it-IT" dirty="0"/>
-              <a:t> </a:t>
-            </a:r>
-            <a:r>
-              <a:rPr lang="it-IT" dirty="0" err="1"/>
-              <a:t>is</a:t>
-            </a:r>
-            <a:r>
-              <a:rPr lang="it-IT" dirty="0"/>
-              <a:t> </a:t>
-            </a:r>
-            <a:r>
-              <a:rPr lang="it-IT" dirty="0" err="1"/>
-              <a:t>not</a:t>
-            </a:r>
-            <a:r>
-              <a:rPr lang="it-IT" dirty="0"/>
-              <a:t> </a:t>
-            </a:r>
-            <a:r>
-              <a:rPr lang="it-IT" dirty="0" err="1"/>
-              <a:t>always</a:t>
-            </a:r>
-            <a:r>
-              <a:rPr lang="it-IT" dirty="0"/>
-              <a:t> </a:t>
-            </a:r>
-            <a:r>
-              <a:rPr lang="it-IT" dirty="0" err="1"/>
-              <a:t>obtained</a:t>
-            </a:r>
-            <a:r>
-              <a:rPr lang="it-IT" dirty="0"/>
-              <a:t> (</a:t>
-            </a:r>
-            <a:r>
-              <a:rPr lang="it-IT" dirty="0" err="1"/>
-              <a:t>as</a:t>
-            </a:r>
-            <a:r>
-              <a:rPr lang="it-IT" dirty="0"/>
-              <a:t> </a:t>
-            </a:r>
-            <a:r>
-              <a:rPr lang="it-IT" dirty="0" err="1"/>
-              <a:t>is</a:t>
+              <a:t>instruction</a:t>
+            </a:r>
+            <a:r>
+              <a:rPr lang="it-IT" dirty="0"/>
+              <a:t> for </a:t>
+            </a:r>
+            <a:r>
+              <a:rPr lang="it-IT" dirty="0" err="1"/>
+              <a:t>execute</a:t>
             </a:r>
             <a:r>
               <a:rPr lang="it-IT" dirty="0"/>
@@ -8508,502 +9036,19 @@
             </a:r>
             <a:r>
               <a:rPr lang="it-IT" dirty="0" err="1"/>
-              <a:t>construct</a:t>
-            </a:r>
-            <a:r>
-              <a:rPr lang="it-IT" dirty="0"/>
-              <a:t> </a:t>
-            </a:r>
-            <a:r>
-              <a:rPr lang="it-IT" dirty="0" err="1"/>
-              <a:t>graph</a:t>
-            </a:r>
-            <a:r>
-              <a:rPr lang="it-IT" dirty="0"/>
-              <a:t>). </a:t>
-            </a:r>
-            <a:r>
-              <a:rPr lang="it-IT" dirty="0" err="1"/>
-              <a:t>It</a:t>
-            </a:r>
-            <a:r>
-              <a:rPr lang="it-IT" dirty="0"/>
-              <a:t> </a:t>
-            </a:r>
-            <a:r>
-              <a:rPr lang="it-IT" dirty="0" err="1"/>
-              <a:t>could</a:t>
-            </a:r>
-            <a:r>
-              <a:rPr lang="it-IT" dirty="0"/>
-              <a:t> </a:t>
-            </a:r>
-            <a:r>
-              <a:rPr lang="it-IT" dirty="0" err="1"/>
-              <a:t>happen</a:t>
-            </a:r>
-            <a:r>
-              <a:rPr lang="it-IT" dirty="0"/>
-              <a:t> </a:t>
-            </a:r>
-            <a:r>
-              <a:rPr lang="it-IT" dirty="0" err="1"/>
-              <a:t>because</a:t>
-            </a:r>
-            <a:r>
-              <a:rPr lang="it-IT" dirty="0"/>
-              <a:t> </a:t>
-            </a:r>
-            <a:r>
-              <a:rPr lang="it-IT" dirty="0" err="1"/>
-              <a:t>there</a:t>
-            </a:r>
-            <a:r>
-              <a:rPr lang="it-IT" dirty="0"/>
-              <a:t> are </a:t>
-            </a:r>
-            <a:r>
-              <a:rPr lang="it-IT" dirty="0" err="1"/>
-              <a:t>nodes</a:t>
-            </a:r>
-            <a:r>
-              <a:rPr lang="it-IT" dirty="0"/>
-              <a:t> </a:t>
-            </a:r>
-            <a:r>
-              <a:rPr lang="it-IT" dirty="0" err="1"/>
-              <a:t>that</a:t>
-            </a:r>
-            <a:r>
-              <a:rPr lang="it-IT" dirty="0"/>
-              <a:t> can </a:t>
-            </a:r>
-            <a:r>
-              <a:rPr lang="it-IT" dirty="0" err="1"/>
-              <a:t>connect</a:t>
-            </a:r>
-            <a:r>
-              <a:rPr lang="it-IT" dirty="0"/>
-              <a:t> </a:t>
-            </a:r>
-            <a:r>
-              <a:rPr lang="it-IT" dirty="0" err="1"/>
-              <a:t>only</a:t>
-            </a:r>
-            <a:r>
-              <a:rPr lang="it-IT" dirty="0"/>
-              <a:t> with </a:t>
-            </a:r>
-            <a:r>
-              <a:rPr lang="it-IT" dirty="0" err="1"/>
-              <a:t>certain</a:t>
-            </a:r>
-            <a:r>
-              <a:rPr lang="it-IT" dirty="0"/>
-              <a:t> </a:t>
-            </a:r>
-            <a:r>
-              <a:rPr lang="it-IT" dirty="0" err="1"/>
-              <a:t>other</a:t>
-            </a:r>
-            <a:r>
-              <a:rPr lang="it-IT" dirty="0"/>
-              <a:t> </a:t>
-            </a:r>
-            <a:r>
-              <a:rPr lang="it-IT" dirty="0" err="1"/>
-              <a:t>nodes</a:t>
-            </a:r>
-            <a:r>
-              <a:rPr lang="it-IT" dirty="0"/>
-              <a:t> of the </a:t>
-            </a:r>
-            <a:r>
-              <a:rPr lang="it-IT" dirty="0" err="1"/>
-              <a:t>vector</a:t>
-            </a:r>
-            <a:r>
-              <a:rPr lang="it-IT" dirty="0"/>
-              <a:t> a (a </a:t>
-            </a:r>
-            <a:r>
-              <a:rPr lang="it-IT" dirty="0" err="1"/>
-              <a:t>very</a:t>
-            </a:r>
-            <a:r>
-              <a:rPr lang="it-IT" dirty="0"/>
-              <a:t> small </a:t>
-            </a:r>
-            <a:r>
-              <a:rPr lang="it-IT" dirty="0" err="1"/>
-              <a:t>range</a:t>
-            </a:r>
-            <a:r>
-              <a:rPr lang="it-IT" dirty="0"/>
-              <a:t>). </a:t>
-            </a:r>
-            <a:r>
-              <a:rPr lang="it-IT" dirty="0" err="1"/>
-              <a:t>If</a:t>
-            </a:r>
-            <a:r>
-              <a:rPr lang="it-IT" dirty="0"/>
-              <a:t> the </a:t>
-            </a:r>
-            <a:r>
-              <a:rPr lang="it-IT" dirty="0" err="1"/>
-              <a:t>latter</a:t>
-            </a:r>
-            <a:r>
-              <a:rPr lang="it-IT" dirty="0"/>
-              <a:t> are </a:t>
-            </a:r>
-            <a:r>
-              <a:rPr lang="it-IT" dirty="0" err="1"/>
-              <a:t>connected</a:t>
-            </a:r>
-            <a:r>
-              <a:rPr lang="it-IT" dirty="0"/>
-              <a:t> with </a:t>
-            </a:r>
-            <a:r>
-              <a:rPr lang="it-IT" dirty="0" err="1"/>
-              <a:t>nodes</a:t>
-            </a:r>
-            <a:r>
-              <a:rPr lang="it-IT" dirty="0"/>
-              <a:t> with a </a:t>
-            </a:r>
-            <a:r>
-              <a:rPr lang="it-IT" dirty="0" err="1"/>
-              <a:t>greater</a:t>
-            </a:r>
-            <a:r>
-              <a:rPr lang="it-IT" dirty="0"/>
-              <a:t> connection </a:t>
-            </a:r>
-            <a:r>
-              <a:rPr lang="it-IT" dirty="0" err="1"/>
-              <a:t>availability</a:t>
-            </a:r>
-            <a:r>
-              <a:rPr lang="it-IT" dirty="0"/>
-              <a:t>, the </a:t>
-            </a:r>
-            <a:r>
-              <a:rPr lang="it-IT" dirty="0" err="1"/>
-              <a:t>algorithm</a:t>
-            </a:r>
-            <a:r>
-              <a:rPr lang="it-IT" dirty="0"/>
-              <a:t> </a:t>
-            </a:r>
-            <a:r>
-              <a:rPr lang="it-IT" dirty="0" err="1"/>
-              <a:t>does</a:t>
-            </a:r>
-            <a:r>
-              <a:rPr lang="it-IT" dirty="0"/>
-              <a:t> </a:t>
-            </a:r>
-            <a:r>
-              <a:rPr lang="it-IT" dirty="0" err="1"/>
-              <a:t>not</a:t>
-            </a:r>
-            <a:r>
-              <a:rPr lang="it-IT" dirty="0"/>
-              <a:t> </a:t>
-            </a:r>
-            <a:r>
-              <a:rPr lang="it-IT" dirty="0" err="1"/>
-              <a:t>add</a:t>
-            </a:r>
-            <a:r>
-              <a:rPr lang="it-IT" dirty="0"/>
-              <a:t> the </a:t>
-            </a:r>
-            <a:r>
-              <a:rPr lang="it-IT" dirty="0" err="1"/>
-              <a:t>number</a:t>
-            </a:r>
-            <a:r>
-              <a:rPr lang="it-IT" dirty="0"/>
-              <a:t> of </a:t>
-            </a:r>
-            <a:r>
-              <a:rPr lang="it-IT" dirty="0" err="1"/>
-              <a:t>arcs</a:t>
-            </a:r>
-            <a:r>
-              <a:rPr lang="it-IT" dirty="0"/>
-              <a:t> </a:t>
-            </a:r>
-            <a:r>
-              <a:rPr lang="it-IT" dirty="0" err="1"/>
-              <a:t>necessary</a:t>
-            </a:r>
-            <a:r>
-              <a:rPr lang="it-IT" dirty="0"/>
-              <a:t> </a:t>
-            </a:r>
-            <a:r>
-              <a:rPr lang="it-IT" dirty="0" err="1"/>
-              <a:t>because</a:t>
-            </a:r>
-            <a:r>
-              <a:rPr lang="it-IT" dirty="0"/>
-              <a:t> the </a:t>
-            </a:r>
-            <a:r>
-              <a:rPr lang="it-IT" dirty="0" err="1"/>
-              <a:t>former</a:t>
-            </a:r>
-            <a:r>
-              <a:rPr lang="it-IT" dirty="0"/>
-              <a:t> </a:t>
-            </a:r>
-            <a:r>
-              <a:rPr lang="it-IT" dirty="0" err="1"/>
-              <a:t>will</a:t>
-            </a:r>
-            <a:r>
-              <a:rPr lang="it-IT" dirty="0"/>
-              <a:t> </a:t>
-            </a:r>
-            <a:r>
-              <a:rPr lang="it-IT" dirty="0" err="1"/>
-              <a:t>have</a:t>
-            </a:r>
-            <a:r>
-              <a:rPr lang="it-IT" dirty="0"/>
-              <a:t> no </a:t>
-            </a:r>
-            <a:r>
-              <a:rPr lang="it-IT" dirty="0" err="1"/>
-              <a:t>nodes</a:t>
-            </a:r>
-            <a:r>
-              <a:rPr lang="it-IT" dirty="0"/>
-              <a:t> to </a:t>
-            </a:r>
-            <a:r>
-              <a:rPr lang="it-IT" dirty="0" err="1"/>
-              <a:t>connect</a:t>
-            </a:r>
-            <a:r>
-              <a:rPr lang="it-IT" dirty="0"/>
-              <a:t> to. A </a:t>
-            </a:r>
-            <a:r>
-              <a:rPr lang="it-IT" dirty="0" err="1"/>
-              <a:t>solution</a:t>
-            </a:r>
-            <a:r>
-              <a:rPr lang="it-IT" dirty="0"/>
-              <a:t> to </a:t>
-            </a:r>
-            <a:r>
-              <a:rPr lang="it-IT" dirty="0" err="1"/>
-              <a:t>always</a:t>
-            </a:r>
-            <a:r>
-              <a:rPr lang="it-IT" dirty="0"/>
-              <a:t> </a:t>
-            </a:r>
-            <a:r>
-              <a:rPr lang="it-IT" dirty="0" err="1"/>
-              <a:t>obtain</a:t>
-            </a:r>
-            <a:r>
-              <a:rPr lang="it-IT" dirty="0"/>
-              <a:t> a </a:t>
-            </a:r>
-            <a:r>
-              <a:rPr lang="it-IT" dirty="0" err="1"/>
-              <a:t>supergraph</a:t>
-            </a:r>
-            <a:r>
-              <a:rPr lang="it-IT" dirty="0"/>
-              <a:t> </a:t>
-            </a:r>
-            <a:r>
-              <a:rPr lang="it-IT" dirty="0" err="1"/>
-              <a:t>is</a:t>
-            </a:r>
-            <a:r>
-              <a:rPr lang="it-IT" dirty="0"/>
-              <a:t> the </a:t>
-            </a:r>
-            <a:r>
-              <a:rPr lang="it-IT" dirty="0" err="1"/>
-              <a:t>one</a:t>
-            </a:r>
-            <a:r>
-              <a:rPr lang="it-IT" dirty="0"/>
-              <a:t> </a:t>
-            </a:r>
-            <a:r>
-              <a:rPr lang="it-IT" dirty="0" err="1"/>
-              <a:t>adopted</a:t>
-            </a:r>
-            <a:r>
-              <a:rPr lang="it-IT" dirty="0"/>
-              <a:t> by the </a:t>
-            </a:r>
-            <a:r>
-              <a:rPr lang="it-IT" dirty="0" err="1"/>
-              <a:t>probing</a:t>
-            </a:r>
-            <a:r>
-              <a:rPr lang="it-IT" dirty="0"/>
-              <a:t> </a:t>
-            </a:r>
-            <a:r>
-              <a:rPr lang="it-IT" dirty="0" err="1"/>
-              <a:t>scheme</a:t>
-            </a:r>
-            <a:r>
-              <a:rPr lang="it-IT" dirty="0"/>
-              <a:t> </a:t>
-            </a:r>
-            <a:r>
-              <a:rPr lang="it-IT" dirty="0" err="1"/>
-              <a:t>which</a:t>
-            </a:r>
-            <a:r>
-              <a:rPr lang="it-IT" dirty="0"/>
-              <a:t> </a:t>
-            </a:r>
-            <a:r>
-              <a:rPr lang="it-IT" dirty="0" err="1"/>
-              <a:t>attempts</a:t>
-            </a:r>
-            <a:r>
-              <a:rPr lang="it-IT" dirty="0"/>
-              <a:t> by </a:t>
-            </a:r>
-            <a:r>
-              <a:rPr lang="it-IT" dirty="0" err="1"/>
-              <a:t>choosing</a:t>
-            </a:r>
-            <a:r>
-              <a:rPr lang="it-IT" dirty="0"/>
-              <a:t>, in a </a:t>
-            </a:r>
-            <a:r>
-              <a:rPr lang="it-IT" dirty="0" err="1"/>
-              <a:t>causal</a:t>
-            </a:r>
-            <a:r>
-              <a:rPr lang="it-IT" dirty="0"/>
-              <a:t> way, some </a:t>
-            </a:r>
-            <a:r>
-              <a:rPr lang="it-IT" dirty="0" err="1"/>
-              <a:t>links</a:t>
-            </a:r>
-            <a:r>
-              <a:rPr lang="it-IT" dirty="0"/>
-              <a:t> </a:t>
-            </a:r>
-            <a:r>
-              <a:rPr lang="it-IT" dirty="0" err="1"/>
-              <a:t>until</a:t>
-            </a:r>
-            <a:r>
-              <a:rPr lang="it-IT" dirty="0"/>
-              <a:t> </a:t>
-            </a:r>
-            <a:r>
-              <a:rPr lang="it-IT" dirty="0" err="1"/>
-              <a:t>it</a:t>
-            </a:r>
-            <a:r>
-              <a:rPr lang="it-IT" dirty="0"/>
-              <a:t> </a:t>
-            </a:r>
-            <a:r>
-              <a:rPr lang="it-IT" dirty="0" err="1"/>
-              <a:t>finds</a:t>
-            </a:r>
-            <a:r>
-              <a:rPr lang="it-IT" dirty="0"/>
-              <a:t> the </a:t>
-            </a:r>
-            <a:r>
-              <a:rPr lang="it-IT" dirty="0" err="1"/>
-              <a:t>solution</a:t>
-            </a:r>
-            <a:r>
-              <a:rPr lang="it-IT" dirty="0"/>
-              <a:t>.</a:t>
-            </a:r>
-          </a:p>
-          <a:p>
-            <a:r>
-              <a:rPr lang="it-IT" sz="1600" dirty="0"/>
-              <a:t>In a README file </a:t>
-            </a:r>
-            <a:r>
-              <a:rPr lang="it-IT" sz="1600" dirty="0" err="1"/>
-              <a:t>we</a:t>
-            </a:r>
-            <a:r>
-              <a:rPr lang="it-IT" sz="1600" dirty="0"/>
-              <a:t> </a:t>
-            </a:r>
-            <a:r>
-              <a:rPr lang="it-IT" sz="1600" dirty="0" err="1"/>
-              <a:t>say</a:t>
-            </a:r>
-            <a:r>
-              <a:rPr lang="it-IT" sz="1600" dirty="0"/>
-              <a:t> </a:t>
-            </a:r>
-            <a:r>
-              <a:rPr lang="it-IT" sz="1600" dirty="0" err="1"/>
-              <a:t>how</a:t>
-            </a:r>
-            <a:r>
-              <a:rPr lang="it-IT" sz="1600" dirty="0"/>
-              <a:t> </a:t>
-            </a:r>
-            <a:r>
-              <a:rPr lang="it-IT" sz="1600" dirty="0" err="1"/>
-              <a:t>we</a:t>
-            </a:r>
-            <a:r>
-              <a:rPr lang="it-IT" sz="1600" dirty="0"/>
-              <a:t> </a:t>
-            </a:r>
-            <a:r>
-              <a:rPr lang="it-IT" sz="1600" dirty="0" err="1"/>
-              <a:t>have</a:t>
-            </a:r>
-            <a:r>
-              <a:rPr lang="it-IT" sz="1600" dirty="0"/>
-              <a:t> </a:t>
-            </a:r>
-            <a:r>
-              <a:rPr lang="it-IT" sz="1600" dirty="0" err="1"/>
-              <a:t>tested</a:t>
-            </a:r>
-            <a:r>
-              <a:rPr lang="it-IT" sz="1600" dirty="0"/>
-              <a:t> </a:t>
-            </a:r>
-            <a:r>
-              <a:rPr lang="it-IT" sz="1600" dirty="0" err="1"/>
-              <a:t>datasets</a:t>
-            </a:r>
-            <a:endParaRPr lang="it-IT" sz="1600" dirty="0"/>
+              <a:t>programm</a:t>
+            </a:r>
+            <a:endParaRPr lang="it-IT" dirty="0"/>
+          </a:p>
+          <a:p>
+            <a:endParaRPr lang="it-IT" dirty="0"/>
           </a:p>
         </p:txBody>
       </p:sp>
     </p:spTree>
     <p:extLst>
       <p:ext uri="{BB962C8B-B14F-4D97-AF65-F5344CB8AC3E}">
-        <p14:creationId xmlns:p14="http://schemas.microsoft.com/office/powerpoint/2010/main" val="2173484049"/>
+        <p14:creationId xmlns:p14="http://schemas.microsoft.com/office/powerpoint/2010/main" val="1539481042"/>
       </p:ext>
     </p:extLst>
   </p:cSld>
@@ -9383,231 +9428,6 @@
           <p:cNvPr id="2" name="Titolo 1">
             <a:extLst>
               <a:ext uri="{FF2B5EF4-FFF2-40B4-BE49-F238E27FC236}">
-                <a16:creationId xmlns:a16="http://schemas.microsoft.com/office/drawing/2014/main" id="{BB6A062F-D04C-8943-A8B2-B629B4C87540}"/>
-              </a:ext>
-            </a:extLst>
-          </p:cNvPr>
-          <p:cNvSpPr>
-            <a:spLocks noGrp="1"/>
-          </p:cNvSpPr>
-          <p:nvPr>
-            <p:ph type="title"/>
-          </p:nvPr>
-        </p:nvSpPr>
-        <p:spPr/>
-        <p:txBody>
-          <a:bodyPr/>
-          <a:lstStyle/>
-          <a:p>
-            <a:r>
-              <a:rPr lang="it-IT" b="1" dirty="0"/>
-              <a:t>CODE</a:t>
-            </a:r>
-          </a:p>
-        </p:txBody>
-      </p:sp>
-      <p:sp>
-        <p:nvSpPr>
-          <p:cNvPr id="3" name="Segnaposto contenuto 2">
-            <a:extLst>
-              <a:ext uri="{FF2B5EF4-FFF2-40B4-BE49-F238E27FC236}">
-                <a16:creationId xmlns:a16="http://schemas.microsoft.com/office/drawing/2014/main" id="{A30BC981-604C-F245-8359-BF91CFE7494A}"/>
-              </a:ext>
-            </a:extLst>
-          </p:cNvPr>
-          <p:cNvSpPr>
-            <a:spLocks noGrp="1"/>
-          </p:cNvSpPr>
-          <p:nvPr>
-            <p:ph idx="1"/>
-          </p:nvPr>
-        </p:nvSpPr>
-        <p:spPr/>
-        <p:txBody>
-          <a:bodyPr/>
-          <a:lstStyle/>
-          <a:p>
-            <a:r>
-              <a:rPr lang="it-IT" dirty="0"/>
-              <a:t>The code </a:t>
-            </a:r>
-            <a:r>
-              <a:rPr lang="it-IT" dirty="0" err="1"/>
-              <a:t>is</a:t>
-            </a:r>
-            <a:r>
-              <a:rPr lang="it-IT" dirty="0"/>
-              <a:t> </a:t>
-            </a:r>
-            <a:r>
-              <a:rPr lang="it-IT" dirty="0" err="1"/>
-              <a:t>written</a:t>
-            </a:r>
-            <a:r>
-              <a:rPr lang="it-IT" dirty="0"/>
-              <a:t> in </a:t>
-            </a:r>
-            <a:r>
-              <a:rPr lang="it-IT" dirty="0" err="1"/>
-              <a:t>Python</a:t>
-            </a:r>
-            <a:r>
-              <a:rPr lang="it-IT" dirty="0"/>
-              <a:t> and </a:t>
-            </a:r>
-            <a:r>
-              <a:rPr lang="it-IT" dirty="0" err="1"/>
-              <a:t>published</a:t>
-            </a:r>
-            <a:r>
-              <a:rPr lang="it-IT" dirty="0"/>
-              <a:t> on </a:t>
-            </a:r>
-            <a:r>
-              <a:rPr lang="it-IT" dirty="0" err="1"/>
-              <a:t>GitHub</a:t>
-            </a:r>
-            <a:r>
-              <a:rPr lang="it-IT" dirty="0"/>
-              <a:t> (</a:t>
-            </a:r>
-            <a:r>
-              <a:rPr lang="it-IT" dirty="0" err="1"/>
-              <a:t>https</a:t>
-            </a:r>
-            <a:r>
-              <a:rPr lang="it-IT" dirty="0"/>
-              <a:t>://</a:t>
-            </a:r>
-            <a:r>
-              <a:rPr lang="it-IT" dirty="0" err="1"/>
-              <a:t>github.com</a:t>
-            </a:r>
-            <a:r>
-              <a:rPr lang="it-IT" dirty="0"/>
-              <a:t>/enz93/k-</a:t>
-            </a:r>
-            <a:r>
-              <a:rPr lang="it-IT" dirty="0" err="1"/>
-              <a:t>degree</a:t>
-            </a:r>
-            <a:r>
-              <a:rPr lang="it-IT" dirty="0"/>
-              <a:t>).</a:t>
-            </a:r>
-            <a:br>
-              <a:rPr lang="it-IT" dirty="0"/>
-            </a:br>
-            <a:r>
-              <a:rPr lang="it-IT" dirty="0" err="1"/>
-              <a:t>All</a:t>
-            </a:r>
-            <a:r>
-              <a:rPr lang="it-IT" dirty="0"/>
-              <a:t> the code </a:t>
-            </a:r>
-            <a:r>
-              <a:rPr lang="it-IT" dirty="0" err="1"/>
-              <a:t>is</a:t>
-            </a:r>
-            <a:r>
-              <a:rPr lang="it-IT" dirty="0"/>
-              <a:t> </a:t>
-            </a:r>
-            <a:r>
-              <a:rPr lang="it-IT" dirty="0" err="1"/>
-              <a:t>written</a:t>
-            </a:r>
-            <a:r>
-              <a:rPr lang="it-IT" dirty="0"/>
-              <a:t> inside </a:t>
-            </a:r>
-            <a:r>
-              <a:rPr lang="it-IT" dirty="0" err="1"/>
-              <a:t>PyCharm</a:t>
-            </a:r>
-            <a:r>
-              <a:rPr lang="it-IT" dirty="0"/>
-              <a:t>. Read the file README inside the folder and </a:t>
-            </a:r>
-            <a:r>
-              <a:rPr lang="it-IT" dirty="0" err="1"/>
-              <a:t>you</a:t>
-            </a:r>
-            <a:r>
-              <a:rPr lang="it-IT" dirty="0"/>
-              <a:t> </a:t>
-            </a:r>
-            <a:r>
-              <a:rPr lang="it-IT" dirty="0" err="1"/>
-              <a:t>follow</a:t>
-            </a:r>
-            <a:r>
-              <a:rPr lang="it-IT" dirty="0"/>
-              <a:t> the </a:t>
-            </a:r>
-            <a:r>
-              <a:rPr lang="it-IT" dirty="0" err="1"/>
-              <a:t>instruction</a:t>
-            </a:r>
-            <a:r>
-              <a:rPr lang="it-IT" dirty="0"/>
-              <a:t> for </a:t>
-            </a:r>
-            <a:r>
-              <a:rPr lang="it-IT" dirty="0" err="1"/>
-              <a:t>execute</a:t>
-            </a:r>
-            <a:r>
-              <a:rPr lang="it-IT" dirty="0"/>
-              <a:t> the </a:t>
-            </a:r>
-            <a:r>
-              <a:rPr lang="it-IT" dirty="0" err="1"/>
-              <a:t>programm</a:t>
-            </a:r>
-            <a:endParaRPr lang="it-IT" dirty="0"/>
-          </a:p>
-          <a:p>
-            <a:endParaRPr lang="it-IT" dirty="0"/>
-          </a:p>
-        </p:txBody>
-      </p:sp>
-    </p:spTree>
-    <p:extLst>
-      <p:ext uri="{BB962C8B-B14F-4D97-AF65-F5344CB8AC3E}">
-        <p14:creationId xmlns:p14="http://schemas.microsoft.com/office/powerpoint/2010/main" val="1539481042"/>
-      </p:ext>
-    </p:extLst>
-  </p:cSld>
-  <p:clrMapOvr>
-    <a:masterClrMapping/>
-  </p:clrMapOvr>
-</p:sld>
-</file>
-
-<file path=ppt/slides/slide21.xml><?xml version="1.0" encoding="utf-8"?>
-<p:sld xmlns:a="http://schemas.openxmlformats.org/drawingml/2006/main" xmlns:r="http://schemas.openxmlformats.org/officeDocument/2006/relationships" xmlns:p="http://schemas.openxmlformats.org/presentationml/2006/main">
-  <p:cSld>
-    <p:spTree>
-      <p:nvGrpSpPr>
-        <p:cNvPr id="1" name=""/>
-        <p:cNvGrpSpPr/>
-        <p:nvPr/>
-      </p:nvGrpSpPr>
-      <p:grpSpPr>
-        <a:xfrm>
-          <a:off x="0" y="0"/>
-          <a:ext cx="0" cy="0"/>
-          <a:chOff x="0" y="0"/>
-          <a:chExt cx="0" cy="0"/>
-        </a:xfrm>
-      </p:grpSpPr>
-      <p:sp>
-        <p:nvSpPr>
-          <p:cNvPr id="2" name="Titolo 1">
-            <a:extLst>
-              <a:ext uri="{FF2B5EF4-FFF2-40B4-BE49-F238E27FC236}">
                 <a16:creationId xmlns:a16="http://schemas.microsoft.com/office/drawing/2014/main" id="{0FB7D9C9-A1B8-6241-B0AF-AB24E95A9597}"/>
               </a:ext>
             </a:extLst>
@@ -9826,7 +9646,7 @@
         </p:nvSpPr>
         <p:spPr>
           <a:xfrm>
-            <a:off x="838200" y="365126"/>
+            <a:off x="625136" y="697939"/>
             <a:ext cx="7310718" cy="378946"/>
           </a:xfrm>
         </p:spPr>
@@ -9837,37 +9657,37 @@
           <a:lstStyle/>
           <a:p>
             <a:r>
-              <a:rPr lang="it-IT" sz="2000" b="1" dirty="0" err="1">
+              <a:rPr lang="it-IT" sz="3600" b="1" dirty="0" err="1">
                 <a:latin typeface="+mn-lt"/>
               </a:rPr>
               <a:t>What</a:t>
             </a:r>
             <a:r>
-              <a:rPr lang="it-IT" sz="2000" b="1" dirty="0">
+              <a:rPr lang="it-IT" sz="3600" b="1" dirty="0">
                 <a:latin typeface="+mn-lt"/>
               </a:rPr>
               <a:t> do </a:t>
             </a:r>
             <a:r>
-              <a:rPr lang="it-IT" sz="2000" b="1" dirty="0" err="1">
+              <a:rPr lang="it-IT" sz="3600" b="1" dirty="0" err="1">
                 <a:latin typeface="+mn-lt"/>
               </a:rPr>
               <a:t>we</a:t>
             </a:r>
             <a:r>
-              <a:rPr lang="it-IT" sz="2000" b="1" dirty="0">
+              <a:rPr lang="it-IT" sz="3600" b="1" dirty="0">
                 <a:latin typeface="+mn-lt"/>
               </a:rPr>
               <a:t> </a:t>
             </a:r>
             <a:r>
-              <a:rPr lang="it-IT" sz="2000" b="1" dirty="0" err="1">
+              <a:rPr lang="it-IT" sz="3600" b="1" dirty="0" err="1">
                 <a:latin typeface="+mn-lt"/>
               </a:rPr>
               <a:t>want</a:t>
             </a:r>
             <a:r>
-              <a:rPr lang="it-IT" sz="2000" b="1" dirty="0">
+              <a:rPr lang="it-IT" sz="3600" b="1" dirty="0">
                 <a:latin typeface="+mn-lt"/>
               </a:rPr>
               <a:t> to do?</a:t>
@@ -9893,7 +9713,7 @@
         </p:nvSpPr>
         <p:spPr>
           <a:xfrm>
-            <a:off x="838200" y="920189"/>
+            <a:off x="838200" y="1514993"/>
             <a:ext cx="10515600" cy="4351338"/>
           </a:xfrm>
         </p:spPr>
@@ -9932,7 +9752,7 @@
             </a:r>
             <a:r>
               <a:rPr lang="it-IT" sz="2400" dirty="0"/>
-              <a:t> and  </a:t>
+              <a:t> and </a:t>
             </a:r>
             <a:r>
               <a:rPr lang="it-IT" sz="2400" dirty="0" err="1"/>
@@ -9972,7 +9792,15 @@
             </a:r>
             <a:r>
               <a:rPr lang="it-IT" sz="2400" dirty="0"/>
-              <a:t> time of the DP </a:t>
+              <a:t> time </a:t>
+            </a:r>
+            <a:r>
+              <a:rPr lang="it-IT" sz="2400" dirty="0" err="1"/>
+              <a:t>complexity</a:t>
+            </a:r>
+            <a:r>
+              <a:rPr lang="it-IT" sz="2400" dirty="0"/>
+              <a:t> of the DP </a:t>
             </a:r>
             <a:r>
               <a:rPr lang="it-IT" sz="2400" dirty="0" err="1"/>
@@ -10283,7 +10111,7 @@
         </p:blipFill>
         <p:spPr>
           <a:xfrm>
-            <a:off x="2844800" y="3429000"/>
+            <a:off x="2844800" y="4493889"/>
             <a:ext cx="6502400" cy="1206500"/>
           </a:xfrm>
           <a:prstGeom prst="rect">
@@ -10657,7 +10485,15 @@
             </a:r>
             <a:r>
               <a:rPr lang="it-IT" dirty="0"/>
-              <a:t> friend (</a:t>
+              <a:t> friend (in </a:t>
+            </a:r>
+            <a:r>
+              <a:rPr lang="it-IT" dirty="0" err="1"/>
+              <a:t>addition</a:t>
+            </a:r>
+            <a:r>
+              <a:rPr lang="it-IT" dirty="0"/>
+              <a:t>, </a:t>
             </a:r>
             <a:r>
               <a:rPr lang="it-IT" dirty="0" err="1"/>
@@ -10673,7 +10509,7 @@
             </a:r>
             <a:r>
               <a:rPr lang="it-IT" dirty="0"/>
-              <a:t> </a:t>
+              <a:t> the </a:t>
             </a:r>
             <a:r>
               <a:rPr lang="it-IT" dirty="0" err="1"/>
@@ -10721,7 +10557,7 @@
             </a:r>
             <a:r>
               <a:rPr lang="it-IT" dirty="0"/>
-              <a:t> </a:t>
+              <a:t> the </a:t>
             </a:r>
             <a:r>
               <a:rPr lang="it-IT" dirty="0" err="1"/>
@@ -10733,7 +10569,7 @@
             </a:r>
             <a:r>
               <a:rPr lang="it-IT" dirty="0" err="1"/>
-              <a:t>alghoritm</a:t>
+              <a:t>algorithm</a:t>
             </a:r>
             <a:r>
               <a:rPr lang="it-IT" dirty="0"/>
@@ -10959,7 +10795,7 @@
           <a:p>
             <a:pPr algn="just"/>
             <a:r>
-              <a:rPr lang="it-IT" dirty="0" err="1"/>
+              <a:rPr lang="it-IT" i="1" dirty="0" err="1"/>
               <a:t>Greedy</a:t>
             </a:r>
             <a:r>
@@ -10968,7 +10804,7 @@
             </a:r>
             <a:r>
               <a:rPr lang="it-IT" dirty="0" err="1"/>
-              <a:t>alghoritm</a:t>
+              <a:t>algorithm</a:t>
             </a:r>
             <a:r>
               <a:rPr lang="it-IT" dirty="0"/>
@@ -10980,7 +10816,7 @@
             </a:r>
             <a:r>
               <a:rPr lang="it-IT" dirty="0"/>
-              <a:t> linear-time </a:t>
+              <a:t> a linear-time </a:t>
             </a:r>
             <a:r>
               <a:rPr lang="it-IT" dirty="0" err="1"/>
@@ -11190,7 +11026,7 @@
               <a:t>The </a:t>
             </a:r>
             <a:r>
-              <a:rPr lang="it-IT" dirty="0" err="1"/>
+              <a:rPr lang="it-IT" i="1" dirty="0" err="1"/>
               <a:t>greedy</a:t>
             </a:r>
             <a:r>
@@ -11215,7 +11051,7 @@
             </a:r>
             <a:r>
               <a:rPr lang="it-IT" dirty="0" err="1"/>
-              <a:t>computation</a:t>
+              <a:t>computational</a:t>
             </a:r>
             <a:r>
               <a:rPr lang="it-IT" dirty="0"/>
@@ -11250,7 +11086,7 @@
             </a:r>
             <a:r>
               <a:rPr lang="it-IT" dirty="0"/>
-              <a:t> with </a:t>
+              <a:t> with the </a:t>
             </a:r>
             <a:r>
               <a:rPr lang="it-IT" dirty="0" err="1"/>
@@ -11440,7 +11276,7 @@
           <a:p>
             <a:pPr algn="just"/>
             <a:r>
-              <a:rPr lang="it-IT" dirty="0" err="1"/>
+              <a:rPr lang="it-IT" i="1" dirty="0" err="1"/>
               <a:t>Greedy</a:t>
             </a:r>
             <a:r>
@@ -11449,7 +11285,7 @@
             </a:r>
             <a:r>
               <a:rPr lang="it-IT" dirty="0" err="1"/>
-              <a:t>alghoritm</a:t>
+              <a:t>algorithm</a:t>
             </a:r>
             <a:r>
               <a:rPr lang="it-IT" dirty="0"/>
@@ -11501,7 +11337,15 @@
             </a:r>
             <a:r>
               <a:rPr lang="it-IT" dirty="0"/>
-              <a:t> on </a:t>
+              <a:t> on the </a:t>
+            </a:r>
+            <a:r>
+              <a:rPr lang="it-IT" dirty="0" err="1"/>
+              <a:t>order</a:t>
+            </a:r>
+            <a:r>
+              <a:rPr lang="it-IT" dirty="0"/>
+              <a:t> of </a:t>
             </a:r>
             <a:r>
               <a:rPr lang="it-IT" dirty="0" err="1"/>
@@ -11654,223 +11498,8 @@
           <a:chExt cx="0" cy="0"/>
         </a:xfrm>
       </p:grpSpPr>
-      <p:sp>
-        <p:nvSpPr>
-          <p:cNvPr id="2" name="Titolo 1">
-            <a:extLst>
-              <a:ext uri="{FF2B5EF4-FFF2-40B4-BE49-F238E27FC236}">
-                <a16:creationId xmlns:a16="http://schemas.microsoft.com/office/drawing/2014/main" id="{C9C4EBAD-1626-364C-B395-54D134CCFEF0}"/>
-              </a:ext>
-            </a:extLst>
-          </p:cNvPr>
-          <p:cNvSpPr>
-            <a:spLocks noGrp="1"/>
-          </p:cNvSpPr>
-          <p:nvPr>
-            <p:ph type="title"/>
-          </p:nvPr>
-        </p:nvSpPr>
-        <p:spPr/>
-        <p:txBody>
-          <a:bodyPr/>
-          <a:lstStyle/>
-          <a:p>
-            <a:r>
-              <a:rPr lang="it-IT" dirty="0"/>
-              <a:t>Corrisponde alla pagina prima</a:t>
-            </a:r>
-          </a:p>
-        </p:txBody>
-      </p:sp>
-      <p:sp>
-        <p:nvSpPr>
-          <p:cNvPr id="3" name="Segnaposto contenuto 2">
-            <a:extLst>
-              <a:ext uri="{FF2B5EF4-FFF2-40B4-BE49-F238E27FC236}">
-                <a16:creationId xmlns:a16="http://schemas.microsoft.com/office/drawing/2014/main" id="{F6A436DB-3D18-644E-96EA-F64375636D67}"/>
-              </a:ext>
-            </a:extLst>
-          </p:cNvPr>
-          <p:cNvSpPr>
-            <a:spLocks noGrp="1"/>
-          </p:cNvSpPr>
-          <p:nvPr>
-            <p:ph idx="1"/>
-          </p:nvPr>
-        </p:nvSpPr>
-        <p:spPr/>
-        <p:txBody>
-          <a:bodyPr>
-            <a:normAutofit lnSpcReduction="10000"/>
-          </a:bodyPr>
-          <a:lstStyle/>
-          <a:p>
-            <a:r>
-              <a:rPr lang="it-IT" dirty="0">
-                <a:solidFill>
-                  <a:srgbClr val="FF0000"/>
-                </a:solidFill>
-              </a:rPr>
-              <a:t>DP vs GREEDY</a:t>
-            </a:r>
-          </a:p>
-          <a:p>
-            <a:r>
-              <a:rPr lang="it-IT" dirty="0">
-                <a:solidFill>
-                  <a:srgbClr val="FF0000"/>
-                </a:solidFill>
-              </a:rPr>
-              <a:t>L’algoritmo </a:t>
-            </a:r>
-            <a:r>
-              <a:rPr lang="it-IT" dirty="0" err="1">
-                <a:solidFill>
-                  <a:srgbClr val="FF0000"/>
-                </a:solidFill>
-              </a:rPr>
-              <a:t>greedy</a:t>
-            </a:r>
-            <a:r>
-              <a:rPr lang="it-IT" dirty="0">
-                <a:solidFill>
-                  <a:srgbClr val="FF0000"/>
-                </a:solidFill>
-              </a:rPr>
-              <a:t> presenta alcuni problemi di computazione con alti valori di k.</a:t>
-            </a:r>
-          </a:p>
-          <a:p>
-            <a:r>
-              <a:rPr lang="it-IT" dirty="0">
-                <a:solidFill>
-                  <a:srgbClr val="FF0000"/>
-                </a:solidFill>
-              </a:rPr>
-              <a:t>Testando  con valori che ritornano un risultato corretto, abbiamo constatato  che il l’algoritmo </a:t>
-            </a:r>
-            <a:r>
-              <a:rPr lang="it-IT" dirty="0" err="1">
-                <a:solidFill>
-                  <a:srgbClr val="FF0000"/>
-                </a:solidFill>
-              </a:rPr>
-              <a:t>greedy</a:t>
-            </a:r>
-            <a:r>
-              <a:rPr lang="it-IT" dirty="0">
-                <a:solidFill>
-                  <a:srgbClr val="FF0000"/>
-                </a:solidFill>
-              </a:rPr>
-              <a:t> è molto più performante del </a:t>
-            </a:r>
-            <a:r>
-              <a:rPr lang="it-IT" dirty="0" err="1">
-                <a:solidFill>
-                  <a:srgbClr val="FF0000"/>
-                </a:solidFill>
-              </a:rPr>
-              <a:t>dp</a:t>
-            </a:r>
-            <a:r>
-              <a:rPr lang="it-IT" dirty="0">
-                <a:solidFill>
-                  <a:srgbClr val="FF0000"/>
-                </a:solidFill>
-              </a:rPr>
-              <a:t>, anche se quest’ultimo comunque è abbastanza veloce.</a:t>
-            </a:r>
-          </a:p>
-          <a:p>
-            <a:r>
-              <a:rPr lang="it-IT" dirty="0">
-                <a:solidFill>
-                  <a:srgbClr val="FF0000"/>
-                </a:solidFill>
-              </a:rPr>
-              <a:t>il </a:t>
-            </a:r>
-            <a:r>
-              <a:rPr lang="it-IT" dirty="0" err="1">
-                <a:solidFill>
-                  <a:srgbClr val="FF0000"/>
-                </a:solidFill>
-              </a:rPr>
-              <a:t>greedy</a:t>
-            </a:r>
-            <a:r>
-              <a:rPr lang="it-IT" dirty="0">
-                <a:solidFill>
-                  <a:srgbClr val="FF0000"/>
-                </a:solidFill>
-              </a:rPr>
-              <a:t> è sui centesimi di secondo, il secondo è sui decimi di secondo.</a:t>
-            </a:r>
-          </a:p>
-          <a:p>
-            <a:r>
-              <a:rPr lang="it-IT" dirty="0">
-                <a:solidFill>
-                  <a:srgbClr val="FF0000"/>
-                </a:solidFill>
-              </a:rPr>
-              <a:t>Questo costo è dovuto alla costruzione ad ogni passo gli indici per l’array con ii valori da considerare per l’</a:t>
-            </a:r>
-            <a:r>
-              <a:rPr lang="it-IT" dirty="0" err="1">
-                <a:solidFill>
-                  <a:srgbClr val="FF0000"/>
-                </a:solidFill>
-              </a:rPr>
-              <a:t>anonimizzazione</a:t>
-            </a:r>
-            <a:r>
-              <a:rPr lang="it-IT" dirty="0">
-                <a:solidFill>
-                  <a:srgbClr val="FF0000"/>
-                </a:solidFill>
-              </a:rPr>
-              <a:t>.</a:t>
-            </a:r>
-          </a:p>
-          <a:p>
-            <a:endParaRPr lang="it-IT" dirty="0"/>
-          </a:p>
-        </p:txBody>
-      </p:sp>
-    </p:spTree>
-    <p:extLst>
-      <p:ext uri="{BB962C8B-B14F-4D97-AF65-F5344CB8AC3E}">
-        <p14:creationId xmlns:p14="http://schemas.microsoft.com/office/powerpoint/2010/main" val="3151079087"/>
-      </p:ext>
-    </p:extLst>
-  </p:cSld>
-  <p:clrMapOvr>
-    <a:masterClrMapping/>
-  </p:clrMapOvr>
-</p:sld>
-</file>
-
-<file path=ppt/slides/slide8.xml><?xml version="1.0" encoding="utf-8"?>
-<p:sld xmlns:a="http://schemas.openxmlformats.org/drawingml/2006/main" xmlns:r="http://schemas.openxmlformats.org/officeDocument/2006/relationships" xmlns:p="http://schemas.openxmlformats.org/presentationml/2006/main">
-  <p:cSld>
-    <p:spTree>
-      <p:nvGrpSpPr>
-        <p:cNvPr id="1" name=""/>
-        <p:cNvGrpSpPr/>
-        <p:nvPr/>
-      </p:nvGrpSpPr>
-      <p:grpSpPr>
-        <a:xfrm>
-          <a:off x="0" y="0"/>
-          <a:ext cx="0" cy="0"/>
-          <a:chOff x="0" y="0"/>
-          <a:chExt cx="0" cy="0"/>
-        </a:xfrm>
-      </p:grpSpPr>
-      <mc:AlternateContent xmlns:mc="http://schemas.openxmlformats.org/markup-compatibility/2006">
-        <mc:Choice xmlns:a14="http://schemas.microsoft.com/office/drawing/2010/main" Requires="a14">
+      <mc:AlternateContent xmlns:mc="http://schemas.openxmlformats.org/markup-compatibility/2006" xmlns:a14="http://schemas.microsoft.com/office/drawing/2010/main">
+        <mc:Choice Requires="a14">
           <p:sp>
             <p:nvSpPr>
               <p:cNvPr id="3" name="Segnaposto contenuto 2">
@@ -11889,13 +11518,13 @@
             </p:nvSpPr>
             <p:spPr>
               <a:xfrm>
-                <a:off x="762000" y="1029978"/>
+                <a:off x="646590" y="1367329"/>
                 <a:ext cx="10515600" cy="4351338"/>
               </a:xfrm>
             </p:spPr>
             <p:txBody>
               <a:bodyPr>
-                <a:normAutofit lnSpcReduction="10000"/>
+                <a:normAutofit fontScale="92500"/>
               </a:bodyPr>
               <a:lstStyle/>
               <a:p>
@@ -12410,7 +12039,7 @@
                 </a:r>
                 <a:r>
                   <a:rPr lang="it-IT" dirty="0" err="1"/>
-                  <a:t>alghoritms</a:t>
+                  <a:t>algorithms</a:t>
                 </a:r>
                 <a:r>
                   <a:rPr lang="it-IT" dirty="0"/>
@@ -12484,20 +12113,16 @@
               <a:p>
                 <a:pPr algn="just"/>
                 <a:r>
+                  <a:rPr lang="it-IT" dirty="0"/>
+                  <a:t>The </a:t>
+                </a:r>
+                <a:r>
                   <a:rPr lang="it-IT" dirty="0" err="1"/>
-                  <a:t>Values</a:t>
+                  <a:t>values</a:t>
                 </a:r>
                 <a:r>
                   <a:rPr lang="it-IT" dirty="0"/>
-                  <a:t> of </a:t>
-                </a:r>
-                <a:r>
-                  <a:rPr lang="it-IT" dirty="0" err="1"/>
-                  <a:t>R</a:t>
-                </a:r>
-                <a:r>
-                  <a:rPr lang="it-IT" dirty="0"/>
-                  <a:t> </a:t>
+                  <a:t> of R </a:t>
                 </a:r>
                 <a:r>
                   <a:rPr lang="it-IT" dirty="0" err="1"/>
@@ -12609,11 +12234,19 @@
                 </a:r>
                 <a:r>
                   <a:rPr lang="it-IT" dirty="0"/>
-                  <a:t> </a:t>
+                  <a:t> R </a:t>
                 </a:r>
                 <a:r>
                   <a:rPr lang="it-IT" dirty="0" err="1"/>
-                  <a:t>R</a:t>
+                  <a:t>is</a:t>
+                </a:r>
+                <a:r>
+                  <a:rPr lang="it-IT" dirty="0"/>
+                  <a:t> to 1, and </a:t>
+                </a:r>
+                <a:r>
+                  <a:rPr lang="it-IT" dirty="0" err="1"/>
+                  <a:t>better</a:t>
                 </a:r>
                 <a:r>
                   <a:rPr lang="it-IT" dirty="0"/>
@@ -12622,14 +12255,6 @@
                 <a:r>
                   <a:rPr lang="it-IT" dirty="0" err="1"/>
                   <a:t>is</a:t>
-                </a:r>
-                <a:r>
-                  <a:rPr lang="it-IT" dirty="0"/>
-                  <a:t> to 1, the </a:t>
-                </a:r>
-                <a:r>
-                  <a:rPr lang="it-IT" dirty="0" err="1"/>
-                  <a:t>better</a:t>
                 </a:r>
                 <a:r>
                   <a:rPr lang="it-IT" dirty="0"/>
@@ -12658,7 +12283,7 @@
             </p:txBody>
           </p:sp>
         </mc:Choice>
-        <mc:Fallback>
+        <mc:Fallback xmlns="">
           <p:sp>
             <p:nvSpPr>
               <p:cNvPr id="3" name="Segnaposto contenuto 2">
@@ -12677,13 +12302,13 @@
             </p:nvSpPr>
             <p:spPr>
               <a:xfrm>
-                <a:off x="762000" y="1029978"/>
+                <a:off x="646590" y="1367329"/>
                 <a:ext cx="10515600" cy="4351338"/>
               </a:xfrm>
               <a:blipFill>
                 <a:blip r:embed="rId2"/>
                 <a:stretch>
-                  <a:fillRect l="-1087" t="-2907" r="-1932"/>
+                  <a:fillRect l="-870" t="-2101" r="-1043" b="-1821"/>
                 </a:stretch>
               </a:blipFill>
             </p:spPr>
@@ -12692,7 +12317,7 @@
               <a:lstStyle/>
               <a:p>
                 <a:r>
-                  <a:rPr lang="it-IT">
+                  <a:rPr lang="en-GB">
                     <a:noFill/>
                   </a:rPr>
                   <a:t> </a:t>
@@ -12763,7 +12388,7 @@
         </p:nvSpPr>
         <p:spPr>
           <a:xfrm>
-            <a:off x="762000" y="45337"/>
+            <a:off x="762000" y="260537"/>
             <a:ext cx="4676899" cy="769441"/>
           </a:xfrm>
           <a:prstGeom prst="rect">
@@ -12800,7 +12425,7 @@
 </p:sld>
 </file>
 
-<file path=ppt/slides/slide9.xml><?xml version="1.0" encoding="utf-8"?>
+<file path=ppt/slides/slide8.xml><?xml version="1.0" encoding="utf-8"?>
 <p:sld xmlns:a="http://schemas.openxmlformats.org/drawingml/2006/main" xmlns:r="http://schemas.openxmlformats.org/officeDocument/2006/relationships" xmlns:p="http://schemas.openxmlformats.org/presentationml/2006/main">
   <p:cSld>
     <p:spTree>
@@ -12841,8 +12466,8 @@
         </p:blipFill>
         <p:spPr>
           <a:xfrm>
-            <a:off x="0" y="112816"/>
-            <a:ext cx="9566808" cy="6745184"/>
+            <a:off x="884152" y="309356"/>
+            <a:ext cx="8540613" cy="6021654"/>
           </a:xfrm>
         </p:spPr>
       </p:pic>
@@ -12953,7 +12578,7 @@
         <p:spPr>
           <a:xfrm>
             <a:off x="8918369" y="875228"/>
-            <a:ext cx="2707574" cy="2031325"/>
+            <a:ext cx="2707574" cy="2308324"/>
           </a:xfrm>
           <a:prstGeom prst="rect">
             <a:avLst/>
@@ -13060,23 +12685,31 @@
             </a:r>
             <a:r>
               <a:rPr lang="it-IT" dirty="0"/>
-              <a:t>, in a </a:t>
-            </a:r>
-            <a:r>
-              <a:rPr lang="it-IT" dirty="0" err="1"/>
-              <a:t>directly</a:t>
-            </a:r>
-            <a:r>
-              <a:rPr lang="it-IT" dirty="0"/>
-              <a:t> </a:t>
-            </a:r>
-            <a:r>
-              <a:rPr lang="it-IT" dirty="0" err="1"/>
-              <a:t>proportional</a:t>
-            </a:r>
-            <a:r>
-              <a:rPr lang="it-IT" dirty="0"/>
-              <a:t> way.</a:t>
+              <a:t>, in a linear way </a:t>
+            </a:r>
+            <a:r>
+              <a:rPr lang="it-IT" dirty="0" err="1"/>
+              <a:t>as</a:t>
+            </a:r>
+            <a:r>
+              <a:rPr lang="it-IT" dirty="0"/>
+              <a:t> </a:t>
+            </a:r>
+            <a:r>
+              <a:rPr lang="it-IT" dirty="0" err="1"/>
+              <a:t>value</a:t>
+            </a:r>
+            <a:r>
+              <a:rPr lang="it-IT" dirty="0"/>
+              <a:t> of k-</a:t>
+            </a:r>
+            <a:r>
+              <a:rPr lang="it-IT" dirty="0" err="1"/>
+              <a:t>degree</a:t>
+            </a:r>
+            <a:r>
+              <a:rPr lang="it-IT" dirty="0"/>
+              <a:t>.</a:t>
             </a:r>
           </a:p>
           <a:p>
@@ -13089,6 +12722,637 @@
     <p:extLst>
       <p:ext uri="{BB962C8B-B14F-4D97-AF65-F5344CB8AC3E}">
         <p14:creationId xmlns:p14="http://schemas.microsoft.com/office/powerpoint/2010/main" val="1331359907"/>
+      </p:ext>
+    </p:extLst>
+  </p:cSld>
+  <p:clrMapOvr>
+    <a:masterClrMapping/>
+  </p:clrMapOvr>
+</p:sld>
+</file>
+
+<file path=ppt/slides/slide9.xml><?xml version="1.0" encoding="utf-8"?>
+<p:sld xmlns:a="http://schemas.openxmlformats.org/drawingml/2006/main" xmlns:r="http://schemas.openxmlformats.org/officeDocument/2006/relationships" xmlns:p="http://schemas.openxmlformats.org/presentationml/2006/main">
+  <p:cSld>
+    <p:bg>
+      <p:bgPr>
+        <a:solidFill>
+          <a:schemeClr val="bg1"/>
+        </a:solidFill>
+        <a:effectLst/>
+      </p:bgPr>
+    </p:bg>
+    <p:spTree>
+      <p:nvGrpSpPr>
+        <p:cNvPr id="1" name=""/>
+        <p:cNvGrpSpPr/>
+        <p:nvPr/>
+      </p:nvGrpSpPr>
+      <p:grpSpPr>
+        <a:xfrm>
+          <a:off x="0" y="0"/>
+          <a:ext cx="0" cy="0"/>
+          <a:chOff x="0" y="0"/>
+          <a:chExt cx="0" cy="0"/>
+        </a:xfrm>
+      </p:grpSpPr>
+      <p:sp>
+        <p:nvSpPr>
+          <p:cNvPr id="54" name="Rectangle 53">
+            <a:extLst>
+              <a:ext uri="{FF2B5EF4-FFF2-40B4-BE49-F238E27FC236}">
+                <a16:creationId xmlns:a16="http://schemas.microsoft.com/office/drawing/2014/main" id="{823AC064-BC96-4F32-8AE1-B2FD38754823}"/>
+              </a:ext>
+              <a:ext uri="{C183D7F6-B498-43B3-948B-1728B52AA6E4}">
+                <adec:decorative xmlns:adec="http://schemas.microsoft.com/office/drawing/2017/decorative" val="1"/>
+              </a:ext>
+            </a:extLst>
+          </p:cNvPr>
+          <p:cNvSpPr>
+            <a:spLocks noGrp="1" noRot="1" noChangeAspect="1" noMove="1" noResize="1" noEditPoints="1" noAdjustHandles="1" noChangeArrowheads="1" noChangeShapeType="1" noTextEdit="1"/>
+          </p:cNvSpPr>
+          <p:nvPr>
+            <p:extLst>
+              <p:ext uri="{386F3935-93C4-4BCD-93E2-E3B085C9AB24}">
+                <p16:designElem xmlns:p16="http://schemas.microsoft.com/office/powerpoint/2015/main" val="1"/>
+              </p:ext>
+            </p:extLst>
+          </p:nvPr>
+        </p:nvSpPr>
+        <p:spPr bwMode="ltGray">
+          <a:xfrm>
+            <a:off x="396882" y="280374"/>
+            <a:ext cx="11438793" cy="1844256"/>
+          </a:xfrm>
+          <a:prstGeom prst="rect">
+            <a:avLst/>
+          </a:prstGeom>
+          <a:solidFill>
+            <a:srgbClr val="404040"/>
+          </a:solidFill>
+          <a:ln w="127000" cap="sq" cmpd="thinThick">
+            <a:solidFill>
+              <a:srgbClr val="404040"/>
+            </a:solidFill>
+          </a:ln>
+        </p:spPr>
+        <p:style>
+          <a:lnRef idx="2">
+            <a:schemeClr val="accent1">
+              <a:shade val="50000"/>
+            </a:schemeClr>
+          </a:lnRef>
+          <a:fillRef idx="1">
+            <a:schemeClr val="accent1"/>
+          </a:fillRef>
+          <a:effectRef idx="0">
+            <a:schemeClr val="accent1"/>
+          </a:effectRef>
+          <a:fontRef idx="minor">
+            <a:schemeClr val="lt1"/>
+          </a:fontRef>
+        </p:style>
+        <p:txBody>
+          <a:bodyPr rtlCol="0" anchor="ctr"/>
+          <a:lstStyle/>
+          <a:p>
+            <a:pPr algn="ctr"/>
+            <a:endParaRPr lang="en-US"/>
+          </a:p>
+        </p:txBody>
+      </p:sp>
+      <p:sp>
+        <p:nvSpPr>
+          <p:cNvPr id="2" name="Titolo 1">
+            <a:extLst>
+              <a:ext uri="{FF2B5EF4-FFF2-40B4-BE49-F238E27FC236}">
+                <a16:creationId xmlns:a16="http://schemas.microsoft.com/office/drawing/2014/main" id="{BA2E35EB-F348-2041-A9C4-6FC60776BF46}"/>
+              </a:ext>
+            </a:extLst>
+          </p:cNvPr>
+          <p:cNvSpPr>
+            <a:spLocks noGrp="1"/>
+          </p:cNvSpPr>
+          <p:nvPr>
+            <p:ph type="title"/>
+          </p:nvPr>
+        </p:nvSpPr>
+        <p:spPr>
+          <a:xfrm>
+            <a:off x="546351" y="433545"/>
+            <a:ext cx="11139854" cy="930447"/>
+          </a:xfrm>
+        </p:spPr>
+        <p:txBody>
+          <a:bodyPr vert="horz" lIns="91440" tIns="45720" rIns="91440" bIns="45720" rtlCol="0" anchor="b">
+            <a:normAutofit/>
+          </a:bodyPr>
+          <a:lstStyle/>
+          <a:p>
+            <a:pPr algn="ctr"/>
+            <a:r>
+              <a:rPr lang="en-US" sz="5400" b="1" dirty="0">
+                <a:solidFill>
+                  <a:srgbClr val="FFFFFF"/>
+                </a:solidFill>
+              </a:rPr>
+              <a:t> Second Point</a:t>
+            </a:r>
+          </a:p>
+        </p:txBody>
+      </p:sp>
+      <p:cxnSp>
+        <p:nvCxnSpPr>
+          <p:cNvPr id="56" name="Straight Connector 55">
+            <a:extLst>
+              <a:ext uri="{FF2B5EF4-FFF2-40B4-BE49-F238E27FC236}">
+                <a16:creationId xmlns:a16="http://schemas.microsoft.com/office/drawing/2014/main" id="{7E7C77BC-7138-40B1-A15B-20F57A494629}"/>
+              </a:ext>
+              <a:ext uri="{C183D7F6-B498-43B3-948B-1728B52AA6E4}">
+                <adec:decorative xmlns:adec="http://schemas.microsoft.com/office/drawing/2017/decorative" val="1"/>
+              </a:ext>
+            </a:extLst>
+          </p:cNvPr>
+          <p:cNvCxnSpPr>
+            <a:cxnSpLocks noGrp="1" noRot="1" noChangeAspect="1" noMove="1" noResize="1" noEditPoints="1" noAdjustHandles="1" noChangeArrowheads="1" noChangeShapeType="1"/>
+          </p:cNvCxnSpPr>
+          <p:nvPr>
+            <p:extLst>
+              <p:ext uri="{386F3935-93C4-4BCD-93E2-E3B085C9AB24}">
+                <p16:designElem xmlns:p16="http://schemas.microsoft.com/office/powerpoint/2015/main" val="1"/>
+              </p:ext>
+            </p:extLst>
+          </p:nvPr>
+        </p:nvCxnSpPr>
+        <p:spPr>
+          <a:xfrm>
+            <a:off x="2230078" y="1522292"/>
+            <a:ext cx="7772400" cy="0"/>
+          </a:xfrm>
+          <a:prstGeom prst="line">
+            <a:avLst/>
+          </a:prstGeom>
+          <a:ln w="22225">
+            <a:solidFill>
+              <a:srgbClr val="D9D9D9"/>
+            </a:solidFill>
+          </a:ln>
+        </p:spPr>
+        <p:style>
+          <a:lnRef idx="1">
+            <a:schemeClr val="accent1"/>
+          </a:lnRef>
+          <a:fillRef idx="0">
+            <a:schemeClr val="accent1"/>
+          </a:fillRef>
+          <a:effectRef idx="0">
+            <a:schemeClr val="accent1"/>
+          </a:effectRef>
+          <a:fontRef idx="minor">
+            <a:schemeClr val="tx1"/>
+          </a:fontRef>
+        </p:style>
+      </p:cxnSp>
+      <p:cxnSp>
+        <p:nvCxnSpPr>
+          <p:cNvPr id="58" name="Straight Connector 57">
+            <a:extLst>
+              <a:ext uri="{FF2B5EF4-FFF2-40B4-BE49-F238E27FC236}">
+                <a16:creationId xmlns:a16="http://schemas.microsoft.com/office/drawing/2014/main" id="{DB146403-F3D6-484B-B2ED-97F9565D0370}"/>
+              </a:ext>
+              <a:ext uri="{C183D7F6-B498-43B3-948B-1728B52AA6E4}">
+                <adec:decorative xmlns:adec="http://schemas.microsoft.com/office/drawing/2017/decorative" val="1"/>
+              </a:ext>
+            </a:extLst>
+          </p:cNvPr>
+          <p:cNvCxnSpPr>
+            <a:cxnSpLocks noGrp="1" noRot="1" noChangeAspect="1" noMove="1" noResize="1" noEditPoints="1" noAdjustHandles="1" noChangeArrowheads="1" noChangeShapeType="1"/>
+          </p:cNvCxnSpPr>
+          <p:nvPr>
+            <p:extLst>
+              <p:ext uri="{386F3935-93C4-4BCD-93E2-E3B085C9AB24}">
+                <p16:designElem xmlns:p16="http://schemas.microsoft.com/office/powerpoint/2015/main" val="1"/>
+              </p:ext>
+            </p:extLst>
+          </p:nvPr>
+        </p:nvCxnSpPr>
+        <p:spPr>
+          <a:xfrm>
+            <a:off x="6116278" y="2596836"/>
+            <a:ext cx="0" cy="3657600"/>
+          </a:xfrm>
+          <a:prstGeom prst="line">
+            <a:avLst/>
+          </a:prstGeom>
+          <a:ln w="101600" cmpd="dbl">
+            <a:solidFill>
+              <a:srgbClr val="595959"/>
+            </a:solidFill>
+          </a:ln>
+        </p:spPr>
+        <p:style>
+          <a:lnRef idx="1">
+            <a:schemeClr val="accent1"/>
+          </a:lnRef>
+          <a:fillRef idx="0">
+            <a:schemeClr val="accent1"/>
+          </a:fillRef>
+          <a:effectRef idx="0">
+            <a:schemeClr val="accent1"/>
+          </a:effectRef>
+          <a:fontRef idx="minor">
+            <a:schemeClr val="tx1"/>
+          </a:fontRef>
+        </p:style>
+      </p:cxnSp>
+      <p:pic>
+        <p:nvPicPr>
+          <p:cNvPr id="4" name="Immagine 3">
+            <a:extLst>
+              <a:ext uri="{FF2B5EF4-FFF2-40B4-BE49-F238E27FC236}">
+                <a16:creationId xmlns:a16="http://schemas.microsoft.com/office/drawing/2014/main" id="{44C22301-EE38-7243-848B-3D93E958185C}"/>
+              </a:ext>
+            </a:extLst>
+          </p:cNvPr>
+          <p:cNvPicPr>
+            <a:picLocks noChangeAspect="1"/>
+          </p:cNvPicPr>
+          <p:nvPr/>
+        </p:nvPicPr>
+        <p:blipFill>
+          <a:blip r:embed="rId2"/>
+          <a:stretch>
+            <a:fillRect/>
+          </a:stretch>
+        </p:blipFill>
+        <p:spPr>
+          <a:xfrm>
+            <a:off x="546351" y="2531009"/>
+            <a:ext cx="5391103" cy="3610612"/>
+          </a:xfrm>
+          <a:prstGeom prst="rect">
+            <a:avLst/>
+          </a:prstGeom>
+        </p:spPr>
+      </p:pic>
+      <p:sp>
+        <p:nvSpPr>
+          <p:cNvPr id="8" name="CasellaDiTesto 7">
+            <a:extLst>
+              <a:ext uri="{FF2B5EF4-FFF2-40B4-BE49-F238E27FC236}">
+                <a16:creationId xmlns:a16="http://schemas.microsoft.com/office/drawing/2014/main" id="{C67C058D-F3C3-5F44-8613-AA4BFABFB578}"/>
+              </a:ext>
+            </a:extLst>
+          </p:cNvPr>
+          <p:cNvSpPr txBox="1"/>
+          <p:nvPr/>
+        </p:nvSpPr>
+        <p:spPr>
+          <a:xfrm>
+            <a:off x="3794848" y="1462874"/>
+            <a:ext cx="5806337" cy="523220"/>
+          </a:xfrm>
+          <a:prstGeom prst="rect">
+            <a:avLst/>
+          </a:prstGeom>
+          <a:noFill/>
+        </p:spPr>
+        <p:txBody>
+          <a:bodyPr wrap="square" rtlCol="0">
+            <a:spAutoFit/>
+          </a:bodyPr>
+          <a:lstStyle/>
+          <a:p>
+            <a:r>
+              <a:rPr lang="it-IT" sz="2800" dirty="0" err="1">
+                <a:solidFill>
+                  <a:schemeClr val="bg1"/>
+                </a:solidFill>
+              </a:rPr>
+              <a:t>Graph</a:t>
+            </a:r>
+            <a:r>
+              <a:rPr lang="it-IT" sz="2800" dirty="0">
+                <a:solidFill>
+                  <a:schemeClr val="bg1"/>
+                </a:solidFill>
+              </a:rPr>
+              <a:t> </a:t>
+            </a:r>
+            <a:r>
+              <a:rPr lang="it-IT" sz="2800" dirty="0" err="1">
+                <a:solidFill>
+                  <a:schemeClr val="bg1"/>
+                </a:solidFill>
+              </a:rPr>
+              <a:t>construction</a:t>
+            </a:r>
+            <a:r>
+              <a:rPr lang="it-IT" sz="2800" dirty="0">
+                <a:solidFill>
+                  <a:schemeClr val="bg1"/>
+                </a:solidFill>
+              </a:rPr>
+              <a:t> with </a:t>
+            </a:r>
+            <a:r>
+              <a:rPr lang="it-IT" sz="2800" b="1" i="1" dirty="0" err="1">
+                <a:solidFill>
+                  <a:schemeClr val="bg1"/>
+                </a:solidFill>
+              </a:rPr>
+              <a:t>Constraints</a:t>
+            </a:r>
+            <a:endParaRPr lang="it-IT" b="1" i="1" dirty="0">
+              <a:solidFill>
+                <a:schemeClr val="bg1"/>
+              </a:solidFill>
+            </a:endParaRPr>
+          </a:p>
+        </p:txBody>
+      </p:sp>
+      <p:sp>
+        <p:nvSpPr>
+          <p:cNvPr id="10" name="CasellaDiTesto 9">
+            <a:extLst>
+              <a:ext uri="{FF2B5EF4-FFF2-40B4-BE49-F238E27FC236}">
+                <a16:creationId xmlns:a16="http://schemas.microsoft.com/office/drawing/2014/main" id="{846CEA52-DA31-4941-A407-BF4CCAECCAD7}"/>
+              </a:ext>
+            </a:extLst>
+          </p:cNvPr>
+          <p:cNvSpPr txBox="1"/>
+          <p:nvPr/>
+        </p:nvSpPr>
+        <p:spPr>
+          <a:xfrm>
+            <a:off x="6453911" y="2709333"/>
+            <a:ext cx="5381724" cy="2308324"/>
+          </a:xfrm>
+          <a:prstGeom prst="rect">
+            <a:avLst/>
+          </a:prstGeom>
+          <a:noFill/>
+        </p:spPr>
+        <p:txBody>
+          <a:bodyPr wrap="square" rtlCol="0">
+            <a:spAutoFit/>
+          </a:bodyPr>
+          <a:lstStyle/>
+          <a:p>
+            <a:r>
+              <a:rPr lang="it-IT" sz="2400" dirty="0"/>
+              <a:t>In </a:t>
+            </a:r>
+            <a:r>
+              <a:rPr lang="it-IT" sz="2400" dirty="0" err="1"/>
+              <a:t>class</a:t>
+            </a:r>
+            <a:r>
+              <a:rPr lang="it-IT" sz="2400" dirty="0"/>
+              <a:t> </a:t>
+            </a:r>
+            <a:r>
+              <a:rPr lang="it-IT" sz="2400" dirty="0" err="1"/>
+              <a:t>we</a:t>
+            </a:r>
+            <a:r>
+              <a:rPr lang="it-IT" sz="2400" dirty="0"/>
+              <a:t> </a:t>
+            </a:r>
+            <a:r>
+              <a:rPr lang="it-IT" sz="2400" dirty="0" err="1"/>
+              <a:t>saw</a:t>
+            </a:r>
+            <a:r>
+              <a:rPr lang="it-IT" sz="2400" dirty="0"/>
+              <a:t> the </a:t>
+            </a:r>
+            <a:r>
+              <a:rPr lang="it-IT" sz="2400" dirty="0" err="1"/>
+              <a:t>algorithm</a:t>
+            </a:r>
+            <a:r>
+              <a:rPr lang="it-IT" sz="2400" dirty="0"/>
+              <a:t> on the </a:t>
+            </a:r>
+            <a:r>
+              <a:rPr lang="it-IT" sz="2400" dirty="0" err="1"/>
+              <a:t>left</a:t>
+            </a:r>
+            <a:r>
+              <a:rPr lang="it-IT" sz="2400" dirty="0"/>
+              <a:t>.</a:t>
+            </a:r>
+          </a:p>
+          <a:p>
+            <a:pPr algn="just"/>
+            <a:r>
+              <a:rPr lang="it-IT" sz="2400" dirty="0" err="1"/>
+              <a:t>This</a:t>
+            </a:r>
+            <a:r>
+              <a:rPr lang="it-IT" sz="2400" dirty="0"/>
+              <a:t> </a:t>
+            </a:r>
+            <a:r>
+              <a:rPr lang="it-IT" sz="2400" dirty="0" err="1"/>
+              <a:t>algorithm</a:t>
+            </a:r>
+            <a:r>
+              <a:rPr lang="it-IT" sz="2400" dirty="0"/>
+              <a:t> </a:t>
+            </a:r>
+            <a:r>
+              <a:rPr lang="it-IT" sz="2400" dirty="0" err="1"/>
+              <a:t>allows</a:t>
+            </a:r>
+            <a:r>
+              <a:rPr lang="it-IT" sz="2400" dirty="0"/>
+              <a:t> to create a </a:t>
+            </a:r>
+            <a:r>
+              <a:rPr lang="it-IT" sz="2400" dirty="0" err="1"/>
+              <a:t>graph</a:t>
+            </a:r>
+            <a:r>
+              <a:rPr lang="it-IT" sz="2400" dirty="0"/>
+              <a:t> with the </a:t>
+            </a:r>
+            <a:r>
+              <a:rPr lang="it-IT" sz="2400" dirty="0" err="1"/>
+              <a:t>same</a:t>
+            </a:r>
+            <a:r>
+              <a:rPr lang="it-IT" sz="2400" dirty="0"/>
+              <a:t> </a:t>
+            </a:r>
+            <a:r>
+              <a:rPr lang="it-IT" sz="2400" dirty="0" err="1"/>
+              <a:t>nodes</a:t>
+            </a:r>
+            <a:r>
+              <a:rPr lang="it-IT" sz="2400" dirty="0"/>
+              <a:t> (</a:t>
+            </a:r>
+            <a:r>
+              <a:rPr lang="it-IT" sz="2400" dirty="0" err="1"/>
+              <a:t>label</a:t>
+            </a:r>
+            <a:r>
+              <a:rPr lang="it-IT" sz="2400" dirty="0"/>
+              <a:t> with </a:t>
+            </a:r>
+            <a:r>
+              <a:rPr lang="it-IT" sz="2400" dirty="0" err="1"/>
+              <a:t>number</a:t>
+            </a:r>
+            <a:r>
+              <a:rPr lang="it-IT" sz="2400" dirty="0"/>
+              <a:t> </a:t>
+            </a:r>
+            <a:r>
+              <a:rPr lang="it-IT" sz="2400" dirty="0" err="1"/>
+              <a:t>instead</a:t>
+            </a:r>
+            <a:r>
+              <a:rPr lang="it-IT" sz="2400" dirty="0"/>
+              <a:t> </a:t>
+            </a:r>
+            <a:r>
+              <a:rPr lang="it-IT" sz="2400" dirty="0" err="1"/>
+              <a:t>real</a:t>
+            </a:r>
+            <a:r>
+              <a:rPr lang="it-IT" sz="2400" dirty="0"/>
+              <a:t> </a:t>
+            </a:r>
+            <a:r>
+              <a:rPr lang="it-IT" sz="2400" dirty="0" err="1"/>
+              <a:t>name</a:t>
+            </a:r>
+            <a:r>
+              <a:rPr lang="it-IT" sz="2400" dirty="0"/>
+              <a:t>) and for </a:t>
+            </a:r>
+            <a:r>
+              <a:rPr lang="it-IT" sz="2400" dirty="0" err="1"/>
+              <a:t>each</a:t>
+            </a:r>
+            <a:r>
+              <a:rPr lang="it-IT" sz="2400" dirty="0"/>
+              <a:t> </a:t>
+            </a:r>
+            <a:r>
+              <a:rPr lang="it-IT" sz="2400" dirty="0" err="1"/>
+              <a:t>node</a:t>
+            </a:r>
+            <a:r>
+              <a:rPr lang="it-IT" sz="2400" dirty="0"/>
+              <a:t> </a:t>
+            </a:r>
+            <a:r>
+              <a:rPr lang="it-IT" sz="2400" dirty="0" err="1"/>
+              <a:t>consider</a:t>
+            </a:r>
+            <a:r>
+              <a:rPr lang="it-IT" sz="2400" dirty="0"/>
+              <a:t> the </a:t>
+            </a:r>
+            <a:r>
+              <a:rPr lang="it-IT" sz="2400" dirty="0" err="1"/>
+              <a:t>degree</a:t>
+            </a:r>
+            <a:r>
+              <a:rPr lang="it-IT" sz="2400" dirty="0"/>
+              <a:t> of </a:t>
+            </a:r>
+            <a:r>
+              <a:rPr lang="it-IT" sz="2400" dirty="0" err="1"/>
+              <a:t>anonymization</a:t>
+            </a:r>
+            <a:r>
+              <a:rPr lang="it-IT" sz="2400" dirty="0"/>
+              <a:t> and </a:t>
+            </a:r>
+            <a:r>
+              <a:rPr lang="it-IT" sz="2400" dirty="0" err="1"/>
+              <a:t>add</a:t>
+            </a:r>
+            <a:r>
+              <a:rPr lang="it-IT" sz="2400" dirty="0"/>
+              <a:t> </a:t>
+            </a:r>
+            <a:r>
+              <a:rPr lang="it-IT" sz="2400" dirty="0" err="1"/>
+              <a:t>edge</a:t>
+            </a:r>
+            <a:r>
+              <a:rPr lang="it-IT" sz="2400" dirty="0"/>
+              <a:t> with no </a:t>
+            </a:r>
+            <a:r>
+              <a:rPr lang="it-IT" sz="2400" dirty="0" err="1"/>
+              <a:t>constraints</a:t>
+            </a:r>
+            <a:r>
+              <a:rPr lang="it-IT" sz="2400" dirty="0"/>
+              <a:t>.</a:t>
+            </a:r>
+          </a:p>
+        </p:txBody>
+      </p:sp>
+      <p:sp>
+        <p:nvSpPr>
+          <p:cNvPr id="11" name="CasellaDiTesto 10">
+            <a:extLst>
+              <a:ext uri="{FF2B5EF4-FFF2-40B4-BE49-F238E27FC236}">
+                <a16:creationId xmlns:a16="http://schemas.microsoft.com/office/drawing/2014/main" id="{6BEAB244-E599-DF43-BF78-D0DA98059D29}"/>
+              </a:ext>
+            </a:extLst>
+          </p:cNvPr>
+          <p:cNvSpPr txBox="1"/>
+          <p:nvPr/>
+        </p:nvSpPr>
+        <p:spPr>
+          <a:xfrm>
+            <a:off x="6453911" y="5430163"/>
+            <a:ext cx="5232294" cy="646331"/>
+          </a:xfrm>
+          <a:prstGeom prst="rect">
+            <a:avLst/>
+          </a:prstGeom>
+          <a:noFill/>
+        </p:spPr>
+        <p:txBody>
+          <a:bodyPr wrap="square" rtlCol="0">
+            <a:spAutoFit/>
+          </a:bodyPr>
+          <a:lstStyle/>
+          <a:p>
+            <a:pPr algn="just"/>
+            <a:r>
+              <a:rPr lang="it-IT" b="1" dirty="0"/>
+              <a:t>IS IT POSSIBLE CREATE AN ANONYMIZATION GRAPH WITH THE </a:t>
+            </a:r>
+            <a:r>
+              <a:rPr lang="it-IT" b="1" dirty="0">
+                <a:solidFill>
+                  <a:srgbClr val="C00000"/>
+                </a:solidFill>
+              </a:rPr>
+              <a:t>START EDGE</a:t>
+            </a:r>
+            <a:r>
+              <a:rPr lang="it-IT" b="1" dirty="0"/>
+              <a:t>?</a:t>
+            </a:r>
+          </a:p>
+        </p:txBody>
+      </p:sp>
+    </p:spTree>
+    <p:extLst>
+      <p:ext uri="{BB962C8B-B14F-4D97-AF65-F5344CB8AC3E}">
+        <p14:creationId xmlns:p14="http://schemas.microsoft.com/office/powerpoint/2010/main" val="2815029175"/>
       </p:ext>
     </p:extLst>
   </p:cSld>

--- a/Presentazione.pptx
+++ b/Presentazione.pptx
@@ -278,7 +278,7 @@
           <a:p>
             <a:fld id="{0E4CDD72-A63B-C044-8A2C-F1FDCDA64E36}" type="datetimeFigureOut">
               <a:rPr lang="it-IT" smtClean="0"/>
-              <a:t>28/01/20</a:t>
+              <a:t>30/01/20</a:t>
             </a:fld>
             <a:endParaRPr lang="it-IT"/>
           </a:p>
@@ -476,7 +476,7 @@
           <a:p>
             <a:fld id="{0E4CDD72-A63B-C044-8A2C-F1FDCDA64E36}" type="datetimeFigureOut">
               <a:rPr lang="it-IT" smtClean="0"/>
-              <a:t>28/01/20</a:t>
+              <a:t>30/01/20</a:t>
             </a:fld>
             <a:endParaRPr lang="it-IT"/>
           </a:p>
@@ -684,7 +684,7 @@
           <a:p>
             <a:fld id="{0E4CDD72-A63B-C044-8A2C-F1FDCDA64E36}" type="datetimeFigureOut">
               <a:rPr lang="it-IT" smtClean="0"/>
-              <a:t>28/01/20</a:t>
+              <a:t>30/01/20</a:t>
             </a:fld>
             <a:endParaRPr lang="it-IT"/>
           </a:p>
@@ -882,7 +882,7 @@
           <a:p>
             <a:fld id="{0E4CDD72-A63B-C044-8A2C-F1FDCDA64E36}" type="datetimeFigureOut">
               <a:rPr lang="it-IT" smtClean="0"/>
-              <a:t>28/01/20</a:t>
+              <a:t>30/01/20</a:t>
             </a:fld>
             <a:endParaRPr lang="it-IT"/>
           </a:p>
@@ -1157,7 +1157,7 @@
           <a:p>
             <a:fld id="{0E4CDD72-A63B-C044-8A2C-F1FDCDA64E36}" type="datetimeFigureOut">
               <a:rPr lang="it-IT" smtClean="0"/>
-              <a:t>28/01/20</a:t>
+              <a:t>30/01/20</a:t>
             </a:fld>
             <a:endParaRPr lang="it-IT"/>
           </a:p>
@@ -1422,7 +1422,7 @@
           <a:p>
             <a:fld id="{0E4CDD72-A63B-C044-8A2C-F1FDCDA64E36}" type="datetimeFigureOut">
               <a:rPr lang="it-IT" smtClean="0"/>
-              <a:t>28/01/20</a:t>
+              <a:t>30/01/20</a:t>
             </a:fld>
             <a:endParaRPr lang="it-IT"/>
           </a:p>
@@ -1834,7 +1834,7 @@
           <a:p>
             <a:fld id="{0E4CDD72-A63B-C044-8A2C-F1FDCDA64E36}" type="datetimeFigureOut">
               <a:rPr lang="it-IT" smtClean="0"/>
-              <a:t>28/01/20</a:t>
+              <a:t>30/01/20</a:t>
             </a:fld>
             <a:endParaRPr lang="it-IT"/>
           </a:p>
@@ -1975,7 +1975,7 @@
           <a:p>
             <a:fld id="{0E4CDD72-A63B-C044-8A2C-F1FDCDA64E36}" type="datetimeFigureOut">
               <a:rPr lang="it-IT" smtClean="0"/>
-              <a:t>28/01/20</a:t>
+              <a:t>30/01/20</a:t>
             </a:fld>
             <a:endParaRPr lang="it-IT"/>
           </a:p>
@@ -2088,7 +2088,7 @@
           <a:p>
             <a:fld id="{0E4CDD72-A63B-C044-8A2C-F1FDCDA64E36}" type="datetimeFigureOut">
               <a:rPr lang="it-IT" smtClean="0"/>
-              <a:t>28/01/20</a:t>
+              <a:t>30/01/20</a:t>
             </a:fld>
             <a:endParaRPr lang="it-IT"/>
           </a:p>
@@ -2399,7 +2399,7 @@
           <a:p>
             <a:fld id="{0E4CDD72-A63B-C044-8A2C-F1FDCDA64E36}" type="datetimeFigureOut">
               <a:rPr lang="it-IT" smtClean="0"/>
-              <a:t>28/01/20</a:t>
+              <a:t>30/01/20</a:t>
             </a:fld>
             <a:endParaRPr lang="it-IT"/>
           </a:p>
@@ -2687,7 +2687,7 @@
           <a:p>
             <a:fld id="{0E4CDD72-A63B-C044-8A2C-F1FDCDA64E36}" type="datetimeFigureOut">
               <a:rPr lang="it-IT" smtClean="0"/>
-              <a:t>28/01/20</a:t>
+              <a:t>30/01/20</a:t>
             </a:fld>
             <a:endParaRPr lang="it-IT"/>
           </a:p>
@@ -2928,7 +2928,7 @@
           <a:p>
             <a:fld id="{0E4CDD72-A63B-C044-8A2C-F1FDCDA64E36}" type="datetimeFigureOut">
               <a:rPr lang="it-IT" smtClean="0"/>
-              <a:t>28/01/20</a:t>
+              <a:t>30/01/20</a:t>
             </a:fld>
             <a:endParaRPr lang="it-IT"/>
           </a:p>
@@ -10410,7 +10410,7 @@
             </a:r>
             <a:r>
               <a:rPr lang="it-IT" dirty="0" err="1"/>
-              <a:t>arches</a:t>
+              <a:t>edges</a:t>
             </a:r>
             <a:r>
               <a:rPr lang="it-IT" dirty="0"/>
@@ -12442,35 +12442,6 @@
           <a:chExt cx="0" cy="0"/>
         </a:xfrm>
       </p:grpSpPr>
-      <p:pic>
-        <p:nvPicPr>
-          <p:cNvPr id="9" name="Segnaposto contenuto 8">
-            <a:extLst>
-              <a:ext uri="{FF2B5EF4-FFF2-40B4-BE49-F238E27FC236}">
-                <a16:creationId xmlns:a16="http://schemas.microsoft.com/office/drawing/2014/main" id="{BF746654-6B3B-9F4B-A5FB-5AA54C6FD2A5}"/>
-              </a:ext>
-            </a:extLst>
-          </p:cNvPr>
-          <p:cNvPicPr>
-            <a:picLocks noGrp="1" noChangeAspect="1"/>
-          </p:cNvPicPr>
-          <p:nvPr>
-            <p:ph idx="1"/>
-          </p:nvPr>
-        </p:nvPicPr>
-        <p:blipFill>
-          <a:blip r:embed="rId2"/>
-          <a:stretch>
-            <a:fillRect/>
-          </a:stretch>
-        </p:blipFill>
-        <p:spPr>
-          <a:xfrm>
-            <a:off x="884152" y="309356"/>
-            <a:ext cx="8540613" cy="6021654"/>
-          </a:xfrm>
-        </p:spPr>
-      </p:pic>
       <p:sp>
         <p:nvSpPr>
           <p:cNvPr id="12" name="CasellaDiTesto 11">
@@ -12578,7 +12549,7 @@
         <p:spPr>
           <a:xfrm>
             <a:off x="8918369" y="875228"/>
-            <a:ext cx="2707574" cy="2308324"/>
+            <a:ext cx="2707574" cy="2862322"/>
           </a:xfrm>
           <a:prstGeom prst="rect">
             <a:avLst/>
@@ -12594,7 +12565,39 @@
             <a:pPr algn="just"/>
             <a:r>
               <a:rPr lang="it-IT" dirty="0" err="1"/>
-              <a:t>As</a:t>
+              <a:t>Values</a:t>
+            </a:r>
+            <a:r>
+              <a:rPr lang="it-IT" dirty="0"/>
+              <a:t> of </a:t>
+            </a:r>
+            <a:r>
+              <a:rPr lang="it-IT" dirty="0" err="1"/>
+              <a:t>R</a:t>
+            </a:r>
+            <a:r>
+              <a:rPr lang="it-IT" dirty="0"/>
+              <a:t> </a:t>
+            </a:r>
+            <a:r>
+              <a:rPr lang="it-IT" dirty="0" err="1"/>
+              <a:t>close</a:t>
+            </a:r>
+            <a:r>
+              <a:rPr lang="it-IT" dirty="0"/>
+              <a:t> to 1 </a:t>
+            </a:r>
+            <a:r>
+              <a:rPr lang="it-IT" dirty="0" err="1"/>
+              <a:t>imply</a:t>
+            </a:r>
+            <a:r>
+              <a:rPr lang="it-IT" dirty="0"/>
+              <a:t> </a:t>
+            </a:r>
+            <a:r>
+              <a:rPr lang="it-IT" dirty="0" err="1"/>
+              <a:t>that</a:t>
             </a:r>
             <a:r>
               <a:rPr lang="it-IT" dirty="0"/>
@@ -12602,30 +12605,119 @@
             </a:r>
             <a:r>
               <a:rPr lang="it-IT" dirty="0" err="1"/>
-              <a:t>value</a:t>
-            </a:r>
-            <a:r>
-              <a:rPr lang="it-IT" dirty="0"/>
-              <a:t> of k </a:t>
-            </a:r>
-            <a:r>
-              <a:rPr lang="it-IT" dirty="0" err="1"/>
-              <a:t>increases</a:t>
-            </a:r>
-            <a:r>
-              <a:rPr lang="it-IT" dirty="0"/>
-              <a:t>, </a:t>
-            </a:r>
-          </a:p>
-          <a:p>
-            <a:pPr algn="just"/>
+              <a:t>two</a:t>
+            </a:r>
+            <a:r>
+              <a:rPr lang="it-IT" dirty="0"/>
+              <a:t> </a:t>
+            </a:r>
+            <a:r>
+              <a:rPr lang="it-IT" dirty="0" err="1"/>
+              <a:t>algorithms</a:t>
+            </a:r>
+            <a:r>
+              <a:rPr lang="it-IT" dirty="0"/>
+              <a:t> </a:t>
+            </a:r>
+            <a:r>
+              <a:rPr lang="it-IT" dirty="0" err="1"/>
+              <a:t>achieve</a:t>
+            </a:r>
+            <a:r>
+              <a:rPr lang="it-IT" dirty="0"/>
+              <a:t> </a:t>
+            </a:r>
+            <a:r>
+              <a:rPr lang="it-IT" dirty="0" err="1"/>
+              <a:t>exactly</a:t>
+            </a:r>
             <a:r>
               <a:rPr lang="it-IT" dirty="0"/>
               <a:t> the </a:t>
             </a:r>
             <a:r>
               <a:rPr lang="it-IT" dirty="0" err="1"/>
-              <a:t>greedy</a:t>
+              <a:t>same</a:t>
+            </a:r>
+            <a:r>
+              <a:rPr lang="it-IT" dirty="0"/>
+              <a:t> </a:t>
+            </a:r>
+            <a:r>
+              <a:rPr lang="it-IT" dirty="0" err="1"/>
+              <a:t>cost</a:t>
+            </a:r>
+            <a:r>
+              <a:rPr lang="it-IT" dirty="0"/>
+              <a:t>, in </a:t>
+            </a:r>
+            <a:r>
+              <a:rPr lang="it-IT" dirty="0" err="1"/>
+              <a:t>which</a:t>
+            </a:r>
+            <a:r>
+              <a:rPr lang="it-IT" dirty="0"/>
+              <a:t> case </a:t>
+            </a:r>
+            <a:r>
+              <a:rPr lang="it-IT" dirty="0" err="1"/>
+              <a:t>Greedy</a:t>
+            </a:r>
+            <a:r>
+              <a:rPr lang="it-IT" dirty="0"/>
+              <a:t> </a:t>
+            </a:r>
+            <a:r>
+              <a:rPr lang="it-IT" dirty="0" err="1"/>
+              <a:t>performs</a:t>
+            </a:r>
+            <a:r>
+              <a:rPr lang="it-IT" dirty="0"/>
+              <a:t> </a:t>
+            </a:r>
+            <a:r>
+              <a:rPr lang="it-IT"/>
+              <a:t>optimally</a:t>
+            </a:r>
+            <a:r>
+              <a:rPr lang="it-IT" dirty="0"/>
+              <a:t>. The </a:t>
+            </a:r>
+            <a:r>
+              <a:rPr lang="it-IT" dirty="0" err="1"/>
+              <a:t>closer</a:t>
+            </a:r>
+            <a:r>
+              <a:rPr lang="it-IT" dirty="0"/>
+              <a:t> </a:t>
+            </a:r>
+            <a:r>
+              <a:rPr lang="it-IT" dirty="0" err="1"/>
+              <a:t>R</a:t>
+            </a:r>
+            <a:r>
+              <a:rPr lang="it-IT" dirty="0"/>
+              <a:t> </a:t>
+            </a:r>
+            <a:r>
+              <a:rPr lang="it-IT" dirty="0" err="1"/>
+              <a:t>is</a:t>
+            </a:r>
+            <a:r>
+              <a:rPr lang="it-IT" dirty="0"/>
+              <a:t> to 1, the </a:t>
+            </a:r>
+            <a:r>
+              <a:rPr lang="it-IT" dirty="0" err="1"/>
+              <a:t>better</a:t>
+            </a:r>
+            <a:r>
+              <a:rPr lang="it-IT" dirty="0"/>
+              <a:t> the performance of the </a:t>
+            </a:r>
+            <a:r>
+              <a:rPr lang="it-IT" dirty="0" err="1"/>
+              <a:t>Greedy</a:t>
             </a:r>
             <a:r>
               <a:rPr lang="it-IT" dirty="0"/>
@@ -12637,79 +12729,7 @@
             </a:r>
             <a:r>
               <a:rPr lang="it-IT" dirty="0"/>
-              <a:t> </a:t>
-            </a:r>
-            <a:r>
-              <a:rPr lang="it-IT" dirty="0" err="1"/>
-              <a:t>increasingly</a:t>
-            </a:r>
-            <a:r>
-              <a:rPr lang="it-IT" dirty="0"/>
-              <a:t> </a:t>
-            </a:r>
-            <a:r>
-              <a:rPr lang="it-IT" dirty="0" err="1"/>
-              <a:t>moves</a:t>
-            </a:r>
-            <a:r>
-              <a:rPr lang="it-IT" dirty="0"/>
-              <a:t> </a:t>
-            </a:r>
-            <a:r>
-              <a:rPr lang="it-IT" dirty="0" err="1"/>
-              <a:t>away</a:t>
-            </a:r>
-            <a:r>
-              <a:rPr lang="it-IT" dirty="0"/>
-              <a:t> from the </a:t>
-            </a:r>
-            <a:r>
-              <a:rPr lang="it-IT" dirty="0" err="1"/>
-              <a:t>optimal</a:t>
-            </a:r>
-            <a:r>
-              <a:rPr lang="it-IT" dirty="0"/>
-              <a:t> </a:t>
-            </a:r>
-            <a:r>
-              <a:rPr lang="it-IT" dirty="0" err="1"/>
-              <a:t>anonymization</a:t>
-            </a:r>
-            <a:r>
-              <a:rPr lang="it-IT" dirty="0"/>
-              <a:t> </a:t>
-            </a:r>
-            <a:r>
-              <a:rPr lang="it-IT" dirty="0" err="1"/>
-              <a:t>values</a:t>
-            </a:r>
-            <a:r>
-              <a:rPr lang="it-IT" dirty="0"/>
-              <a:t>, in a linear way </a:t>
-            </a:r>
-            <a:r>
-              <a:rPr lang="it-IT" dirty="0" err="1"/>
-              <a:t>as</a:t>
-            </a:r>
-            <a:r>
-              <a:rPr lang="it-IT" dirty="0"/>
-              <a:t> </a:t>
-            </a:r>
-            <a:r>
-              <a:rPr lang="it-IT" dirty="0" err="1"/>
-              <a:t>value</a:t>
-            </a:r>
-            <a:r>
-              <a:rPr lang="it-IT" dirty="0"/>
-              <a:t> of k-</a:t>
-            </a:r>
-            <a:r>
-              <a:rPr lang="it-IT" dirty="0" err="1"/>
-              <a:t>degree</a:t>
-            </a:r>
-            <a:r>
-              <a:rPr lang="it-IT" dirty="0"/>
-              <a:t>.</a:t>
+              <a:t>. </a:t>
             </a:r>
           </a:p>
           <a:p>
@@ -12718,6 +12738,35 @@
           </a:p>
         </p:txBody>
       </p:sp>
+      <p:pic>
+        <p:nvPicPr>
+          <p:cNvPr id="5" name="Segnaposto contenuto 4">
+            <a:extLst>
+              <a:ext uri="{FF2B5EF4-FFF2-40B4-BE49-F238E27FC236}">
+                <a16:creationId xmlns:a16="http://schemas.microsoft.com/office/drawing/2014/main" id="{A66E5FE4-3D68-3447-9CFC-C43A655ED87C}"/>
+              </a:ext>
+            </a:extLst>
+          </p:cNvPr>
+          <p:cNvPicPr>
+            <a:picLocks noGrp="1" noChangeAspect="1"/>
+          </p:cNvPicPr>
+          <p:nvPr>
+            <p:ph idx="1"/>
+          </p:nvPr>
+        </p:nvPicPr>
+        <p:blipFill>
+          <a:blip r:embed="rId2"/>
+          <a:stretch>
+            <a:fillRect/>
+          </a:stretch>
+        </p:blipFill>
+        <p:spPr>
+          <a:xfrm>
+            <a:off x="0" y="678688"/>
+            <a:ext cx="8918369" cy="6179312"/>
+          </a:xfrm>
+        </p:spPr>
+      </p:pic>
     </p:spTree>
     <p:extLst>
       <p:ext uri="{BB962C8B-B14F-4D97-AF65-F5344CB8AC3E}">

--- a/Presentazione.pptx
+++ b/Presentazione.pptx
@@ -7460,36 +7460,6 @@
           </a:p>
         </p:txBody>
       </p:sp>
-      <p:pic>
-        <p:nvPicPr>
-          <p:cNvPr id="11" name="Immagine 10">
-            <a:extLst>
-              <a:ext uri="{FF2B5EF4-FFF2-40B4-BE49-F238E27FC236}">
-                <a16:creationId xmlns:a16="http://schemas.microsoft.com/office/drawing/2014/main" id="{722D6F5B-F5A1-0042-AC7A-D6ACD4320762}"/>
-              </a:ext>
-            </a:extLst>
-          </p:cNvPr>
-          <p:cNvPicPr>
-            <a:picLocks noChangeAspect="1"/>
-          </p:cNvPicPr>
-          <p:nvPr/>
-        </p:nvPicPr>
-        <p:blipFill>
-          <a:blip r:embed="rId3"/>
-          <a:stretch>
-            <a:fillRect/>
-          </a:stretch>
-        </p:blipFill>
-        <p:spPr>
-          <a:xfrm>
-            <a:off x="6927551" y="321734"/>
-            <a:ext cx="3873560" cy="2905170"/>
-          </a:xfrm>
-          <a:prstGeom prst="rect">
-            <a:avLst/>
-          </a:prstGeom>
-        </p:spPr>
-      </p:pic>
       <p:sp>
         <p:nvSpPr>
           <p:cNvPr id="18" name="Rectangle 17">
@@ -7637,7 +7607,7 @@
           <p:nvPr/>
         </p:nvPicPr>
         <p:blipFill>
-          <a:blip r:embed="rId4"/>
+          <a:blip r:embed="rId3"/>
           <a:stretch>
             <a:fillRect/>
           </a:stretch>
@@ -7654,10 +7624,40 @@
       </p:pic>
       <p:pic>
         <p:nvPicPr>
-          <p:cNvPr id="9" name="Immagine 8">
-            <a:extLst>
-              <a:ext uri="{FF2B5EF4-FFF2-40B4-BE49-F238E27FC236}">
-                <a16:creationId xmlns:a16="http://schemas.microsoft.com/office/drawing/2014/main" id="{13BB3F3D-7EBC-EE4E-B592-6B966157EAC9}"/>
+          <p:cNvPr id="3" name="Immagine 2">
+            <a:extLst>
+              <a:ext uri="{FF2B5EF4-FFF2-40B4-BE49-F238E27FC236}">
+                <a16:creationId xmlns:a16="http://schemas.microsoft.com/office/drawing/2014/main" id="{841F513A-360C-AD4B-BB3C-9BF55AD6A864}"/>
+              </a:ext>
+            </a:extLst>
+          </p:cNvPr>
+          <p:cNvPicPr>
+            <a:picLocks noChangeAspect="1"/>
+          </p:cNvPicPr>
+          <p:nvPr/>
+        </p:nvPicPr>
+        <p:blipFill>
+          <a:blip r:embed="rId4"/>
+          <a:stretch>
+            <a:fillRect/>
+          </a:stretch>
+        </p:blipFill>
+        <p:spPr>
+          <a:xfrm>
+            <a:off x="7038340" y="3598545"/>
+            <a:ext cx="3762771" cy="2822078"/>
+          </a:xfrm>
+          <a:prstGeom prst="rect">
+            <a:avLst/>
+          </a:prstGeom>
+        </p:spPr>
+      </p:pic>
+      <p:pic>
+        <p:nvPicPr>
+          <p:cNvPr id="6" name="Immagine 5">
+            <a:extLst>
+              <a:ext uri="{FF2B5EF4-FFF2-40B4-BE49-F238E27FC236}">
+                <a16:creationId xmlns:a16="http://schemas.microsoft.com/office/drawing/2014/main" id="{5A1EDC27-2F1E-9F48-8BBE-93C3B4061B7F}"/>
               </a:ext>
             </a:extLst>
           </p:cNvPr>
@@ -7674,8 +7674,8 @@
         </p:blipFill>
         <p:spPr>
           <a:xfrm>
-            <a:off x="7023958" y="3631096"/>
-            <a:ext cx="3680746" cy="2760560"/>
+            <a:off x="7068820" y="427684"/>
+            <a:ext cx="3732291" cy="2799219"/>
           </a:xfrm>
           <a:prstGeom prst="rect">
             <a:avLst/>
